--- a/_Paper/GS11211B8 于俊超 毕业答辩PPT.pptx
+++ b/_Paper/GS11211B8 于俊超 毕业答辩PPT.pptx
@@ -10,16 +10,16 @@
   <p:sldIdLst>
     <p:sldId id="256" r:id="rId2"/>
     <p:sldId id="257" r:id="rId3"/>
-    <p:sldId id="259" r:id="rId4"/>
-    <p:sldId id="268" r:id="rId5"/>
+    <p:sldId id="268" r:id="rId4"/>
+    <p:sldId id="259" r:id="rId5"/>
     <p:sldId id="261" r:id="rId6"/>
-    <p:sldId id="260" r:id="rId7"/>
-    <p:sldId id="262" r:id="rId8"/>
-    <p:sldId id="269" r:id="rId9"/>
-    <p:sldId id="270" r:id="rId10"/>
-    <p:sldId id="272" r:id="rId11"/>
-    <p:sldId id="263" r:id="rId12"/>
-    <p:sldId id="264" r:id="rId13"/>
+    <p:sldId id="262" r:id="rId7"/>
+    <p:sldId id="269" r:id="rId8"/>
+    <p:sldId id="270" r:id="rId9"/>
+    <p:sldId id="272" r:id="rId10"/>
+    <p:sldId id="263" r:id="rId11"/>
+    <p:sldId id="264" r:id="rId12"/>
+    <p:sldId id="260" r:id="rId13"/>
     <p:sldId id="274" r:id="rId14"/>
     <p:sldId id="275" r:id="rId15"/>
     <p:sldId id="265" r:id="rId16"/>
@@ -209,7 +209,7 @@
           <a:p>
             <a:fld id="{6ED88D52-184A-49DA-9F8B-928D6751A5A1}" type="datetimeFigureOut">
               <a:rPr lang="zh-CN" altLang="en-US" smtClean="0"/>
-              <a:t>2013/12/12</a:t>
+              <a:t>2013/12/13</a:t>
             </a:fld>
             <a:endParaRPr lang="zh-CN" altLang="en-US"/>
           </a:p>
@@ -747,7 +747,7 @@
             <a:fld id="{1D8BD707-D9CF-40AE-B4C6-C98DA3205C09}" type="datetimeFigureOut">
               <a:rPr lang="en-US" smtClean="0"/>
               <a:pPr/>
-              <a:t>12/12/2013</a:t>
+              <a:t>12/13/2013</a:t>
             </a:fld>
             <a:endParaRPr lang="en-US"/>
           </a:p>
@@ -914,7 +914,7 @@
             <a:fld id="{1D8BD707-D9CF-40AE-B4C6-C98DA3205C09}" type="datetimeFigureOut">
               <a:rPr lang="en-US" smtClean="0"/>
               <a:pPr/>
-              <a:t>12/12/2013</a:t>
+              <a:t>12/13/2013</a:t>
             </a:fld>
             <a:endParaRPr lang="en-US"/>
           </a:p>
@@ -1091,7 +1091,7 @@
             <a:fld id="{1D8BD707-D9CF-40AE-B4C6-C98DA3205C09}" type="datetimeFigureOut">
               <a:rPr lang="en-US" smtClean="0"/>
               <a:pPr/>
-              <a:t>12/12/2013</a:t>
+              <a:t>12/13/2013</a:t>
             </a:fld>
             <a:endParaRPr lang="en-US"/>
           </a:p>
@@ -1258,7 +1258,7 @@
             <a:fld id="{1D8BD707-D9CF-40AE-B4C6-C98DA3205C09}" type="datetimeFigureOut">
               <a:rPr lang="en-US" smtClean="0"/>
               <a:pPr/>
-              <a:t>12/12/2013</a:t>
+              <a:t>12/13/2013</a:t>
             </a:fld>
             <a:endParaRPr lang="en-US"/>
           </a:p>
@@ -1501,7 +1501,7 @@
             <a:fld id="{1D8BD707-D9CF-40AE-B4C6-C98DA3205C09}" type="datetimeFigureOut">
               <a:rPr lang="en-US" smtClean="0"/>
               <a:pPr/>
-              <a:t>12/12/2013</a:t>
+              <a:t>12/13/2013</a:t>
             </a:fld>
             <a:endParaRPr lang="en-US"/>
           </a:p>
@@ -1786,7 +1786,7 @@
             <a:fld id="{1D8BD707-D9CF-40AE-B4C6-C98DA3205C09}" type="datetimeFigureOut">
               <a:rPr lang="en-US" smtClean="0"/>
               <a:pPr/>
-              <a:t>12/12/2013</a:t>
+              <a:t>12/13/2013</a:t>
             </a:fld>
             <a:endParaRPr lang="en-US"/>
           </a:p>
@@ -2205,7 +2205,7 @@
             <a:fld id="{1D8BD707-D9CF-40AE-B4C6-C98DA3205C09}" type="datetimeFigureOut">
               <a:rPr lang="en-US" smtClean="0"/>
               <a:pPr/>
-              <a:t>12/12/2013</a:t>
+              <a:t>12/13/2013</a:t>
             </a:fld>
             <a:endParaRPr lang="en-US"/>
           </a:p>
@@ -2320,7 +2320,7 @@
             <a:fld id="{1D8BD707-D9CF-40AE-B4C6-C98DA3205C09}" type="datetimeFigureOut">
               <a:rPr lang="en-US" smtClean="0"/>
               <a:pPr/>
-              <a:t>12/12/2013</a:t>
+              <a:t>12/13/2013</a:t>
             </a:fld>
             <a:endParaRPr lang="en-US"/>
           </a:p>
@@ -2412,7 +2412,7 @@
             <a:fld id="{1D8BD707-D9CF-40AE-B4C6-C98DA3205C09}" type="datetimeFigureOut">
               <a:rPr lang="en-US" smtClean="0"/>
               <a:pPr/>
-              <a:t>12/12/2013</a:t>
+              <a:t>12/13/2013</a:t>
             </a:fld>
             <a:endParaRPr lang="en-US"/>
           </a:p>
@@ -2686,7 +2686,7 @@
             <a:fld id="{1D8BD707-D9CF-40AE-B4C6-C98DA3205C09}" type="datetimeFigureOut">
               <a:rPr lang="en-US" smtClean="0"/>
               <a:pPr/>
-              <a:t>12/12/2013</a:t>
+              <a:t>12/13/2013</a:t>
             </a:fld>
             <a:endParaRPr lang="en-US"/>
           </a:p>
@@ -2936,7 +2936,7 @@
             <a:fld id="{1D8BD707-D9CF-40AE-B4C6-C98DA3205C09}" type="datetimeFigureOut">
               <a:rPr lang="en-US" smtClean="0"/>
               <a:pPr/>
-              <a:t>12/12/2013</a:t>
+              <a:t>12/13/2013</a:t>
             </a:fld>
             <a:endParaRPr lang="en-US"/>
           </a:p>
@@ -3146,7 +3146,7 @@
             <a:fld id="{1D8BD707-D9CF-40AE-B4C6-C98DA3205C09}" type="datetimeFigureOut">
               <a:rPr lang="en-US" smtClean="0"/>
               <a:pPr/>
-              <a:t>12/12/2013</a:t>
+              <a:t>12/13/2013</a:t>
             </a:fld>
             <a:endParaRPr lang="en-US"/>
           </a:p>
@@ -4113,377 +4113,6 @@
         <p:spPr>
           <a:xfrm>
             <a:off x="457200" y="1066800"/>
-            <a:ext cx="4419600" cy="914400"/>
-          </a:xfrm>
-        </p:spPr>
-        <p:txBody>
-          <a:bodyPr>
-            <a:normAutofit/>
-          </a:bodyPr>
-          <a:lstStyle/>
-          <a:p>
-            <a:pPr algn="l"/>
-            <a:r>
-              <a:rPr lang="zh-CN" altLang="en-US" sz="3200" dirty="0" smtClean="0">
-                <a:latin typeface="黑体" panose="02010609060101010101" pitchFamily="49" charset="-122"/>
-                <a:ea typeface="黑体" panose="02010609060101010101" pitchFamily="49" charset="-122"/>
-              </a:rPr>
-              <a:t>关键问题及解决方案</a:t>
-            </a:r>
-            <a:endParaRPr lang="zh-CN" altLang="en-US" sz="3200" dirty="0">
-              <a:latin typeface="黑体" panose="02010609060101010101" pitchFamily="49" charset="-122"/>
-              <a:ea typeface="黑体" panose="02010609060101010101" pitchFamily="49" charset="-122"/>
-            </a:endParaRPr>
-          </a:p>
-        </p:txBody>
-      </p:sp>
-      <p:sp>
-        <p:nvSpPr>
-          <p:cNvPr id="4" name="Rectangle 19"/>
-          <p:cNvSpPr>
-            <a:spLocks noChangeArrowheads="1"/>
-          </p:cNvSpPr>
-          <p:nvPr/>
-        </p:nvSpPr>
-        <p:spPr bwMode="auto">
-          <a:xfrm>
-            <a:off x="0" y="6629400"/>
-            <a:ext cx="9144000" cy="228600"/>
-          </a:xfrm>
-          <a:prstGeom prst="rect">
-            <a:avLst/>
-          </a:prstGeom>
-          <a:solidFill>
-            <a:srgbClr val="0E03E7"/>
-          </a:solidFill>
-          <a:ln w="9525">
-            <a:solidFill>
-              <a:schemeClr val="tx1"/>
-            </a:solidFill>
-            <a:miter lim="800000"/>
-            <a:headEnd/>
-            <a:tailEnd/>
-          </a:ln>
-          <a:effectLst/>
-        </p:spPr>
-        <p:txBody>
-          <a:bodyPr wrap="none" anchor="ctr"/>
-          <a:lstStyle/>
-          <a:p>
-            <a:endParaRPr lang="zh-CN" altLang="en-US"/>
-          </a:p>
-        </p:txBody>
-      </p:sp>
-      <p:pic>
-        <p:nvPicPr>
-          <p:cNvPr id="5" name="Picture 18" descr="C:\Documents and Settings\Administrator\桌面\logo_small.jpg"/>
-          <p:cNvPicPr>
-            <a:picLocks noChangeAspect="1" noChangeArrowheads="1"/>
-          </p:cNvPicPr>
-          <p:nvPr/>
-        </p:nvPicPr>
-        <p:blipFill>
-          <a:blip r:embed="rId3">
-            <a:extLst>
-              <a:ext uri="{28A0092B-C50C-407E-A947-70E740481C1C}">
-                <a14:useLocalDpi xmlns:a14="http://schemas.microsoft.com/office/drawing/2010/main" val="0"/>
-              </a:ext>
-            </a:extLst>
-          </a:blip>
-          <a:srcRect/>
-          <a:stretch>
-            <a:fillRect/>
-          </a:stretch>
-        </p:blipFill>
-        <p:spPr bwMode="auto">
-          <a:xfrm>
-            <a:off x="152400" y="93663"/>
-            <a:ext cx="3124200" cy="820737"/>
-          </a:xfrm>
-          <a:prstGeom prst="rect">
-            <a:avLst/>
-          </a:prstGeom>
-          <a:noFill/>
-          <a:extLst>
-            <a:ext uri="{909E8E84-426E-40DD-AFC4-6F175D3DCCD1}">
-              <a14:hiddenFill xmlns:a14="http://schemas.microsoft.com/office/drawing/2010/main">
-                <a:solidFill>
-                  <a:srgbClr val="FFFFFF"/>
-                </a:solidFill>
-              </a14:hiddenFill>
-            </a:ext>
-          </a:extLst>
-        </p:spPr>
-      </p:pic>
-      <p:sp>
-        <p:nvSpPr>
-          <p:cNvPr id="6" name="Rectangle 2"/>
-          <p:cNvSpPr>
-            <a:spLocks noChangeArrowheads="1"/>
-          </p:cNvSpPr>
-          <p:nvPr/>
-        </p:nvSpPr>
-        <p:spPr bwMode="auto">
-          <a:xfrm>
-            <a:off x="0" y="0"/>
-            <a:ext cx="9144000" cy="0"/>
-          </a:xfrm>
-          <a:prstGeom prst="rect">
-            <a:avLst/>
-          </a:prstGeom>
-          <a:noFill/>
-          <a:ln>
-            <a:noFill/>
-          </a:ln>
-          <a:effectLst/>
-          <a:extLst>
-            <a:ext uri="{909E8E84-426E-40DD-AFC4-6F175D3DCCD1}">
-              <a14:hiddenFill xmlns:a14="http://schemas.microsoft.com/office/drawing/2010/main">
-                <a:solidFill>
-                  <a:schemeClr val="accent1"/>
-                </a:solidFill>
-              </a14:hiddenFill>
-            </a:ext>
-            <a:ext uri="{91240B29-F687-4F45-9708-019B960494DF}">
-              <a14:hiddenLine xmlns:a14="http://schemas.microsoft.com/office/drawing/2010/main" w="9525">
-                <a:solidFill>
-                  <a:schemeClr val="tx1"/>
-                </a:solidFill>
-                <a:miter lim="800000"/>
-                <a:headEnd/>
-                <a:tailEnd/>
-              </a14:hiddenLine>
-            </a:ext>
-            <a:ext uri="{AF507438-7753-43E0-B8FC-AC1667EBCBE1}">
-              <a14:hiddenEffects xmlns:a14="http://schemas.microsoft.com/office/drawing/2010/main">
-                <a:effectLst>
-                  <a:outerShdw dist="35921" dir="2700000" algn="ctr" rotWithShape="0">
-                    <a:schemeClr val="bg2"/>
-                  </a:outerShdw>
-                </a:effectLst>
-              </a14:hiddenEffects>
-            </a:ext>
-          </a:extLst>
-        </p:spPr>
-        <p:txBody>
-          <a:bodyPr vert="horz" wrap="none" lIns="91440" tIns="45720" rIns="91440" bIns="45720" numCol="1" anchor="ctr" anchorCtr="0" compatLnSpc="1">
-            <a:prstTxWarp prst="textNoShape">
-              <a:avLst/>
-            </a:prstTxWarp>
-            <a:spAutoFit/>
-          </a:bodyPr>
-          <a:lstStyle/>
-          <a:p>
-            <a:endParaRPr lang="zh-CN" altLang="en-US"/>
-          </a:p>
-        </p:txBody>
-      </p:sp>
-      <p:graphicFrame>
-        <p:nvGraphicFramePr>
-          <p:cNvPr id="7" name="Object 6"/>
-          <p:cNvGraphicFramePr>
-            <a:graphicFrameLocks noChangeAspect="1"/>
-          </p:cNvGraphicFramePr>
-          <p:nvPr>
-            <p:extLst>
-              <p:ext uri="{D42A27DB-BD31-4B8C-83A1-F6EECF244321}">
-                <p14:modId xmlns:p14="http://schemas.microsoft.com/office/powerpoint/2010/main" val="800001420"/>
-              </p:ext>
-            </p:extLst>
-          </p:nvPr>
-        </p:nvGraphicFramePr>
-        <p:xfrm>
-          <a:off x="4529004" y="228600"/>
-          <a:ext cx="4462596" cy="5917071"/>
-        </p:xfrm>
-        <a:graphic>
-          <a:graphicData uri="http://schemas.openxmlformats.org/presentationml/2006/ole">
-            <mc:AlternateContent xmlns:mc="http://schemas.openxmlformats.org/markup-compatibility/2006">
-              <mc:Choice xmlns:v="urn:schemas-microsoft-com:vml" Requires="v">
-                <p:oleObj spid="_x0000_s6297" name="Visio" r:id="rId4" imgW="5282819" imgH="7012768" progId="Visio.Drawing.11">
-                  <p:embed/>
-                </p:oleObj>
-              </mc:Choice>
-              <mc:Fallback>
-                <p:oleObj name="Visio" r:id="rId4" imgW="5282819" imgH="7012768" progId="Visio.Drawing.11">
-                  <p:embed/>
-                  <p:pic>
-                    <p:nvPicPr>
-                      <p:cNvPr id="0" name="Object 1"/>
-                      <p:cNvPicPr>
-                        <a:picLocks noChangeAspect="1" noChangeArrowheads="1"/>
-                      </p:cNvPicPr>
-                      <p:nvPr/>
-                    </p:nvPicPr>
-                    <p:blipFill>
-                      <a:blip r:embed="rId5">
-                        <a:extLst>
-                          <a:ext uri="{28A0092B-C50C-407E-A947-70E740481C1C}">
-                            <a14:useLocalDpi xmlns:a14="http://schemas.microsoft.com/office/drawing/2010/main" val="0"/>
-                          </a:ext>
-                        </a:extLst>
-                      </a:blip>
-                      <a:srcRect/>
-                      <a:stretch>
-                        <a:fillRect/>
-                      </a:stretch>
-                    </p:blipFill>
-                    <p:spPr bwMode="auto">
-                      <a:xfrm>
-                        <a:off x="4529004" y="228600"/>
-                        <a:ext cx="4462596" cy="5917071"/>
-                      </a:xfrm>
-                      <a:prstGeom prst="rect">
-                        <a:avLst/>
-                      </a:prstGeom>
-                      <a:noFill/>
-                    </p:spPr>
-                  </p:pic>
-                </p:oleObj>
-              </mc:Fallback>
-            </mc:AlternateContent>
-          </a:graphicData>
-        </a:graphic>
-      </p:graphicFrame>
-      <p:pic>
-        <p:nvPicPr>
-          <p:cNvPr id="6147" name="Picture 3"/>
-          <p:cNvPicPr>
-            <a:picLocks noChangeAspect="1" noChangeArrowheads="1"/>
-          </p:cNvPicPr>
-          <p:nvPr/>
-        </p:nvPicPr>
-        <p:blipFill>
-          <a:blip r:embed="rId6">
-            <a:extLst>
-              <a:ext uri="{28A0092B-C50C-407E-A947-70E740481C1C}">
-                <a14:useLocalDpi xmlns:a14="http://schemas.microsoft.com/office/drawing/2010/main" val="0"/>
-              </a:ext>
-            </a:extLst>
-          </a:blip>
-          <a:srcRect/>
-          <a:stretch>
-            <a:fillRect/>
-          </a:stretch>
-        </p:blipFill>
-        <p:spPr bwMode="auto">
-          <a:xfrm>
-            <a:off x="567267" y="3276600"/>
-            <a:ext cx="3571960" cy="2905125"/>
-          </a:xfrm>
-          <a:prstGeom prst="rect">
-            <a:avLst/>
-          </a:prstGeom>
-          <a:noFill/>
-          <a:ln>
-            <a:noFill/>
-          </a:ln>
-          <a:effectLst/>
-          <a:extLst>
-            <a:ext uri="{909E8E84-426E-40DD-AFC4-6F175D3DCCD1}">
-              <a14:hiddenFill xmlns:a14="http://schemas.microsoft.com/office/drawing/2010/main">
-                <a:solidFill>
-                  <a:schemeClr val="accent1"/>
-                </a:solidFill>
-              </a14:hiddenFill>
-            </a:ext>
-            <a:ext uri="{91240B29-F687-4F45-9708-019B960494DF}">
-              <a14:hiddenLine xmlns:a14="http://schemas.microsoft.com/office/drawing/2010/main" w="9525">
-                <a:solidFill>
-                  <a:schemeClr val="tx1"/>
-                </a:solidFill>
-                <a:miter lim="800000"/>
-                <a:headEnd/>
-                <a:tailEnd/>
-              </a14:hiddenLine>
-            </a:ext>
-            <a:ext uri="{AF507438-7753-43E0-B8FC-AC1667EBCBE1}">
-              <a14:hiddenEffects xmlns:a14="http://schemas.microsoft.com/office/drawing/2010/main">
-                <a:effectLst>
-                  <a:outerShdw dist="35921" dir="2700000" algn="ctr" rotWithShape="0">
-                    <a:schemeClr val="bg2"/>
-                  </a:outerShdw>
-                </a:effectLst>
-              </a14:hiddenEffects>
-            </a:ext>
-          </a:extLst>
-        </p:spPr>
-      </p:pic>
-      <p:sp>
-        <p:nvSpPr>
-          <p:cNvPr id="10" name="Content Placeholder 2"/>
-          <p:cNvSpPr>
-            <a:spLocks noGrp="1"/>
-          </p:cNvSpPr>
-          <p:nvPr>
-            <p:ph idx="1"/>
-          </p:nvPr>
-        </p:nvSpPr>
-        <p:spPr>
-          <a:xfrm>
-            <a:off x="457200" y="2209800"/>
-            <a:ext cx="4648200" cy="762000"/>
-          </a:xfrm>
-        </p:spPr>
-        <p:txBody>
-          <a:bodyPr/>
-          <a:lstStyle/>
-          <a:p>
-            <a:r>
-              <a:rPr lang="en-US" altLang="zh-CN" dirty="0" smtClean="0"/>
-              <a:t>UML</a:t>
-            </a:r>
-            <a:r>
-              <a:rPr lang="zh-CN" altLang="en-US" dirty="0" smtClean="0"/>
-              <a:t>图及实际应用示例</a:t>
-            </a:r>
-            <a:endParaRPr lang="zh-CN" altLang="en-US" dirty="0"/>
-          </a:p>
-        </p:txBody>
-      </p:sp>
-    </p:spTree>
-    <p:extLst>
-      <p:ext uri="{BB962C8B-B14F-4D97-AF65-F5344CB8AC3E}">
-        <p14:creationId xmlns:p14="http://schemas.microsoft.com/office/powerpoint/2010/main" val="1635025333"/>
-      </p:ext>
-    </p:extLst>
-  </p:cSld>
-  <p:clrMapOvr>
-    <a:masterClrMapping/>
-  </p:clrMapOvr>
-</p:sld>
-</file>
-
-<file path=ppt/slides/slide11.xml><?xml version="1.0" encoding="utf-8"?>
-<p:sld xmlns:a="http://schemas.openxmlformats.org/drawingml/2006/main" xmlns:r="http://schemas.openxmlformats.org/officeDocument/2006/relationships" xmlns:p="http://schemas.openxmlformats.org/presentationml/2006/main">
-  <p:cSld>
-    <p:spTree>
-      <p:nvGrpSpPr>
-        <p:cNvPr id="1" name=""/>
-        <p:cNvGrpSpPr/>
-        <p:nvPr/>
-      </p:nvGrpSpPr>
-      <p:grpSpPr>
-        <a:xfrm>
-          <a:off x="0" y="0"/>
-          <a:ext cx="0" cy="0"/>
-          <a:chOff x="0" y="0"/>
-          <a:chExt cx="0" cy="0"/>
-        </a:xfrm>
-      </p:grpSpPr>
-      <p:sp>
-        <p:nvSpPr>
-          <p:cNvPr id="2" name="Title 1"/>
-          <p:cNvSpPr>
-            <a:spLocks noGrp="1"/>
-          </p:cNvSpPr>
-          <p:nvPr>
-            <p:ph type="title"/>
-          </p:nvPr>
-        </p:nvSpPr>
-        <p:spPr>
-          <a:xfrm>
-            <a:off x="457200" y="1066800"/>
             <a:ext cx="8229600" cy="914400"/>
           </a:xfrm>
         </p:spPr>
@@ -4727,7 +4356,7 @@
         <p:spPr>
           <a:xfrm>
             <a:off x="457200" y="2209800"/>
-            <a:ext cx="2971800" cy="3886200"/>
+            <a:ext cx="3429000" cy="3886200"/>
           </a:xfrm>
         </p:spPr>
         <p:txBody>
@@ -4737,20 +4366,32 @@
           <a:lstStyle/>
           <a:p>
             <a:r>
-              <a:rPr lang="zh-CN" altLang="en-US" dirty="0" smtClean="0"/>
+              <a:rPr lang="zh-CN" altLang="en-US" sz="2800" dirty="0" smtClean="0">
+                <a:latin typeface="微软雅黑" panose="020B0503020204020204" pitchFamily="34" charset="-122"/>
+                <a:ea typeface="微软雅黑" panose="020B0503020204020204" pitchFamily="34" charset="-122"/>
+              </a:rPr>
               <a:t>使用系统架构的灵活性特点可以迅速的建立起诸如</a:t>
             </a:r>
             <a:r>
-              <a:rPr lang="en-US" altLang="zh-CN" dirty="0" smtClean="0"/>
-              <a:t>RandomForest</a:t>
-            </a:r>
-            <a:r>
-              <a:rPr lang="zh-CN" altLang="en-US" dirty="0"/>
+              <a:rPr lang="en-US" altLang="zh-CN" sz="2800" dirty="0" smtClean="0">
+                <a:latin typeface="微软雅黑" panose="020B0503020204020204" pitchFamily="34" charset="-122"/>
+                <a:ea typeface="微软雅黑" panose="020B0503020204020204" pitchFamily="34" charset="-122"/>
+              </a:rPr>
+              <a:t>Random Forest</a:t>
+            </a:r>
+            <a:r>
+              <a:rPr lang="zh-CN" altLang="en-US" sz="2800" dirty="0" smtClean="0">
+                <a:latin typeface="微软雅黑" panose="020B0503020204020204" pitchFamily="34" charset="-122"/>
+                <a:ea typeface="微软雅黑" panose="020B0503020204020204" pitchFamily="34" charset="-122"/>
+              </a:rPr>
               <a:t> </a:t>
             </a:r>
             <a:r>
-              <a:rPr lang="en-US" altLang="zh-CN" dirty="0" smtClean="0"/>
-              <a:t>AdaBoost</a:t>
+              <a:rPr lang="en-US" altLang="zh-CN" sz="2800" dirty="0" smtClean="0">
+                <a:latin typeface="微软雅黑" panose="020B0503020204020204" pitchFamily="34" charset="-122"/>
+                <a:ea typeface="微软雅黑" panose="020B0503020204020204" pitchFamily="34" charset="-122"/>
+              </a:rPr>
+              <a:t>Ada Boost</a:t>
             </a:r>
           </a:p>
           <a:p>
@@ -4758,10 +4399,16 @@
               <a:buNone/>
             </a:pPr>
             <a:r>
-              <a:rPr lang="zh-CN" altLang="en-US" dirty="0" smtClean="0"/>
+              <a:rPr lang="zh-CN" altLang="en-US" sz="2800" dirty="0" smtClean="0">
+                <a:latin typeface="微软雅黑" panose="020B0503020204020204" pitchFamily="34" charset="-122"/>
+                <a:ea typeface="微软雅黑" panose="020B0503020204020204" pitchFamily="34" charset="-122"/>
+              </a:rPr>
               <a:t>   这样的过滤器</a:t>
             </a:r>
-            <a:endParaRPr lang="zh-CN" altLang="en-US" dirty="0"/>
+            <a:endParaRPr lang="zh-CN" altLang="en-US" sz="2800" dirty="0">
+              <a:latin typeface="微软雅黑" panose="020B0503020204020204" pitchFamily="34" charset="-122"/>
+              <a:ea typeface="微软雅黑" panose="020B0503020204020204" pitchFamily="34" charset="-122"/>
+            </a:endParaRPr>
           </a:p>
         </p:txBody>
       </p:sp>
@@ -4775,10 +4422,17 @@
   <p:clrMapOvr>
     <a:masterClrMapping/>
   </p:clrMapOvr>
+  <p:timing>
+    <p:tnLst>
+      <p:par>
+        <p:cTn id="1" dur="indefinite" restart="never" nodeType="tmRoot"/>
+      </p:par>
+    </p:tnLst>
+  </p:timing>
 </p:sld>
 </file>
 
-<file path=ppt/slides/slide12.xml><?xml version="1.0" encoding="utf-8"?>
+<file path=ppt/slides/slide11.xml><?xml version="1.0" encoding="utf-8"?>
 <p:sld xmlns:a="http://schemas.openxmlformats.org/drawingml/2006/main" xmlns:r="http://schemas.openxmlformats.org/officeDocument/2006/relationships" xmlns:p="http://schemas.openxmlformats.org/presentationml/2006/main">
   <p:cSld>
     <p:spTree>
@@ -4808,7 +4462,7 @@
         <p:spPr>
           <a:xfrm>
             <a:off x="457200" y="1066800"/>
-            <a:ext cx="8229600" cy="914400"/>
+            <a:ext cx="4267200" cy="914400"/>
           </a:xfrm>
         </p:spPr>
         <p:txBody>
@@ -4982,20 +4636,20 @@
           <p:nvPr>
             <p:extLst>
               <p:ext uri="{D42A27DB-BD31-4B8C-83A1-F6EECF244321}">
-                <p14:modId xmlns:p14="http://schemas.microsoft.com/office/powerpoint/2010/main" val="1063658327"/>
+                <p14:modId xmlns:p14="http://schemas.microsoft.com/office/powerpoint/2010/main" val="3439407533"/>
               </p:ext>
             </p:extLst>
           </p:nvPr>
         </p:nvGraphicFramePr>
         <p:xfrm>
-          <a:off x="6324600" y="152400"/>
-          <a:ext cx="1371600" cy="2458845"/>
+          <a:off x="6477000" y="228599"/>
+          <a:ext cx="1445208" cy="2590801"/>
         </p:xfrm>
         <a:graphic>
           <a:graphicData uri="http://schemas.openxmlformats.org/presentationml/2006/ole">
             <mc:AlternateContent xmlns:mc="http://schemas.openxmlformats.org/markup-compatibility/2006">
               <mc:Choice xmlns:v="urn:schemas-microsoft-com:vml" Requires="v">
-                <p:oleObj spid="_x0000_s9352" name="Visio" r:id="rId4" imgW="1565120" imgH="2802512" progId="Visio.Drawing.11">
+                <p:oleObj spid="_x0000_s9399" name="Visio" r:id="rId4" imgW="1565120" imgH="2802512" progId="Visio.Drawing.11">
                   <p:embed/>
                 </p:oleObj>
               </mc:Choice>
@@ -5025,8 +4679,8 @@
                     </p:blipFill>
                     <p:spPr bwMode="auto">
                       <a:xfrm>
-                        <a:off x="6324600" y="152400"/>
-                        <a:ext cx="1371600" cy="2458845"/>
+                        <a:off x="6477000" y="228599"/>
+                        <a:ext cx="1445208" cy="2590801"/>
                       </a:xfrm>
                       <a:prstGeom prst="rect">
                         <a:avLst/>
@@ -5040,9 +4694,113 @@
           </a:graphicData>
         </a:graphic>
       </p:graphicFrame>
+      <p:sp>
+        <p:nvSpPr>
+          <p:cNvPr id="8" name="Content Placeholder 7"/>
+          <p:cNvSpPr>
+            <a:spLocks noGrp="1"/>
+          </p:cNvSpPr>
+          <p:nvPr>
+            <p:ph idx="1"/>
+          </p:nvPr>
+        </p:nvSpPr>
+        <p:spPr>
+          <a:xfrm>
+            <a:off x="457200" y="2209800"/>
+            <a:ext cx="4191000" cy="3916363"/>
+          </a:xfrm>
+        </p:spPr>
+        <p:txBody>
+          <a:bodyPr>
+            <a:normAutofit/>
+          </a:bodyPr>
+          <a:lstStyle/>
+          <a:p>
+            <a:r>
+              <a:rPr lang="zh-CN" altLang="en-US" sz="2800" dirty="0" smtClean="0">
+                <a:latin typeface="微软雅黑" panose="020B0503020204020204" pitchFamily="34" charset="-122"/>
+                <a:ea typeface="微软雅黑" panose="020B0503020204020204" pitchFamily="34" charset="-122"/>
+              </a:rPr>
+              <a:t>固定规则分类器</a:t>
+            </a:r>
+            <a:endParaRPr lang="en-US" altLang="zh-CN" sz="2800" dirty="0" smtClean="0">
+              <a:latin typeface="微软雅黑" panose="020B0503020204020204" pitchFamily="34" charset="-122"/>
+              <a:ea typeface="微软雅黑" panose="020B0503020204020204" pitchFamily="34" charset="-122"/>
+            </a:endParaRPr>
+          </a:p>
+          <a:p>
+            <a:pPr lvl="1"/>
+            <a:r>
+              <a:rPr lang="en-US" altLang="zh-CN" dirty="0">
+                <a:latin typeface="微软雅黑" panose="020B0503020204020204" pitchFamily="34" charset="-122"/>
+                <a:ea typeface="微软雅黑" panose="020B0503020204020204" pitchFamily="34" charset="-122"/>
+              </a:rPr>
+              <a:t>Filter</a:t>
+            </a:r>
+            <a:endParaRPr lang="en-US" altLang="zh-CN" dirty="0" smtClean="0">
+              <a:latin typeface="微软雅黑" panose="020B0503020204020204" pitchFamily="34" charset="-122"/>
+              <a:ea typeface="微软雅黑" panose="020B0503020204020204" pitchFamily="34" charset="-122"/>
+            </a:endParaRPr>
+          </a:p>
+          <a:p>
+            <a:pPr lvl="1"/>
+            <a:r>
+              <a:rPr lang="en-US" altLang="zh-CN" dirty="0" smtClean="0">
+                <a:latin typeface="微软雅黑" panose="020B0503020204020204" pitchFamily="34" charset="-122"/>
+                <a:ea typeface="微软雅黑" panose="020B0503020204020204" pitchFamily="34" charset="-122"/>
+              </a:rPr>
+              <a:t>Rules</a:t>
+            </a:r>
+          </a:p>
+          <a:p>
+            <a:pPr lvl="1"/>
+            <a:endParaRPr lang="en-US" altLang="zh-CN" dirty="0">
+              <a:latin typeface="微软雅黑" panose="020B0503020204020204" pitchFamily="34" charset="-122"/>
+              <a:ea typeface="微软雅黑" panose="020B0503020204020204" pitchFamily="34" charset="-122"/>
+            </a:endParaRPr>
+          </a:p>
+          <a:p>
+            <a:r>
+              <a:rPr lang="zh-CN" altLang="en-US" sz="2800" dirty="0" smtClean="0">
+                <a:latin typeface="微软雅黑" panose="020B0503020204020204" pitchFamily="34" charset="-122"/>
+                <a:ea typeface="微软雅黑" panose="020B0503020204020204" pitchFamily="34" charset="-122"/>
+              </a:rPr>
+              <a:t>机器学习分类器</a:t>
+            </a:r>
+            <a:endParaRPr lang="en-US" altLang="zh-CN" sz="2800" dirty="0" smtClean="0">
+              <a:latin typeface="微软雅黑" panose="020B0503020204020204" pitchFamily="34" charset="-122"/>
+              <a:ea typeface="微软雅黑" panose="020B0503020204020204" pitchFamily="34" charset="-122"/>
+            </a:endParaRPr>
+          </a:p>
+          <a:p>
+            <a:pPr lvl="1"/>
+            <a:r>
+              <a:rPr lang="en-US" altLang="zh-CN" dirty="0" smtClean="0">
+                <a:latin typeface="微软雅黑" panose="020B0503020204020204" pitchFamily="34" charset="-122"/>
+                <a:ea typeface="微软雅黑" panose="020B0503020204020204" pitchFamily="34" charset="-122"/>
+              </a:rPr>
+              <a:t>Detector Added</a:t>
+            </a:r>
+          </a:p>
+          <a:p>
+            <a:pPr lvl="1"/>
+            <a:r>
+              <a:rPr lang="en-US" altLang="zh-CN" dirty="0" smtClean="0">
+                <a:latin typeface="微软雅黑" panose="020B0503020204020204" pitchFamily="34" charset="-122"/>
+                <a:ea typeface="微软雅黑" panose="020B0503020204020204" pitchFamily="34" charset="-122"/>
+              </a:rPr>
+              <a:t>Classifier Added</a:t>
+            </a:r>
+            <a:endParaRPr lang="zh-CN" altLang="en-US" dirty="0">
+              <a:latin typeface="微软雅黑" panose="020B0503020204020204" pitchFamily="34" charset="-122"/>
+              <a:ea typeface="微软雅黑" panose="020B0503020204020204" pitchFamily="34" charset="-122"/>
+            </a:endParaRPr>
+          </a:p>
+        </p:txBody>
+      </p:sp>
       <p:pic>
         <p:nvPicPr>
-          <p:cNvPr id="9220" name="Picture 4"/>
+          <p:cNvPr id="9394" name="Picture 178"/>
           <p:cNvPicPr>
             <a:picLocks noChangeAspect="1" noChangeArrowheads="1"/>
           </p:cNvPicPr>
@@ -5063,8 +4821,8 @@
         </p:blipFill>
         <p:spPr bwMode="auto">
           <a:xfrm>
-            <a:off x="5562600" y="2819400"/>
-            <a:ext cx="3252191" cy="3581400"/>
+            <a:off x="5734050" y="2971800"/>
+            <a:ext cx="3105150" cy="3419475"/>
           </a:xfrm>
           <a:prstGeom prst="rect">
             <a:avLst/>
@@ -5104,72 +4862,6 @@
           </a:extLst>
         </p:spPr>
       </p:pic>
-      <p:sp>
-        <p:nvSpPr>
-          <p:cNvPr id="8" name="Content Placeholder 7"/>
-          <p:cNvSpPr>
-            <a:spLocks noGrp="1"/>
-          </p:cNvSpPr>
-          <p:nvPr>
-            <p:ph idx="1"/>
-          </p:nvPr>
-        </p:nvSpPr>
-        <p:spPr>
-          <a:xfrm>
-            <a:off x="457200" y="2209800"/>
-            <a:ext cx="4038600" cy="3916363"/>
-          </a:xfrm>
-        </p:spPr>
-        <p:txBody>
-          <a:bodyPr/>
-          <a:lstStyle/>
-          <a:p>
-            <a:r>
-              <a:rPr lang="zh-CN" altLang="en-US" dirty="0" smtClean="0"/>
-              <a:t>简单的分类器</a:t>
-            </a:r>
-            <a:endParaRPr lang="en-US" altLang="zh-CN" dirty="0" smtClean="0"/>
-          </a:p>
-          <a:p>
-            <a:pPr lvl="1"/>
-            <a:r>
-              <a:rPr lang="en-US" altLang="zh-CN" dirty="0"/>
-              <a:t>Filter</a:t>
-            </a:r>
-            <a:endParaRPr lang="en-US" altLang="zh-CN" dirty="0" smtClean="0"/>
-          </a:p>
-          <a:p>
-            <a:pPr lvl="1"/>
-            <a:r>
-              <a:rPr lang="en-US" altLang="zh-CN" dirty="0" smtClean="0"/>
-              <a:t>Rules</a:t>
-            </a:r>
-            <a:endParaRPr lang="en-US" altLang="zh-CN" dirty="0"/>
-          </a:p>
-          <a:p>
-            <a:r>
-              <a:rPr lang="zh-CN" altLang="en-US" dirty="0" smtClean="0"/>
-              <a:t>具备机器学习能力的分类器</a:t>
-            </a:r>
-            <a:endParaRPr lang="en-US" altLang="zh-CN" dirty="0" smtClean="0"/>
-          </a:p>
-          <a:p>
-            <a:pPr lvl="1"/>
-            <a:r>
-              <a:rPr lang="en-US" altLang="zh-CN" dirty="0" smtClean="0"/>
-              <a:t>Detector</a:t>
-            </a:r>
-          </a:p>
-          <a:p>
-            <a:pPr lvl="1"/>
-            <a:r>
-              <a:rPr lang="en-US" altLang="zh-CN" dirty="0"/>
-              <a:t>Classifier</a:t>
-            </a:r>
-            <a:endParaRPr lang="zh-CN" altLang="en-US" dirty="0"/>
-          </a:p>
-        </p:txBody>
-      </p:sp>
     </p:spTree>
     <p:extLst>
       <p:ext uri="{BB962C8B-B14F-4D97-AF65-F5344CB8AC3E}">
@@ -5180,6 +4872,364 @@
   <p:clrMapOvr>
     <a:masterClrMapping/>
   </p:clrMapOvr>
+  <p:timing>
+    <p:tnLst>
+      <p:par>
+        <p:cTn id="1" dur="indefinite" restart="never" nodeType="tmRoot"/>
+      </p:par>
+    </p:tnLst>
+  </p:timing>
+</p:sld>
+</file>
+
+<file path=ppt/slides/slide12.xml><?xml version="1.0" encoding="utf-8"?>
+<p:sld xmlns:a="http://schemas.openxmlformats.org/drawingml/2006/main" xmlns:r="http://schemas.openxmlformats.org/officeDocument/2006/relationships" xmlns:p="http://schemas.openxmlformats.org/presentationml/2006/main">
+  <p:cSld>
+    <p:spTree>
+      <p:nvGrpSpPr>
+        <p:cNvPr id="1" name=""/>
+        <p:cNvGrpSpPr/>
+        <p:nvPr/>
+      </p:nvGrpSpPr>
+      <p:grpSpPr>
+        <a:xfrm>
+          <a:off x="0" y="0"/>
+          <a:ext cx="0" cy="0"/>
+          <a:chOff x="0" y="0"/>
+          <a:chExt cx="0" cy="0"/>
+        </a:xfrm>
+      </p:grpSpPr>
+      <p:sp>
+        <p:nvSpPr>
+          <p:cNvPr id="2" name="Title 1"/>
+          <p:cNvSpPr>
+            <a:spLocks noGrp="1"/>
+          </p:cNvSpPr>
+          <p:nvPr>
+            <p:ph type="title"/>
+          </p:nvPr>
+        </p:nvSpPr>
+        <p:spPr>
+          <a:xfrm>
+            <a:off x="457200" y="1066800"/>
+            <a:ext cx="8229600" cy="914400"/>
+          </a:xfrm>
+        </p:spPr>
+        <p:txBody>
+          <a:bodyPr>
+            <a:normAutofit/>
+          </a:bodyPr>
+          <a:lstStyle/>
+          <a:p>
+            <a:pPr algn="l"/>
+            <a:r>
+              <a:rPr lang="zh-CN" altLang="en-US" sz="3200" dirty="0" smtClean="0">
+                <a:latin typeface="黑体" panose="02010609060101010101" pitchFamily="49" charset="-122"/>
+                <a:ea typeface="黑体" panose="02010609060101010101" pitchFamily="49" charset="-122"/>
+              </a:rPr>
+              <a:t>机器学习算法的调研</a:t>
+            </a:r>
+            <a:endParaRPr lang="zh-CN" altLang="en-US" sz="3200" dirty="0">
+              <a:latin typeface="黑体" panose="02010609060101010101" pitchFamily="49" charset="-122"/>
+              <a:ea typeface="黑体" panose="02010609060101010101" pitchFamily="49" charset="-122"/>
+            </a:endParaRPr>
+          </a:p>
+        </p:txBody>
+      </p:sp>
+      <p:sp>
+        <p:nvSpPr>
+          <p:cNvPr id="4" name="Rectangle 19"/>
+          <p:cNvSpPr>
+            <a:spLocks noChangeArrowheads="1"/>
+          </p:cNvSpPr>
+          <p:nvPr/>
+        </p:nvSpPr>
+        <p:spPr bwMode="auto">
+          <a:xfrm>
+            <a:off x="0" y="6629400"/>
+            <a:ext cx="9144000" cy="228600"/>
+          </a:xfrm>
+          <a:prstGeom prst="rect">
+            <a:avLst/>
+          </a:prstGeom>
+          <a:solidFill>
+            <a:srgbClr val="0E03E7"/>
+          </a:solidFill>
+          <a:ln w="9525">
+            <a:solidFill>
+              <a:schemeClr val="tx1"/>
+            </a:solidFill>
+            <a:miter lim="800000"/>
+            <a:headEnd/>
+            <a:tailEnd/>
+          </a:ln>
+          <a:effectLst/>
+        </p:spPr>
+        <p:txBody>
+          <a:bodyPr wrap="none" anchor="ctr"/>
+          <a:lstStyle/>
+          <a:p>
+            <a:endParaRPr lang="zh-CN" altLang="en-US"/>
+          </a:p>
+        </p:txBody>
+      </p:sp>
+      <p:pic>
+        <p:nvPicPr>
+          <p:cNvPr id="5" name="Picture 18" descr="C:\Documents and Settings\Administrator\桌面\logo_small.jpg"/>
+          <p:cNvPicPr>
+            <a:picLocks noChangeAspect="1" noChangeArrowheads="1"/>
+          </p:cNvPicPr>
+          <p:nvPr/>
+        </p:nvPicPr>
+        <p:blipFill>
+          <a:blip r:embed="rId2">
+            <a:extLst>
+              <a:ext uri="{28A0092B-C50C-407E-A947-70E740481C1C}">
+                <a14:useLocalDpi xmlns:a14="http://schemas.microsoft.com/office/drawing/2010/main" val="0"/>
+              </a:ext>
+            </a:extLst>
+          </a:blip>
+          <a:srcRect/>
+          <a:stretch>
+            <a:fillRect/>
+          </a:stretch>
+        </p:blipFill>
+        <p:spPr bwMode="auto">
+          <a:xfrm>
+            <a:off x="152400" y="93663"/>
+            <a:ext cx="3124200" cy="820737"/>
+          </a:xfrm>
+          <a:prstGeom prst="rect">
+            <a:avLst/>
+          </a:prstGeom>
+          <a:noFill/>
+          <a:extLst>
+            <a:ext uri="{909E8E84-426E-40DD-AFC4-6F175D3DCCD1}">
+              <a14:hiddenFill xmlns:a14="http://schemas.microsoft.com/office/drawing/2010/main">
+                <a:solidFill>
+                  <a:srgbClr val="FFFFFF"/>
+                </a:solidFill>
+              </a14:hiddenFill>
+            </a:ext>
+          </a:extLst>
+        </p:spPr>
+      </p:pic>
+      <p:pic>
+        <p:nvPicPr>
+          <p:cNvPr id="7" name="Picture 2" descr="图示-KNN"/>
+          <p:cNvPicPr>
+            <a:picLocks noChangeAspect="1" noChangeArrowheads="1"/>
+          </p:cNvPicPr>
+          <p:nvPr/>
+        </p:nvPicPr>
+        <p:blipFill>
+          <a:blip r:embed="rId3">
+            <a:extLst>
+              <a:ext uri="{28A0092B-C50C-407E-A947-70E740481C1C}">
+                <a14:useLocalDpi xmlns:a14="http://schemas.microsoft.com/office/drawing/2010/main" val="0"/>
+              </a:ext>
+            </a:extLst>
+          </a:blip>
+          <a:srcRect/>
+          <a:stretch>
+            <a:fillRect/>
+          </a:stretch>
+        </p:blipFill>
+        <p:spPr bwMode="auto">
+          <a:xfrm>
+            <a:off x="3640668" y="2590800"/>
+            <a:ext cx="1693332" cy="1524000"/>
+          </a:xfrm>
+          <a:prstGeom prst="rect">
+            <a:avLst/>
+          </a:prstGeom>
+          <a:noFill/>
+          <a:extLst>
+            <a:ext uri="{909E8E84-426E-40DD-AFC4-6F175D3DCCD1}">
+              <a14:hiddenFill xmlns:a14="http://schemas.microsoft.com/office/drawing/2010/main">
+                <a:solidFill>
+                  <a:srgbClr val="FFFFFF"/>
+                </a:solidFill>
+              </a14:hiddenFill>
+            </a:ext>
+          </a:extLst>
+        </p:spPr>
+      </p:pic>
+      <p:pic>
+        <p:nvPicPr>
+          <p:cNvPr id="8" name="Picture 7"/>
+          <p:cNvPicPr/>
+          <p:nvPr/>
+        </p:nvPicPr>
+        <p:blipFill>
+          <a:blip r:embed="rId4">
+            <a:extLst>
+              <a:ext uri="{28A0092B-C50C-407E-A947-70E740481C1C}">
+                <a14:useLocalDpi xmlns:a14="http://schemas.microsoft.com/office/drawing/2010/main" val="0"/>
+              </a:ext>
+            </a:extLst>
+          </a:blip>
+          <a:srcRect/>
+          <a:stretch>
+            <a:fillRect/>
+          </a:stretch>
+        </p:blipFill>
+        <p:spPr bwMode="auto">
+          <a:xfrm>
+            <a:off x="5686425" y="1447800"/>
+            <a:ext cx="3076575" cy="2677054"/>
+          </a:xfrm>
+          <a:prstGeom prst="rect">
+            <a:avLst/>
+          </a:prstGeom>
+          <a:noFill/>
+          <a:ln>
+            <a:noFill/>
+          </a:ln>
+        </p:spPr>
+      </p:pic>
+      <p:pic>
+        <p:nvPicPr>
+          <p:cNvPr id="9" name="Picture 8"/>
+          <p:cNvPicPr/>
+          <p:nvPr/>
+        </p:nvPicPr>
+        <p:blipFill>
+          <a:blip r:embed="rId5"/>
+          <a:stretch>
+            <a:fillRect/>
+          </a:stretch>
+        </p:blipFill>
+        <p:spPr>
+          <a:xfrm>
+            <a:off x="3429000" y="4419600"/>
+            <a:ext cx="5372100" cy="1733550"/>
+          </a:xfrm>
+          <a:prstGeom prst="rect">
+            <a:avLst/>
+          </a:prstGeom>
+        </p:spPr>
+      </p:pic>
+      <p:sp>
+        <p:nvSpPr>
+          <p:cNvPr id="11" name="Content Placeholder 2"/>
+          <p:cNvSpPr>
+            <a:spLocks noGrp="1"/>
+          </p:cNvSpPr>
+          <p:nvPr>
+            <p:ph idx="1"/>
+          </p:nvPr>
+        </p:nvSpPr>
+        <p:spPr>
+          <a:xfrm>
+            <a:off x="419100" y="2362200"/>
+            <a:ext cx="2590800" cy="2438400"/>
+          </a:xfrm>
+        </p:spPr>
+        <p:txBody>
+          <a:bodyPr>
+            <a:normAutofit/>
+          </a:bodyPr>
+          <a:lstStyle/>
+          <a:p>
+            <a:r>
+              <a:rPr lang="en-US" altLang="zh-CN" dirty="0">
+                <a:latin typeface="微软雅黑" panose="020B0503020204020204" pitchFamily="34" charset="-122"/>
+                <a:ea typeface="微软雅黑" panose="020B0503020204020204" pitchFamily="34" charset="-122"/>
+              </a:rPr>
+              <a:t>K</a:t>
+            </a:r>
+            <a:r>
+              <a:rPr lang="zh-CN" altLang="zh-CN" dirty="0">
+                <a:latin typeface="微软雅黑" panose="020B0503020204020204" pitchFamily="34" charset="-122"/>
+                <a:ea typeface="微软雅黑" panose="020B0503020204020204" pitchFamily="34" charset="-122"/>
+              </a:rPr>
+              <a:t>近邻算</a:t>
+            </a:r>
+            <a:r>
+              <a:rPr lang="zh-CN" altLang="zh-CN" dirty="0" smtClean="0">
+                <a:latin typeface="微软雅黑" panose="020B0503020204020204" pitchFamily="34" charset="-122"/>
+                <a:ea typeface="微软雅黑" panose="020B0503020204020204" pitchFamily="34" charset="-122"/>
+              </a:rPr>
+              <a:t>法</a:t>
+            </a:r>
+            <a:endParaRPr lang="en-US" altLang="zh-CN" dirty="0" smtClean="0">
+              <a:latin typeface="微软雅黑" panose="020B0503020204020204" pitchFamily="34" charset="-122"/>
+              <a:ea typeface="微软雅黑" panose="020B0503020204020204" pitchFamily="34" charset="-122"/>
+            </a:endParaRPr>
+          </a:p>
+          <a:p>
+            <a:r>
+              <a:rPr lang="zh-CN" altLang="en-US" dirty="0">
+                <a:latin typeface="微软雅黑" panose="020B0503020204020204" pitchFamily="34" charset="-122"/>
+                <a:ea typeface="微软雅黑" panose="020B0503020204020204" pitchFamily="34" charset="-122"/>
+              </a:rPr>
+              <a:t>决策</a:t>
+            </a:r>
+            <a:r>
+              <a:rPr lang="zh-CN" altLang="en-US" dirty="0" smtClean="0">
+                <a:latin typeface="微软雅黑" panose="020B0503020204020204" pitchFamily="34" charset="-122"/>
+                <a:ea typeface="微软雅黑" panose="020B0503020204020204" pitchFamily="34" charset="-122"/>
+              </a:rPr>
+              <a:t>树算法</a:t>
+            </a:r>
+            <a:endParaRPr lang="en-US" altLang="zh-CN" dirty="0" smtClean="0">
+              <a:latin typeface="微软雅黑" panose="020B0503020204020204" pitchFamily="34" charset="-122"/>
+              <a:ea typeface="微软雅黑" panose="020B0503020204020204" pitchFamily="34" charset="-122"/>
+            </a:endParaRPr>
+          </a:p>
+          <a:p>
+            <a:r>
+              <a:rPr lang="en-US" altLang="zh-CN" dirty="0" smtClean="0">
+                <a:latin typeface="微软雅黑" panose="020B0503020204020204" pitchFamily="34" charset="-122"/>
+                <a:ea typeface="微软雅黑" panose="020B0503020204020204" pitchFamily="34" charset="-122"/>
+              </a:rPr>
+              <a:t>SVM</a:t>
+            </a:r>
+            <a:r>
+              <a:rPr lang="zh-CN" altLang="en-US" dirty="0" smtClean="0">
+                <a:latin typeface="微软雅黑" panose="020B0503020204020204" pitchFamily="34" charset="-122"/>
+                <a:ea typeface="微软雅黑" panose="020B0503020204020204" pitchFamily="34" charset="-122"/>
+              </a:rPr>
+              <a:t>算法</a:t>
+            </a:r>
+            <a:endParaRPr lang="en-US" altLang="zh-CN" dirty="0" smtClean="0">
+              <a:latin typeface="微软雅黑" panose="020B0503020204020204" pitchFamily="34" charset="-122"/>
+              <a:ea typeface="微软雅黑" panose="020B0503020204020204" pitchFamily="34" charset="-122"/>
+            </a:endParaRPr>
+          </a:p>
+          <a:p>
+            <a:r>
+              <a:rPr lang="zh-CN" altLang="en-US" dirty="0">
+                <a:latin typeface="微软雅黑" panose="020B0503020204020204" pitchFamily="34" charset="-122"/>
+                <a:ea typeface="微软雅黑" panose="020B0503020204020204" pitchFamily="34" charset="-122"/>
+              </a:rPr>
+              <a:t>贝叶斯算法</a:t>
+            </a:r>
+            <a:endParaRPr lang="en-US" altLang="zh-CN" dirty="0" smtClean="0">
+              <a:latin typeface="微软雅黑" panose="020B0503020204020204" pitchFamily="34" charset="-122"/>
+              <a:ea typeface="微软雅黑" panose="020B0503020204020204" pitchFamily="34" charset="-122"/>
+            </a:endParaRPr>
+          </a:p>
+        </p:txBody>
+      </p:sp>
+    </p:spTree>
+    <p:extLst>
+      <p:ext uri="{BB962C8B-B14F-4D97-AF65-F5344CB8AC3E}">
+        <p14:creationId xmlns:p14="http://schemas.microsoft.com/office/powerpoint/2010/main" val="3948911053"/>
+      </p:ext>
+    </p:extLst>
+  </p:cSld>
+  <p:clrMapOvr>
+    <a:masterClrMapping/>
+  </p:clrMapOvr>
+  <p:timing>
+    <p:tnLst>
+      <p:par>
+        <p:cTn id="1" dur="indefinite" restart="never" nodeType="tmRoot"/>
+      </p:par>
+    </p:tnLst>
+  </p:timing>
 </p:sld>
 </file>
 
@@ -5404,7 +5454,9 @@
               </a:xfrm>
             </p:spPr>
             <p:txBody>
-              <a:bodyPr/>
+              <a:bodyPr>
+                <a:normAutofit/>
+              </a:bodyPr>
               <a:lstStyle/>
               <a:p>
                 <a14:m>
@@ -5412,14 +5464,14 @@
                     <m:func>
                       <m:funcPr>
                         <m:ctrlPr>
-                          <a:rPr lang="zh-CN" altLang="zh-CN" i="1" smtClean="0">
+                          <a:rPr lang="zh-CN" altLang="zh-CN" sz="2800" i="1" smtClean="0">
                             <a:latin typeface="Cambria Math"/>
                           </a:rPr>
                         </m:ctrlPr>
                       </m:funcPr>
                       <m:fName>
                         <m:r>
-                          <a:rPr lang="en-US" altLang="zh-CN" i="1">
+                          <a:rPr lang="en-US" altLang="zh-CN" sz="2800" i="1">
                             <a:latin typeface="Cambria Math"/>
                           </a:rPr>
                           <m:t>𝑃𝑟</m:t>
@@ -5429,14 +5481,14 @@
                         <m:d>
                           <m:dPr>
                             <m:ctrlPr>
-                              <a:rPr lang="zh-CN" altLang="zh-CN" i="1">
+                              <a:rPr lang="zh-CN" altLang="zh-CN" sz="2800" i="1">
                                 <a:latin typeface="Cambria Math"/>
                               </a:rPr>
                             </m:ctrlPr>
                           </m:dPr>
                           <m:e>
                             <m:r>
-                              <a:rPr lang="en-US" altLang="zh-CN" i="1">
+                              <a:rPr lang="en-US" altLang="zh-CN" sz="2800" i="1">
                                 <a:latin typeface="Cambria Math"/>
                               </a:rPr>
                               <m:t>𝐴</m:t>
@@ -5444,7 +5496,7 @@
                           </m:e>
                           <m:e>
                             <m:r>
-                              <a:rPr lang="en-US" altLang="zh-CN" i="1">
+                              <a:rPr lang="en-US" altLang="zh-CN" sz="2800" i="1">
                                 <a:latin typeface="Cambria Math"/>
                               </a:rPr>
                               <m:t>𝐵</m:t>
@@ -5454,7 +5506,7 @@
                       </m:e>
                     </m:func>
                     <m:r>
-                      <a:rPr lang="en-US" altLang="zh-CN" i="1">
+                      <a:rPr lang="en-US" altLang="zh-CN" sz="2800" i="1">
                         <a:latin typeface="Cambria Math"/>
                       </a:rPr>
                       <m:t>=</m:t>
@@ -5462,14 +5514,14 @@
                     <m:func>
                       <m:funcPr>
                         <m:ctrlPr>
-                          <a:rPr lang="zh-CN" altLang="zh-CN" i="1">
+                          <a:rPr lang="zh-CN" altLang="zh-CN" sz="2800" i="1">
                             <a:latin typeface="Cambria Math"/>
                           </a:rPr>
                         </m:ctrlPr>
                       </m:funcPr>
                       <m:fName>
                         <m:r>
-                          <a:rPr lang="en-US" altLang="zh-CN" i="1">
+                          <a:rPr lang="en-US" altLang="zh-CN" sz="2800" i="1">
                             <a:latin typeface="Cambria Math"/>
                           </a:rPr>
                           <m:t>𝑃𝑟</m:t>
@@ -5479,26 +5531,26 @@
                         <m:d>
                           <m:dPr>
                             <m:ctrlPr>
-                              <a:rPr lang="zh-CN" altLang="zh-CN" i="1">
+                              <a:rPr lang="zh-CN" altLang="zh-CN" sz="2800" i="1">
                                 <a:latin typeface="Cambria Math"/>
                               </a:rPr>
                             </m:ctrlPr>
                           </m:dPr>
                           <m:e>
                             <m:r>
-                              <a:rPr lang="en-US" altLang="zh-CN" i="1">
+                              <a:rPr lang="en-US" altLang="zh-CN" sz="2800" i="1">
                                 <a:latin typeface="Cambria Math"/>
                               </a:rPr>
                               <m:t>𝐵</m:t>
                             </m:r>
                             <m:r>
-                              <a:rPr lang="en-US" altLang="zh-CN" i="1">
+                              <a:rPr lang="en-US" altLang="zh-CN" sz="2800" i="1">
                                 <a:latin typeface="Cambria Math"/>
                               </a:rPr>
                               <m:t>|</m:t>
                             </m:r>
                             <m:r>
-                              <a:rPr lang="en-US" altLang="zh-CN" i="1">
+                              <a:rPr lang="en-US" altLang="zh-CN" sz="2800" i="1">
                                 <a:latin typeface="Cambria Math"/>
                               </a:rPr>
                               <m:t>𝐴</m:t>
@@ -5506,7 +5558,7 @@
                           </m:e>
                         </m:d>
                         <m:r>
-                          <a:rPr lang="en-US" altLang="zh-CN" i="1">
+                          <a:rPr lang="en-US" altLang="zh-CN" sz="2800" i="1">
                             <a:latin typeface="Cambria Math"/>
                           </a:rPr>
                           <m:t>∗</m:t>
@@ -5514,7 +5566,7 @@
                         <m:f>
                           <m:fPr>
                             <m:ctrlPr>
-                              <a:rPr lang="zh-CN" altLang="zh-CN" i="1">
+                              <a:rPr lang="zh-CN" altLang="zh-CN" sz="2800" i="1">
                                 <a:latin typeface="Cambria Math"/>
                               </a:rPr>
                             </m:ctrlPr>
@@ -5523,14 +5575,14 @@
                             <m:func>
                               <m:funcPr>
                                 <m:ctrlPr>
-                                  <a:rPr lang="zh-CN" altLang="zh-CN" i="1">
+                                  <a:rPr lang="zh-CN" altLang="zh-CN" sz="2800" i="1">
                                     <a:latin typeface="Cambria Math"/>
                                   </a:rPr>
                                 </m:ctrlPr>
                               </m:funcPr>
                               <m:fName>
                                 <m:r>
-                                  <a:rPr lang="en-US" altLang="zh-CN" i="1">
+                                  <a:rPr lang="en-US" altLang="zh-CN" sz="2800" i="1">
                                     <a:latin typeface="Cambria Math"/>
                                   </a:rPr>
                                   <m:t>𝑃𝑟</m:t>
@@ -5540,14 +5592,14 @@
                                 <m:d>
                                   <m:dPr>
                                     <m:ctrlPr>
-                                      <a:rPr lang="zh-CN" altLang="zh-CN" i="1">
+                                      <a:rPr lang="zh-CN" altLang="zh-CN" sz="2800" i="1">
                                         <a:latin typeface="Cambria Math"/>
                                       </a:rPr>
                                     </m:ctrlPr>
                                   </m:dPr>
                                   <m:e>
                                     <m:r>
-                                      <a:rPr lang="en-US" altLang="zh-CN" i="1">
+                                      <a:rPr lang="en-US" altLang="zh-CN" sz="2800" i="1">
                                         <a:latin typeface="Cambria Math"/>
                                       </a:rPr>
                                       <m:t>𝐴</m:t>
@@ -5559,25 +5611,25 @@
                           </m:num>
                           <m:den>
                             <m:r>
-                              <a:rPr lang="en-US" altLang="zh-CN" i="1">
+                              <a:rPr lang="en-US" altLang="zh-CN" sz="2800" i="1">
                                 <a:latin typeface="Cambria Math"/>
                               </a:rPr>
                               <m:t>𝑃𝑟</m:t>
                             </m:r>
                             <m:r>
-                              <a:rPr lang="en-US" altLang="zh-CN" i="1">
+                              <a:rPr lang="en-US" altLang="zh-CN" sz="2800" i="1">
                                 <a:latin typeface="Cambria Math"/>
                               </a:rPr>
                               <m:t>(</m:t>
                             </m:r>
                             <m:r>
-                              <a:rPr lang="en-US" altLang="zh-CN" i="1">
+                              <a:rPr lang="en-US" altLang="zh-CN" sz="2800" i="1">
                                 <a:latin typeface="Cambria Math"/>
                               </a:rPr>
                               <m:t>𝐵</m:t>
                             </m:r>
                             <m:r>
-                              <a:rPr lang="en-US" altLang="zh-CN" i="1">
+                              <a:rPr lang="en-US" altLang="zh-CN" sz="2800" i="1">
                                 <a:latin typeface="Cambria Math"/>
                               </a:rPr>
                               <m:t>)</m:t>
@@ -5588,21 +5640,26 @@
                     </m:func>
                   </m:oMath>
                 </a14:m>
-                <a:endParaRPr lang="en-US" altLang="zh-CN" i="1" dirty="0" smtClean="0"/>
+                <a:endParaRPr lang="en-US" altLang="zh-CN" sz="2800" i="1" dirty="0" smtClean="0"/>
               </a:p>
               <a:p>
                 <a:r>
-                  <a:rPr lang="en-US" altLang="zh-CN" i="1" dirty="0"/>
+                  <a:rPr lang="en-US" altLang="zh-CN" sz="2800" i="1" dirty="0"/>
                   <a:t>A = Category</a:t>
                 </a:r>
                 <a:r>
-                  <a:rPr lang="zh-CN" altLang="en-US" i="1" dirty="0"/>
+                  <a:rPr lang="zh-CN" altLang="en-US" sz="2800" i="1" dirty="0"/>
                   <a:t>， </a:t>
                 </a:r>
                 <a:r>
-                  <a:rPr lang="en-US" altLang="zh-CN" i="1" dirty="0"/>
-                  <a:t>B = Document </a:t>
+                  <a:rPr lang="en-US" altLang="zh-CN" sz="2800" i="1" dirty="0"/>
+                  <a:t>B = </a:t>
                 </a:r>
+                <a:r>
+                  <a:rPr lang="en-US" altLang="zh-CN" sz="2800" i="1" dirty="0" smtClean="0"/>
+                  <a:t>Document</a:t>
+                </a:r>
+                <a:endParaRPr lang="en-US" altLang="zh-CN" sz="2800" i="1" dirty="0"/>
               </a:p>
               <a:p>
                 <a14:m>
@@ -5610,14 +5667,14 @@
                     <m:func>
                       <m:funcPr>
                         <m:ctrlPr>
-                          <a:rPr lang="zh-CN" altLang="zh-CN" i="1">
+                          <a:rPr lang="zh-CN" altLang="zh-CN" sz="2800" i="1">
                             <a:latin typeface="Cambria Math"/>
                           </a:rPr>
                         </m:ctrlPr>
                       </m:funcPr>
                       <m:fName>
                         <m:r>
-                          <a:rPr lang="en-US" altLang="zh-CN" i="1">
+                          <a:rPr lang="en-US" altLang="zh-CN" sz="2800" i="1">
                             <a:latin typeface="Cambria Math"/>
                           </a:rPr>
                           <m:t>𝑃𝑟</m:t>
@@ -5627,14 +5684,14 @@
                         <m:d>
                           <m:dPr>
                             <m:ctrlPr>
-                              <a:rPr lang="zh-CN" altLang="zh-CN" i="1">
+                              <a:rPr lang="zh-CN" altLang="zh-CN" sz="2800" i="1">
                                 <a:latin typeface="Cambria Math"/>
                               </a:rPr>
                             </m:ctrlPr>
                           </m:dPr>
                           <m:e>
                             <m:r>
-                              <a:rPr lang="en-US" altLang="zh-CN" i="1">
+                              <a:rPr lang="en-US" altLang="zh-CN" sz="2800" i="1">
                                 <a:latin typeface="Cambria Math"/>
                               </a:rPr>
                               <m:t>𝐶𝑎𝑡</m:t>
@@ -5642,7 +5699,7 @@
                           </m:e>
                           <m:e>
                             <m:r>
-                              <a:rPr lang="en-US" altLang="zh-CN" i="1">
+                              <a:rPr lang="en-US" altLang="zh-CN" sz="2800" i="1">
                                 <a:latin typeface="Cambria Math"/>
                               </a:rPr>
                               <m:t>𝐷𝑜𝑐</m:t>
@@ -5652,7 +5709,7 @@
                       </m:e>
                     </m:func>
                     <m:r>
-                      <a:rPr lang="en-US" altLang="zh-CN" i="1">
+                      <a:rPr lang="en-US" altLang="zh-CN" sz="2800" i="1">
                         <a:latin typeface="Cambria Math"/>
                       </a:rPr>
                       <m:t>=</m:t>
@@ -5660,14 +5717,14 @@
                     <m:func>
                       <m:funcPr>
                         <m:ctrlPr>
-                          <a:rPr lang="zh-CN" altLang="zh-CN" i="1">
+                          <a:rPr lang="zh-CN" altLang="zh-CN" sz="2800" i="1">
                             <a:latin typeface="Cambria Math"/>
                           </a:rPr>
                         </m:ctrlPr>
                       </m:funcPr>
                       <m:fName>
                         <m:r>
-                          <a:rPr lang="en-US" altLang="zh-CN" i="1">
+                          <a:rPr lang="en-US" altLang="zh-CN" sz="2800" i="1">
                             <a:latin typeface="Cambria Math"/>
                           </a:rPr>
                           <m:t>𝑃𝑟</m:t>
@@ -5677,26 +5734,26 @@
                         <m:d>
                           <m:dPr>
                             <m:ctrlPr>
-                              <a:rPr lang="zh-CN" altLang="zh-CN" i="1">
+                              <a:rPr lang="zh-CN" altLang="zh-CN" sz="2800" i="1">
                                 <a:latin typeface="Cambria Math"/>
                               </a:rPr>
                             </m:ctrlPr>
                           </m:dPr>
                           <m:e>
                             <m:r>
-                              <a:rPr lang="en-US" altLang="zh-CN" i="1">
+                              <a:rPr lang="en-US" altLang="zh-CN" sz="2800" i="1">
                                 <a:latin typeface="Cambria Math"/>
                               </a:rPr>
                               <m:t>𝐷𝑜𝑐</m:t>
                             </m:r>
                             <m:r>
-                              <a:rPr lang="en-US" altLang="zh-CN" i="1">
+                              <a:rPr lang="en-US" altLang="zh-CN" sz="2800" i="1">
                                 <a:latin typeface="Cambria Math"/>
                               </a:rPr>
                               <m:t>|</m:t>
                             </m:r>
                             <m:r>
-                              <a:rPr lang="en-US" altLang="zh-CN" i="1">
+                              <a:rPr lang="en-US" altLang="zh-CN" sz="2800" i="1">
                                 <a:latin typeface="Cambria Math"/>
                               </a:rPr>
                               <m:t>𝐶𝑎𝑡</m:t>
@@ -5704,7 +5761,7 @@
                           </m:e>
                         </m:d>
                         <m:r>
-                          <a:rPr lang="en-US" altLang="zh-CN" i="1">
+                          <a:rPr lang="en-US" altLang="zh-CN" sz="2800" i="1">
                             <a:latin typeface="Cambria Math"/>
                           </a:rPr>
                           <m:t>∗</m:t>
@@ -5712,7 +5769,7 @@
                         <m:f>
                           <m:fPr>
                             <m:ctrlPr>
-                              <a:rPr lang="zh-CN" altLang="zh-CN" i="1">
+                              <a:rPr lang="zh-CN" altLang="zh-CN" sz="2800" i="1">
                                 <a:latin typeface="Cambria Math"/>
                               </a:rPr>
                             </m:ctrlPr>
@@ -5721,14 +5778,14 @@
                             <m:func>
                               <m:funcPr>
                                 <m:ctrlPr>
-                                  <a:rPr lang="zh-CN" altLang="zh-CN" i="1">
+                                  <a:rPr lang="zh-CN" altLang="zh-CN" sz="2800" i="1">
                                     <a:latin typeface="Cambria Math"/>
                                   </a:rPr>
                                 </m:ctrlPr>
                               </m:funcPr>
                               <m:fName>
                                 <m:r>
-                                  <a:rPr lang="en-US" altLang="zh-CN" i="1">
+                                  <a:rPr lang="en-US" altLang="zh-CN" sz="2800" i="1">
                                     <a:latin typeface="Cambria Math"/>
                                   </a:rPr>
                                   <m:t>𝑃𝑟</m:t>
@@ -5738,14 +5795,14 @@
                                 <m:d>
                                   <m:dPr>
                                     <m:ctrlPr>
-                                      <a:rPr lang="zh-CN" altLang="zh-CN" i="1">
+                                      <a:rPr lang="zh-CN" altLang="zh-CN" sz="2800" i="1">
                                         <a:latin typeface="Cambria Math"/>
                                       </a:rPr>
                                     </m:ctrlPr>
                                   </m:dPr>
                                   <m:e>
                                     <m:r>
-                                      <a:rPr lang="en-US" altLang="zh-CN" i="1">
+                                      <a:rPr lang="en-US" altLang="zh-CN" sz="2800" i="1">
                                         <a:latin typeface="Cambria Math"/>
                                       </a:rPr>
                                       <m:t>𝐶𝑎𝑡</m:t>
@@ -5757,25 +5814,25 @@
                           </m:num>
                           <m:den>
                             <m:r>
-                              <a:rPr lang="en-US" altLang="zh-CN" i="1">
+                              <a:rPr lang="en-US" altLang="zh-CN" sz="2800" i="1">
                                 <a:latin typeface="Cambria Math"/>
                               </a:rPr>
                               <m:t>𝑃𝑟</m:t>
                             </m:r>
                             <m:r>
-                              <a:rPr lang="en-US" altLang="zh-CN" i="1">
+                              <a:rPr lang="en-US" altLang="zh-CN" sz="2800" i="1">
                                 <a:latin typeface="Cambria Math"/>
                               </a:rPr>
                               <m:t>(</m:t>
                             </m:r>
                             <m:r>
-                              <a:rPr lang="en-US" altLang="zh-CN" i="1">
+                              <a:rPr lang="en-US" altLang="zh-CN" sz="2800" i="1">
                                 <a:latin typeface="Cambria Math"/>
                               </a:rPr>
                               <m:t>𝐷𝑜𝑐</m:t>
                             </m:r>
                             <m:r>
-                              <a:rPr lang="en-US" altLang="zh-CN" i="1">
+                              <a:rPr lang="en-US" altLang="zh-CN" sz="2800" i="1">
                                 <a:latin typeface="Cambria Math"/>
                               </a:rPr>
                               <m:t>)</m:t>
@@ -5786,11 +5843,11 @@
                     </m:func>
                   </m:oMath>
                 </a14:m>
-                <a:endParaRPr lang="en-US" altLang="zh-CN" i="1" dirty="0" smtClean="0"/>
+                <a:endParaRPr lang="en-US" altLang="zh-CN" sz="2800" i="1" dirty="0" smtClean="0"/>
               </a:p>
               <a:p>
                 <a:r>
-                  <a:rPr lang="en-US" altLang="zh-CN" i="1" dirty="0" smtClean="0"/>
+                  <a:rPr lang="en-US" altLang="zh-CN" sz="2800" i="1" dirty="0" smtClean="0"/>
                   <a:t>Feature = Word</a:t>
                 </a:r>
               </a:p>
@@ -5798,16 +5855,23 @@
                 <a14:m>
                   <m:oMath xmlns:m="http://schemas.openxmlformats.org/officeDocument/2006/math">
                     <m:r>
-                      <a:rPr lang="en-US" altLang="zh-CN" i="1">
+                      <a:rPr lang="en-US" altLang="zh-CN" sz="2800" i="1">
                         <a:latin typeface="Cambria Math"/>
                         <a:ea typeface="+mj-ea"/>
                       </a:rPr>
                       <m:t>𝑃</m:t>
                     </m:r>
+                    <m:r>
+                      <a:rPr lang="en-US" altLang="zh-CN" sz="2800" b="0" i="1" smtClean="0">
+                        <a:latin typeface="Cambria Math"/>
+                        <a:ea typeface="+mj-ea"/>
+                      </a:rPr>
+                      <m:t>𝑟</m:t>
+                    </m:r>
                     <m:d>
                       <m:dPr>
                         <m:ctrlPr>
-                          <a:rPr lang="zh-CN" altLang="zh-CN" i="1">
+                          <a:rPr lang="zh-CN" altLang="zh-CN" sz="2800" i="1">
                             <a:latin typeface="Cambria Math"/>
                             <a:ea typeface="+mj-ea"/>
                           </a:rPr>
@@ -5815,25 +5879,39 @@
                       </m:dPr>
                       <m:e>
                         <m:r>
-                          <a:rPr lang="en-US" altLang="zh-CN" i="1">
+                          <a:rPr lang="en-US" altLang="zh-CN" sz="2800" b="0" i="1" smtClean="0">
                             <a:latin typeface="Cambria Math"/>
                             <a:ea typeface="+mj-ea"/>
                           </a:rPr>
-                          <m:t>𝑑𝑜𝑐</m:t>
+                          <m:t>𝐷</m:t>
+                        </m:r>
+                        <m:r>
+                          <a:rPr lang="en-US" altLang="zh-CN" sz="2800" i="1">
+                            <a:latin typeface="Cambria Math"/>
+                            <a:ea typeface="+mj-ea"/>
+                          </a:rPr>
+                          <m:t>𝑜𝑐</m:t>
                         </m:r>
                       </m:e>
                       <m:e>
                         <m:r>
-                          <a:rPr lang="en-US" altLang="zh-CN" i="1">
+                          <a:rPr lang="en-US" altLang="zh-CN" sz="2800" b="0" i="1" smtClean="0">
                             <a:latin typeface="Cambria Math"/>
                             <a:ea typeface="+mj-ea"/>
                           </a:rPr>
-                          <m:t>𝑐𝑎𝑡</m:t>
+                          <m:t>𝐶</m:t>
+                        </m:r>
+                        <m:r>
+                          <a:rPr lang="en-US" altLang="zh-CN" sz="2800" i="1">
+                            <a:latin typeface="Cambria Math"/>
+                            <a:ea typeface="+mj-ea"/>
+                          </a:rPr>
+                          <m:t>𝑎𝑡</m:t>
                         </m:r>
                       </m:e>
                     </m:d>
                     <m:r>
-                      <a:rPr lang="en-US" altLang="zh-CN" i="1">
+                      <a:rPr lang="en-US" altLang="zh-CN" sz="2800" i="1">
                         <a:latin typeface="Cambria Math"/>
                         <a:ea typeface="+mj-ea"/>
                       </a:rPr>
@@ -5845,7 +5923,7 @@
                         <m:subHide m:val="on"/>
                         <m:supHide m:val="on"/>
                         <m:ctrlPr>
-                          <a:rPr lang="zh-CN" altLang="zh-CN" i="1">
+                          <a:rPr lang="zh-CN" altLang="zh-CN" sz="2800" i="1">
                             <a:latin typeface="Cambria Math"/>
                             <a:ea typeface="+mj-ea"/>
                           </a:rPr>
@@ -5855,66 +5933,66 @@
                       <m:sup/>
                       <m:e>
                         <m:r>
-                          <a:rPr lang="en-US" altLang="zh-CN" i="1">
+                          <a:rPr lang="en-US" altLang="zh-CN" sz="2800" b="0" i="1" smtClean="0">
                             <a:latin typeface="Cambria Math"/>
                             <a:ea typeface="+mj-ea"/>
                           </a:rPr>
-                          <m:t>𝑤</m:t>
+                          <m:t>𝑃𝑟</m:t>
                         </m:r>
                         <m:r>
                           <m:rPr>
                             <m:sty m:val="p"/>
                           </m:rPr>
-                          <a:rPr lang="en-US" altLang="zh-CN" i="1">
+                          <a:rPr lang="en-US" altLang="zh-CN" sz="2800" i="1" baseline="-25000">
                             <a:latin typeface="Cambria Math"/>
                             <a:ea typeface="+mj-ea"/>
                           </a:rPr>
-                          <m:t>eighted</m:t>
+                          <m:t>weighted</m:t>
                         </m:r>
                         <m:r>
-                          <a:rPr lang="en-US" altLang="zh-CN" b="0" i="1" smtClean="0">
-                            <a:latin typeface="Cambria Math"/>
-                            <a:ea typeface="+mj-ea"/>
-                          </a:rPr>
-                          <m:t>𝑃</m:t>
-                        </m:r>
-                        <m:r>
-                          <a:rPr lang="en-US" altLang="zh-CN" i="1">
+                          <a:rPr lang="en-US" altLang="zh-CN" sz="2800" i="1">
                             <a:latin typeface="Cambria Math"/>
                             <a:ea typeface="+mj-ea"/>
                           </a:rPr>
                           <m:t>(</m:t>
                         </m:r>
                         <m:r>
-                          <a:rPr lang="en-US" altLang="zh-CN" i="1">
+                          <a:rPr lang="en-US" altLang="zh-CN" sz="2800" i="1">
                             <a:latin typeface="Cambria Math"/>
                             <a:ea typeface="+mj-ea"/>
                           </a:rPr>
-                          <m:t>𝑤𝑜</m:t>
+                          <m:t>𝑤𝑜𝑟𝑑</m:t>
                         </m:r>
                         <m:r>
-                          <a:rPr lang="en-US" altLang="zh-CN" b="0" i="1" smtClean="0">
+                          <a:rPr lang="en-US" altLang="zh-CN" sz="2800" b="0" i="1" smtClean="0">
                             <a:latin typeface="Cambria Math"/>
                             <a:ea typeface="+mj-ea"/>
                           </a:rPr>
-                          <m:t>𝑟𝑑𝑖</m:t>
+                          <m:t>𝑖</m:t>
                         </m:r>
                         <m:r>
-                          <a:rPr lang="en-US" altLang="zh-CN" i="1">
+                          <a:rPr lang="en-US" altLang="zh-CN" sz="2800" i="1">
                             <a:latin typeface="Cambria Math"/>
                             <a:ea typeface="+mj-ea"/>
                           </a:rPr>
                           <m:t> | </m:t>
                         </m:r>
                         <m:r>
-                          <a:rPr lang="en-US" altLang="zh-CN" i="1">
+                          <a:rPr lang="en-US" altLang="zh-CN" sz="2800" b="0" i="1" smtClean="0">
                             <a:latin typeface="Cambria Math"/>
                             <a:ea typeface="+mj-ea"/>
                           </a:rPr>
-                          <m:t>𝑐𝑎𝑡</m:t>
+                          <m:t>𝐶</m:t>
                         </m:r>
                         <m:r>
-                          <a:rPr lang="en-US" altLang="zh-CN" i="1">
+                          <a:rPr lang="en-US" altLang="zh-CN" sz="2800" i="1">
+                            <a:latin typeface="Cambria Math"/>
+                            <a:ea typeface="+mj-ea"/>
+                          </a:rPr>
+                          <m:t>𝑎𝑡</m:t>
+                        </m:r>
+                        <m:r>
+                          <a:rPr lang="en-US" altLang="zh-CN" sz="2800" i="1">
                             <a:latin typeface="Cambria Math"/>
                             <a:ea typeface="+mj-ea"/>
                           </a:rPr>
@@ -5924,7 +6002,7 @@
                     </m:nary>
                   </m:oMath>
                 </a14:m>
-                <a:endParaRPr lang="en-US" altLang="zh-CN" i="1" dirty="0" smtClean="0">
+                <a:endParaRPr lang="en-US" altLang="zh-CN" sz="2800" i="1" dirty="0" smtClean="0">
                   <a:latin typeface="+mj-ea"/>
                   <a:ea typeface="+mj-ea"/>
                 </a:endParaRPr>
@@ -5957,7 +6035,7 @@
               <a:blipFill rotWithShape="1">
                 <a:blip r:embed="rId3"/>
                 <a:stretch>
-                  <a:fillRect l="-1676"/>
+                  <a:fillRect l="-1295"/>
                 </a:stretch>
               </a:blipFill>
             </p:spPr>
@@ -5986,6 +6064,13 @@
   <p:clrMapOvr>
     <a:masterClrMapping/>
   </p:clrMapOvr>
+  <p:timing>
+    <p:tnLst>
+      <p:par>
+        <p:cTn id="1" dur="indefinite" restart="never" nodeType="tmRoot"/>
+      </p:par>
+    </p:tnLst>
+  </p:timing>
 </p:sld>
 </file>
 
@@ -6221,7 +6306,7 @@
                 <a14:m>
                   <m:oMath xmlns:m="http://schemas.openxmlformats.org/officeDocument/2006/math">
                     <m:r>
-                      <a:rPr lang="en-US" altLang="zh-CN" sz="2600" i="1" smtClean="0">
+                      <a:rPr lang="en-US" altLang="zh-CN" sz="2600" b="0" i="1" smtClean="0">
                         <a:latin typeface="Cambria Math"/>
                       </a:rPr>
                       <m:t>𝑃</m:t>
@@ -6236,7 +6321,7 @@
                       </m:dPr>
                       <m:e>
                         <m:r>
-                          <a:rPr lang="en-US" altLang="zh-CN" sz="2600" i="1">
+                          <a:rPr lang="en-US" altLang="zh-CN" sz="2600" b="0" i="1">
                             <a:latin typeface="Cambria Math"/>
                           </a:rPr>
                           <m:t>𝑐𝑎𝑡𝑒𝑔𝑜𝑟𝑦</m:t>
@@ -6244,7 +6329,7 @@
                       </m:e>
                     </m:d>
                     <m:r>
-                      <a:rPr lang="en-US" altLang="zh-CN" sz="2600" i="1">
+                      <a:rPr lang="en-US" altLang="zh-CN" sz="2600" b="0" i="1">
                         <a:latin typeface="Cambria Math"/>
                       </a:rPr>
                       <m:t>=</m:t>
@@ -6259,7 +6344,7 @@
                       </m:fPr>
                       <m:num>
                         <m:r>
-                          <a:rPr lang="en-US" altLang="zh-CN" sz="2600" i="1">
+                          <a:rPr lang="en-US" altLang="zh-CN" sz="2600" b="0" i="1">
                             <a:latin typeface="Cambria Math"/>
                           </a:rPr>
                           <m:t>𝑡𝑜𝑡𝑎𝑙</m:t>
@@ -6274,31 +6359,31 @@
                           </m:dPr>
                           <m:e>
                             <m:r>
-                              <a:rPr lang="en-US" altLang="zh-CN" sz="2600" i="1">
+                              <a:rPr lang="en-US" altLang="zh-CN" sz="2600" b="0" i="1">
                                 <a:latin typeface="Cambria Math"/>
                               </a:rPr>
                               <m:t>𝑑𝑜𝑐𝑢𝑚𝑒𝑛𝑡𝑠</m:t>
                             </m:r>
                             <m:r>
-                              <a:rPr lang="en-US" altLang="zh-CN" sz="2600" i="1">
+                              <a:rPr lang="en-US" altLang="zh-CN" sz="2600" b="0" i="1">
                                 <a:latin typeface="Cambria Math"/>
                               </a:rPr>
                               <m:t> </m:t>
                             </m:r>
                             <m:r>
-                              <a:rPr lang="en-US" altLang="zh-CN" sz="2600" i="1">
+                              <a:rPr lang="en-US" altLang="zh-CN" sz="2600" b="0" i="1">
                                 <a:latin typeface="Cambria Math"/>
                               </a:rPr>
                               <m:t>𝑖𝑛</m:t>
                             </m:r>
                             <m:r>
-                              <a:rPr lang="en-US" altLang="zh-CN" sz="2600" i="1">
+                              <a:rPr lang="en-US" altLang="zh-CN" sz="2600" b="0" i="1">
                                 <a:latin typeface="Cambria Math"/>
                               </a:rPr>
                               <m:t> </m:t>
                             </m:r>
                             <m:r>
-                              <a:rPr lang="en-US" altLang="zh-CN" sz="2600" i="1">
+                              <a:rPr lang="en-US" altLang="zh-CN" sz="2600" b="0" i="1">
                                 <a:latin typeface="Cambria Math"/>
                               </a:rPr>
                               <m:t>𝑐𝑎𝑡𝑒𝑔𝑜𝑟𝑦</m:t>
@@ -6322,25 +6407,25 @@
                           <m:sup/>
                           <m:e>
                             <m:r>
-                              <a:rPr lang="en-US" altLang="zh-CN" sz="2600" i="1">
+                              <a:rPr lang="en-US" altLang="zh-CN" sz="2600" b="0" i="1">
                                 <a:latin typeface="Cambria Math"/>
                               </a:rPr>
                               <m:t>𝑡𝑜𝑡𝑎𝑙</m:t>
                             </m:r>
                             <m:r>
-                              <a:rPr lang="en-US" altLang="zh-CN" sz="2600" i="1">
+                              <a:rPr lang="en-US" altLang="zh-CN" sz="2600" b="0" i="1">
                                 <a:latin typeface="Cambria Math"/>
                               </a:rPr>
                               <m:t>(</m:t>
                             </m:r>
                             <m:r>
-                              <a:rPr lang="en-US" altLang="zh-CN" sz="2600" i="1">
+                              <a:rPr lang="en-US" altLang="zh-CN" sz="2600" b="0" i="1">
                                 <a:latin typeface="Cambria Math"/>
                               </a:rPr>
                               <m:t>𝑑𝑜𝑐𝑢𝑚𝑒𝑛𝑡𝑠</m:t>
                             </m:r>
                             <m:r>
-                              <a:rPr lang="en-US" altLang="zh-CN" sz="2600" i="1">
+                              <a:rPr lang="en-US" altLang="zh-CN" sz="2600" b="0" i="1">
                                 <a:latin typeface="Cambria Math"/>
                               </a:rPr>
                               <m:t>)</m:t>
@@ -6357,7 +6442,7 @@
                 <a14:m>
                   <m:oMath xmlns:m="http://schemas.openxmlformats.org/officeDocument/2006/math">
                     <m:r>
-                      <a:rPr lang="en-US" altLang="zh-CN" sz="2600" i="1">
+                      <a:rPr lang="en-US" altLang="zh-CN" sz="2600" b="0" i="1">
                         <a:latin typeface="Cambria Math"/>
                       </a:rPr>
                       <m:t>𝑃</m:t>
@@ -6372,7 +6457,7 @@
                       </m:dPr>
                       <m:e>
                         <m:r>
-                          <a:rPr lang="en-US" altLang="zh-CN" sz="2600" i="1">
+                          <a:rPr lang="en-US" altLang="zh-CN" sz="2600" b="0" i="1">
                             <a:latin typeface="Cambria Math"/>
                           </a:rPr>
                           <m:t>𝑐𝑎𝑡𝑒𝑔𝑜𝑟𝑦</m:t>
@@ -6380,7 +6465,7 @@
                       </m:e>
                     </m:d>
                     <m:r>
-                      <a:rPr lang="en-US" altLang="zh-CN" sz="2600" i="1">
+                      <a:rPr lang="en-US" altLang="zh-CN" sz="2600" b="0" i="1">
                         <a:latin typeface="Cambria Math"/>
                       </a:rPr>
                       <m:t>=</m:t>
@@ -6395,7 +6480,7 @@
                       </m:fPr>
                       <m:num>
                         <m:r>
-                          <a:rPr lang="en-US" altLang="zh-CN" sz="2600" i="1">
+                          <a:rPr lang="en-US" altLang="zh-CN" sz="2600" b="0" i="1">
                             <a:latin typeface="Cambria Math"/>
                           </a:rPr>
                           <m:t>𝑡𝑜𝑡𝑎𝑙</m:t>
@@ -6419,7 +6504,7 @@
                               <m:t>𝑤𝑜𝑟𝑑𝑠</m:t>
                             </m:r>
                             <m:r>
-                              <a:rPr lang="en-US" altLang="zh-CN" sz="2600" i="1">
+                              <a:rPr lang="en-US" altLang="zh-CN" sz="2600" b="0" i="1">
                                 <a:solidFill>
                                   <a:srgbClr val="FF0000"/>
                                 </a:solidFill>
@@ -6428,7 +6513,7 @@
                               <m:t> </m:t>
                             </m:r>
                             <m:r>
-                              <a:rPr lang="en-US" altLang="zh-CN" sz="2600" i="1">
+                              <a:rPr lang="en-US" altLang="zh-CN" sz="2600" b="0" i="1">
                                 <a:solidFill>
                                   <a:srgbClr val="FF0000"/>
                                 </a:solidFill>
@@ -6437,7 +6522,7 @@
                               <m:t>𝑖𝑛</m:t>
                             </m:r>
                             <m:r>
-                              <a:rPr lang="en-US" altLang="zh-CN" sz="2600" i="1">
+                              <a:rPr lang="en-US" altLang="zh-CN" sz="2600" b="0" i="1">
                                 <a:solidFill>
                                   <a:srgbClr val="FF0000"/>
                                 </a:solidFill>
@@ -6446,7 +6531,7 @@
                               <m:t> </m:t>
                             </m:r>
                             <m:r>
-                              <a:rPr lang="en-US" altLang="zh-CN" sz="2600" i="1">
+                              <a:rPr lang="en-US" altLang="zh-CN" sz="2600" b="0" i="1">
                                 <a:solidFill>
                                   <a:srgbClr val="FF0000"/>
                                 </a:solidFill>
@@ -6473,13 +6558,13 @@
                           <m:sup/>
                           <m:e>
                             <m:r>
-                              <a:rPr lang="en-US" altLang="zh-CN" sz="2600" i="1">
+                              <a:rPr lang="en-US" altLang="zh-CN" sz="2600" b="0" i="1">
                                 <a:latin typeface="Cambria Math"/>
                               </a:rPr>
                               <m:t>𝑡𝑜𝑡𝑎𝑙</m:t>
                             </m:r>
                             <m:r>
-                              <a:rPr lang="en-US" altLang="zh-CN" sz="2600" i="1">
+                              <a:rPr lang="en-US" altLang="zh-CN" sz="2600" b="0" i="1">
                                 <a:latin typeface="Cambria Math"/>
                               </a:rPr>
                               <m:t>(</m:t>
@@ -6494,7 +6579,7 @@
                               <m:t>𝑤𝑜𝑟𝑑𝑠</m:t>
                             </m:r>
                             <m:r>
-                              <a:rPr lang="en-US" altLang="zh-CN" sz="2600" i="1">
+                              <a:rPr lang="en-US" altLang="zh-CN" sz="2600" b="0" i="1">
                                 <a:latin typeface="Cambria Math"/>
                               </a:rPr>
                               <m:t>)</m:t>
@@ -6514,7 +6599,7 @@
                 <a14:m>
                   <m:oMath xmlns:m="http://schemas.openxmlformats.org/officeDocument/2006/math">
                     <m:r>
-                      <a:rPr lang="en-US" altLang="zh-CN" sz="2600" i="1">
+                      <a:rPr lang="en-US" altLang="zh-CN" sz="2600" b="0" i="1">
                         <a:latin typeface="Cambria Math"/>
                       </a:rPr>
                       <m:t>𝑃</m:t>
@@ -6535,13 +6620,13 @@
                           <m:t>𝑤𝑜𝑟𝑑</m:t>
                         </m:r>
                         <m:r>
-                          <a:rPr lang="en-US" altLang="zh-CN" sz="2600" i="1">
+                          <a:rPr lang="en-US" altLang="zh-CN" sz="2600" b="0" i="1">
                             <a:latin typeface="Cambria Math"/>
                           </a:rPr>
                           <m:t>|</m:t>
                         </m:r>
                         <m:r>
-                          <a:rPr lang="en-US" altLang="zh-CN" sz="2600" i="1">
+                          <a:rPr lang="en-US" altLang="zh-CN" sz="2600" b="0" i="1">
                             <a:latin typeface="Cambria Math"/>
                           </a:rPr>
                           <m:t>𝑐𝑎𝑡𝑒𝑔𝑜𝑟𝑦</m:t>
@@ -6549,7 +6634,7 @@
                       </m:e>
                     </m:d>
                     <m:r>
-                      <a:rPr lang="en-US" altLang="zh-CN" sz="2600" i="1">
+                      <a:rPr lang="en-US" altLang="zh-CN" sz="2600" b="0" i="1">
                         <a:latin typeface="Cambria Math"/>
                       </a:rPr>
                       <m:t>=</m:t>
@@ -6570,7 +6655,7 @@
                           <m:t>𝑡𝑜𝑡𝑎𝑙</m:t>
                         </m:r>
                         <m:r>
-                          <a:rPr lang="en-US" altLang="zh-CN" sz="2600" i="1">
+                          <a:rPr lang="en-US" altLang="zh-CN" sz="2600" b="0" i="1">
                             <a:latin typeface="Cambria Math"/>
                           </a:rPr>
                           <m:t>(</m:t>
@@ -6579,58 +6664,58 @@
                           <a:rPr lang="en-US" altLang="zh-CN" sz="2600" b="0" i="1" smtClean="0">
                             <a:latin typeface="Cambria Math"/>
                           </a:rPr>
-                          <m:t>𝑤𝑜𝑟𝑑</m:t>
+                          <m:t>𝑤𝑜𝑟𝑑𝑠</m:t>
                         </m:r>
                         <m:r>
-                          <a:rPr lang="en-US" altLang="zh-CN" sz="2600" i="1">
+                          <a:rPr lang="en-US" altLang="zh-CN" sz="2600" b="0" i="1">
                             <a:latin typeface="Cambria Math"/>
                           </a:rPr>
                           <m:t> </m:t>
                         </m:r>
                         <m:r>
-                          <a:rPr lang="en-US" altLang="zh-CN" sz="2600" i="1">
+                          <a:rPr lang="en-US" altLang="zh-CN" sz="2600" b="0" i="1">
                             <a:latin typeface="Cambria Math"/>
                           </a:rPr>
                           <m:t>𝑖𝑛</m:t>
                         </m:r>
                         <m:r>
-                          <a:rPr lang="en-US" altLang="zh-CN" sz="2600" i="1">
+                          <a:rPr lang="en-US" altLang="zh-CN" sz="2600" b="0" i="1">
                             <a:latin typeface="Cambria Math"/>
                           </a:rPr>
                           <m:t> </m:t>
                         </m:r>
                         <m:r>
-                          <a:rPr lang="en-US" altLang="zh-CN" sz="2600" i="1">
+                          <a:rPr lang="en-US" altLang="zh-CN" sz="2600" b="0" i="1">
                             <a:latin typeface="Cambria Math"/>
                           </a:rPr>
                           <m:t>𝑑𝑜𝑐𝑢𝑚𝑒𝑛𝑡𝑠</m:t>
                         </m:r>
                         <m:r>
-                          <a:rPr lang="en-US" altLang="zh-CN" sz="2600" i="1">
+                          <a:rPr lang="en-US" altLang="zh-CN" sz="2600" b="0" i="1">
                             <a:latin typeface="Cambria Math"/>
                           </a:rPr>
                           <m:t> </m:t>
                         </m:r>
                         <m:r>
-                          <a:rPr lang="en-US" altLang="zh-CN" sz="2600" i="1">
+                          <a:rPr lang="en-US" altLang="zh-CN" sz="2600" b="0" i="1">
                             <a:latin typeface="Cambria Math"/>
                           </a:rPr>
                           <m:t>𝑜𝑓</m:t>
                         </m:r>
                         <m:r>
-                          <a:rPr lang="en-US" altLang="zh-CN" sz="2600" i="1">
+                          <a:rPr lang="en-US" altLang="zh-CN" sz="2600" b="0" i="1">
                             <a:latin typeface="Cambria Math"/>
                           </a:rPr>
                           <m:t> </m:t>
                         </m:r>
                         <m:r>
-                          <a:rPr lang="en-US" altLang="zh-CN" sz="2600" i="1">
+                          <a:rPr lang="en-US" altLang="zh-CN" sz="2600" b="0" i="1">
                             <a:latin typeface="Cambria Math"/>
                           </a:rPr>
                           <m:t>𝑐𝑎𝑡</m:t>
                         </m:r>
                         <m:r>
-                          <a:rPr lang="en-US" altLang="zh-CN" sz="2600" i="1">
+                          <a:rPr lang="en-US" altLang="zh-CN" sz="2600" b="0" i="1">
                             <a:latin typeface="Cambria Math"/>
                           </a:rPr>
                           <m:t>)</m:t>
@@ -6638,7 +6723,7 @@
                       </m:num>
                       <m:den>
                         <m:r>
-                          <a:rPr lang="en-US" altLang="zh-CN" sz="2600" i="1">
+                          <a:rPr lang="en-US" altLang="zh-CN" sz="2600" b="0" i="1">
                             <a:latin typeface="Cambria Math"/>
                           </a:rPr>
                           <m:t>𝑡</m:t>
@@ -6650,55 +6735,55 @@
                           <m:t>𝑜𝑡𝑎𝑙</m:t>
                         </m:r>
                         <m:r>
-                          <a:rPr lang="en-US" altLang="zh-CN" sz="2600" i="1">
+                          <a:rPr lang="en-US" altLang="zh-CN" sz="2600" b="0" i="1">
                             <a:latin typeface="Cambria Math"/>
                           </a:rPr>
                           <m:t>(</m:t>
                         </m:r>
                         <m:r>
-                          <a:rPr lang="en-US" altLang="zh-CN" sz="2600" i="1">
+                          <a:rPr lang="en-US" altLang="zh-CN" sz="2600" b="0" i="1">
                             <a:latin typeface="Cambria Math"/>
                           </a:rPr>
                           <m:t>𝑎𝑙𝑙</m:t>
                         </m:r>
                         <m:r>
-                          <a:rPr lang="en-US" altLang="zh-CN" sz="2600" i="1">
+                          <a:rPr lang="en-US" altLang="zh-CN" sz="2600" b="0" i="1">
                             <a:latin typeface="Cambria Math"/>
                           </a:rPr>
                           <m:t> </m:t>
                         </m:r>
                         <m:r>
-                          <a:rPr lang="en-US" altLang="zh-CN" sz="2600" i="1">
+                          <a:rPr lang="en-US" altLang="zh-CN" sz="2600" b="0" i="1">
                             <a:latin typeface="Cambria Math"/>
                           </a:rPr>
                           <m:t>𝑑𝑜𝑐𝑢𝑚𝑒𝑛𝑡𝑠</m:t>
                         </m:r>
                         <m:r>
-                          <a:rPr lang="en-US" altLang="zh-CN" sz="2600" i="1">
+                          <a:rPr lang="en-US" altLang="zh-CN" sz="2600" b="0" i="1">
                             <a:latin typeface="Cambria Math"/>
                           </a:rPr>
                           <m:t> </m:t>
                         </m:r>
                         <m:r>
-                          <a:rPr lang="en-US" altLang="zh-CN" sz="2600" i="1">
+                          <a:rPr lang="en-US" altLang="zh-CN" sz="2600" b="0" i="1">
                             <a:latin typeface="Cambria Math"/>
                           </a:rPr>
                           <m:t>𝑜𝑓</m:t>
                         </m:r>
                         <m:r>
-                          <a:rPr lang="en-US" altLang="zh-CN" sz="2600" i="1">
+                          <a:rPr lang="en-US" altLang="zh-CN" sz="2600" b="0" i="1">
                             <a:latin typeface="Cambria Math"/>
                           </a:rPr>
                           <m:t> </m:t>
                         </m:r>
                         <m:r>
-                          <a:rPr lang="en-US" altLang="zh-CN" sz="2600" i="1">
+                          <a:rPr lang="en-US" altLang="zh-CN" sz="2600" b="0" i="1">
                             <a:latin typeface="Cambria Math"/>
                           </a:rPr>
                           <m:t>𝑐𝑎𝑡</m:t>
                         </m:r>
                         <m:r>
-                          <a:rPr lang="en-US" altLang="zh-CN" sz="2600" i="1">
+                          <a:rPr lang="en-US" altLang="zh-CN" sz="2600" b="0" i="1">
                             <a:latin typeface="Cambria Math"/>
                           </a:rPr>
                           <m:t>)</m:t>
@@ -6713,7 +6798,7 @@
                 <a14:m>
                   <m:oMath xmlns:m="http://schemas.openxmlformats.org/officeDocument/2006/math">
                     <m:r>
-                      <a:rPr lang="en-US" altLang="zh-CN" sz="2600" i="1">
+                      <a:rPr lang="en-US" altLang="zh-CN" sz="2600" b="0" i="1">
                         <a:latin typeface="Cambria Math"/>
                       </a:rPr>
                       <m:t>𝑃</m:t>
@@ -6728,7 +6813,7 @@
                       </m:dPr>
                       <m:e>
                         <m:r>
-                          <a:rPr lang="en-US" altLang="zh-CN" sz="2600" i="1">
+                          <a:rPr lang="en-US" altLang="zh-CN" sz="2600" b="0" i="1">
                             <a:latin typeface="Cambria Math"/>
                           </a:rPr>
                           <m:t>𝑤</m:t>
@@ -6740,13 +6825,13 @@
                           <m:t>𝑜𝑟𝑑</m:t>
                         </m:r>
                         <m:r>
-                          <a:rPr lang="en-US" altLang="zh-CN" sz="2600" i="1">
+                          <a:rPr lang="en-US" altLang="zh-CN" sz="2600" b="0" i="1">
                             <a:latin typeface="Cambria Math"/>
                           </a:rPr>
                           <m:t>|</m:t>
                         </m:r>
                         <m:r>
-                          <a:rPr lang="en-US" altLang="zh-CN" sz="2600" i="1">
+                          <a:rPr lang="en-US" altLang="zh-CN" sz="2600" b="0" i="1">
                             <a:latin typeface="Cambria Math"/>
                           </a:rPr>
                           <m:t>𝑐𝑎𝑡𝑒𝑔𝑜𝑟𝑦</m:t>
@@ -6754,7 +6839,7 @@
                       </m:e>
                     </m:d>
                     <m:r>
-                      <a:rPr lang="en-US" altLang="zh-CN" sz="2600" i="1">
+                      <a:rPr lang="en-US" altLang="zh-CN" sz="2600" b="0" i="1">
                         <a:latin typeface="Cambria Math"/>
                       </a:rPr>
                       <m:t>=</m:t>
@@ -6769,7 +6854,7 @@
                       </m:fPr>
                       <m:num>
                         <m:r>
-                          <a:rPr lang="en-US" altLang="zh-CN" sz="2600" i="1">
+                          <a:rPr lang="en-US" altLang="zh-CN" sz="2600" b="0" i="1">
                             <a:latin typeface="Cambria Math"/>
                           </a:rPr>
                           <m:t>𝑡𝑜𝑡𝑎𝑙</m:t>
@@ -6784,25 +6869,16 @@
                           </m:dPr>
                           <m:e>
                             <m:r>
-                              <a:rPr lang="en-US" altLang="zh-CN" sz="2600" i="1" smtClean="0">
-                                <a:solidFill>
-                                  <a:srgbClr val="FF0000"/>
-                                </a:solidFill>
-                                <a:latin typeface="Cambria Math"/>
-                              </a:rPr>
-                              <m:t>𝑤</m:t>
-                            </m:r>
-                            <m:r>
                               <a:rPr lang="en-US" altLang="zh-CN" sz="2600" b="0" i="1" smtClean="0">
                                 <a:solidFill>
                                   <a:srgbClr val="FF0000"/>
                                 </a:solidFill>
                                 <a:latin typeface="Cambria Math"/>
                               </a:rPr>
-                              <m:t>𝑜𝑟𝑑𝑠</m:t>
+                              <m:t>𝑤𝑜𝑟𝑑𝑠</m:t>
                             </m:r>
                             <m:r>
-                              <a:rPr lang="en-US" altLang="zh-CN" sz="2600" i="1">
+                              <a:rPr lang="en-US" altLang="zh-CN" sz="2600" b="0" i="1">
                                 <a:solidFill>
                                   <a:srgbClr val="FF0000"/>
                                 </a:solidFill>
@@ -6811,7 +6887,7 @@
                               <m:t> </m:t>
                             </m:r>
                             <m:r>
-                              <a:rPr lang="en-US" altLang="zh-CN" sz="2600" i="1">
+                              <a:rPr lang="en-US" altLang="zh-CN" sz="2600" b="0" i="1">
                                 <a:solidFill>
                                   <a:srgbClr val="FF0000"/>
                                 </a:solidFill>
@@ -6820,7 +6896,7 @@
                               <m:t>𝑖𝑛</m:t>
                             </m:r>
                             <m:r>
-                              <a:rPr lang="en-US" altLang="zh-CN" sz="2600" i="1">
+                              <a:rPr lang="en-US" altLang="zh-CN" sz="2600" b="0" i="1">
                                 <a:solidFill>
                                   <a:srgbClr val="FF0000"/>
                                 </a:solidFill>
@@ -6829,7 +6905,7 @@
                               <m:t> </m:t>
                             </m:r>
                             <m:r>
-                              <a:rPr lang="en-US" altLang="zh-CN" sz="2600" i="1">
+                              <a:rPr lang="en-US" altLang="zh-CN" sz="2600" b="0" i="1">
                                 <a:solidFill>
                                   <a:srgbClr val="FF0000"/>
                                 </a:solidFill>
@@ -6838,7 +6914,7 @@
                               <m:t>𝑡h𝑖𝑠</m:t>
                             </m:r>
                             <m:r>
-                              <a:rPr lang="en-US" altLang="zh-CN" sz="2600" i="1">
+                              <a:rPr lang="en-US" altLang="zh-CN" sz="2600" b="0" i="1">
                                 <a:solidFill>
                                   <a:srgbClr val="FF0000"/>
                                 </a:solidFill>
@@ -6847,7 +6923,7 @@
                               <m:t> </m:t>
                             </m:r>
                             <m:r>
-                              <a:rPr lang="en-US" altLang="zh-CN" sz="2600" i="1">
+                              <a:rPr lang="en-US" altLang="zh-CN" sz="2600" b="0" i="1">
                                 <a:solidFill>
                                   <a:srgbClr val="FF0000"/>
                                 </a:solidFill>
@@ -6860,25 +6936,16 @@
                       </m:num>
                       <m:den>
                         <m:r>
-                          <a:rPr lang="en-US" altLang="zh-CN" sz="2600" i="1">
+                          <a:rPr lang="en-US" altLang="zh-CN" sz="2600" b="0" i="1">
                             <a:latin typeface="Cambria Math"/>
                           </a:rPr>
                           <m:t>𝑡𝑜𝑡𝑎𝑙</m:t>
                         </m:r>
                         <m:r>
-                          <a:rPr lang="en-US" altLang="zh-CN" sz="2600" i="1">
+                          <a:rPr lang="en-US" altLang="zh-CN" sz="2600" b="0" i="1">
                             <a:latin typeface="Cambria Math"/>
                           </a:rPr>
                           <m:t>(</m:t>
-                        </m:r>
-                        <m:r>
-                          <a:rPr lang="en-US" altLang="zh-CN" sz="2600" i="1" smtClean="0">
-                            <a:solidFill>
-                              <a:srgbClr val="FF0000"/>
-                            </a:solidFill>
-                            <a:latin typeface="Cambria Math"/>
-                          </a:rPr>
-                          <m:t>𝑤</m:t>
                         </m:r>
                         <m:r>
                           <a:rPr lang="en-US" altLang="zh-CN" sz="2600" b="0" i="1" smtClean="0">
@@ -6887,10 +6954,10 @@
                             </a:solidFill>
                             <a:latin typeface="Cambria Math"/>
                           </a:rPr>
-                          <m:t>𝑜𝑟𝑑𝑠</m:t>
+                          <m:t>𝑤𝑜𝑟𝑑𝑠</m:t>
                         </m:r>
                         <m:r>
-                          <a:rPr lang="en-US" altLang="zh-CN" sz="2600" i="1">
+                          <a:rPr lang="en-US" altLang="zh-CN" sz="2600" b="0" i="1">
                             <a:solidFill>
                               <a:srgbClr val="FF0000"/>
                             </a:solidFill>
@@ -6899,7 +6966,7 @@
                           <m:t> </m:t>
                         </m:r>
                         <m:r>
-                          <a:rPr lang="en-US" altLang="zh-CN" sz="2600" i="1">
+                          <a:rPr lang="en-US" altLang="zh-CN" sz="2600" b="0" i="1">
                             <a:solidFill>
                               <a:srgbClr val="FF0000"/>
                             </a:solidFill>
@@ -6908,7 +6975,7 @@
                           <m:t>𝑖𝑛</m:t>
                         </m:r>
                         <m:r>
-                          <a:rPr lang="en-US" altLang="zh-CN" sz="2600" i="1">
+                          <a:rPr lang="en-US" altLang="zh-CN" sz="2600" b="0" i="1">
                             <a:solidFill>
                               <a:srgbClr val="FF0000"/>
                             </a:solidFill>
@@ -6917,7 +6984,7 @@
                           <m:t> </m:t>
                         </m:r>
                         <m:r>
-                          <a:rPr lang="en-US" altLang="zh-CN" sz="2600" i="1">
+                          <a:rPr lang="en-US" altLang="zh-CN" sz="2600" b="0" i="1">
                             <a:solidFill>
                               <a:srgbClr val="FF0000"/>
                             </a:solidFill>
@@ -6926,7 +6993,7 @@
                           <m:t>𝑎𝑙𝑙</m:t>
                         </m:r>
                         <m:r>
-                          <a:rPr lang="en-US" altLang="zh-CN" sz="2600" i="1">
+                          <a:rPr lang="en-US" altLang="zh-CN" sz="2600" b="0" i="1">
                             <a:solidFill>
                               <a:srgbClr val="FF0000"/>
                             </a:solidFill>
@@ -6935,7 +7002,7 @@
                           <m:t> </m:t>
                         </m:r>
                         <m:r>
-                          <a:rPr lang="en-US" altLang="zh-CN" sz="2600" i="1">
+                          <a:rPr lang="en-US" altLang="zh-CN" sz="2600" b="0" i="1">
                             <a:solidFill>
                               <a:srgbClr val="FF0000"/>
                             </a:solidFill>
@@ -6944,7 +7011,7 @@
                           <m:t>𝑐𝑎𝑡𝑒𝑔𝑜𝑟𝑦</m:t>
                         </m:r>
                         <m:r>
-                          <a:rPr lang="en-US" altLang="zh-CN" sz="2600" i="1">
+                          <a:rPr lang="en-US" altLang="zh-CN" sz="2600" b="0" i="1">
                             <a:latin typeface="Cambria Math"/>
                           </a:rPr>
                           <m:t>)</m:t>
@@ -7053,7 +7120,7 @@
         <p:spPr>
           <a:xfrm>
             <a:off x="457200" y="1066800"/>
-            <a:ext cx="2438400" cy="914400"/>
+            <a:ext cx="1981200" cy="914400"/>
           </a:xfrm>
         </p:spPr>
         <p:txBody>
@@ -7155,8 +7222,8 @@
           </a:extLst>
         </p:spPr>
       </p:pic>
-      <mc:AlternateContent xmlns:mc="http://schemas.openxmlformats.org/markup-compatibility/2006">
-        <mc:Choice xmlns:a14="http://schemas.microsoft.com/office/drawing/2010/main" Requires="a14">
+      <mc:AlternateContent xmlns:mc="http://schemas.openxmlformats.org/markup-compatibility/2006" xmlns:a14="http://schemas.microsoft.com/office/drawing/2010/main">
+        <mc:Choice Requires="a14">
           <p:sp>
             <p:nvSpPr>
               <p:cNvPr id="6" name="Content Placeholder 2"/>
@@ -7802,7 +7869,7 @@
             </p:txBody>
           </p:sp>
         </mc:Choice>
-        <mc:Fallback>
+        <mc:Fallback xmlns="">
           <p:sp>
             <p:nvSpPr>
               <p:cNvPr id="6" name="Content Placeholder 2"/>
@@ -8005,48 +8072,55 @@
             </a:pPr>
             <a:r>
               <a:rPr lang="en-US" altLang="zh-CN" sz="1400" dirty="0" smtClean="0">
-                <a:latin typeface="+mn-ea"/>
+                <a:latin typeface="微软雅黑" panose="020B0503020204020204" pitchFamily="34" charset="-122"/>
+                <a:ea typeface="微软雅黑" panose="020B0503020204020204" pitchFamily="34" charset="-122"/>
                 <a:cs typeface="Arial" panose="020B0604020202020204" pitchFamily="34" charset="0"/>
               </a:rPr>
               <a:t>c.train(</a:t>
             </a:r>
             <a:r>
               <a:rPr lang="en-US" altLang="zh-CN" sz="1400" dirty="0">
-                <a:latin typeface="+mn-ea"/>
+                <a:latin typeface="微软雅黑" panose="020B0503020204020204" pitchFamily="34" charset="-122"/>
+                <a:ea typeface="微软雅黑" panose="020B0503020204020204" pitchFamily="34" charset="-122"/>
                 <a:cs typeface="Arial" panose="020B0604020202020204" pitchFamily="34" charset="0"/>
               </a:rPr>
               <a:t>"</a:t>
             </a:r>
             <a:r>
               <a:rPr lang="zh-CN" altLang="en-US" sz="1400" dirty="0" smtClean="0">
-                <a:latin typeface="+mn-ea"/>
+                <a:latin typeface="微软雅黑" panose="020B0503020204020204" pitchFamily="34" charset="-122"/>
+                <a:ea typeface="微软雅黑" panose="020B0503020204020204" pitchFamily="34" charset="-122"/>
                 <a:cs typeface="Arial" panose="020B0604020202020204" pitchFamily="34" charset="0"/>
               </a:rPr>
               <a:t>棕色的小浣熊，萌翻了嗷嗷</a:t>
             </a:r>
             <a:r>
               <a:rPr lang="en-US" altLang="zh-CN" sz="1400" dirty="0" smtClean="0">
-                <a:latin typeface="+mn-ea"/>
+                <a:latin typeface="微软雅黑" panose="020B0503020204020204" pitchFamily="34" charset="-122"/>
+                <a:ea typeface="微软雅黑" panose="020B0503020204020204" pitchFamily="34" charset="-122"/>
                 <a:cs typeface="Arial" panose="020B0604020202020204" pitchFamily="34" charset="0"/>
               </a:rPr>
               <a:t>", </a:t>
             </a:r>
             <a:r>
               <a:rPr lang="en-US" altLang="zh-CN" sz="1400" dirty="0">
-                <a:latin typeface="+mn-ea"/>
+                <a:latin typeface="微软雅黑" panose="020B0503020204020204" pitchFamily="34" charset="-122"/>
+                <a:ea typeface="微软雅黑" panose="020B0503020204020204" pitchFamily="34" charset="-122"/>
                 <a:cs typeface="Arial" panose="020B0604020202020204" pitchFamily="34" charset="0"/>
               </a:rPr>
               <a:t>"</a:t>
             </a:r>
             <a:r>
               <a:rPr lang="en-US" altLang="zh-CN" sz="1400" dirty="0" smtClean="0">
-                <a:latin typeface="+mn-ea"/>
+                <a:latin typeface="微软雅黑" panose="020B0503020204020204" pitchFamily="34" charset="-122"/>
+                <a:ea typeface="微软雅黑" panose="020B0503020204020204" pitchFamily="34" charset="-122"/>
                 <a:cs typeface="Arial" panose="020B0604020202020204" pitchFamily="34" charset="0"/>
               </a:rPr>
               <a:t>Good");</a:t>
             </a:r>
             <a:endParaRPr lang="zh-CN" altLang="zh-CN" sz="1400" dirty="0">
-              <a:latin typeface="+mn-ea"/>
+              <a:latin typeface="微软雅黑" panose="020B0503020204020204" pitchFamily="34" charset="-122"/>
+              <a:ea typeface="微软雅黑" panose="020B0503020204020204" pitchFamily="34" charset="-122"/>
               <a:cs typeface="Arial" panose="020B0604020202020204" pitchFamily="34" charset="0"/>
             </a:endParaRPr>
           </a:p>
@@ -8056,41 +8130,47 @@
             </a:pPr>
             <a:r>
               <a:rPr lang="en-US" altLang="zh-CN" sz="1400" dirty="0" smtClean="0">
-                <a:latin typeface="+mn-ea"/>
+                <a:latin typeface="微软雅黑" panose="020B0503020204020204" pitchFamily="34" charset="-122"/>
+                <a:ea typeface="微软雅黑" panose="020B0503020204020204" pitchFamily="34" charset="-122"/>
                 <a:cs typeface="Arial" panose="020B0604020202020204" pitchFamily="34" charset="0"/>
               </a:rPr>
               <a:t>c.train("</a:t>
             </a:r>
             <a:r>
               <a:rPr lang="zh-CN" altLang="en-US" sz="1400" dirty="0" smtClean="0">
-                <a:latin typeface="+mn-ea"/>
+                <a:latin typeface="微软雅黑" panose="020B0503020204020204" pitchFamily="34" charset="-122"/>
+                <a:ea typeface="微软雅黑" panose="020B0503020204020204" pitchFamily="34" charset="-122"/>
                 <a:cs typeface="Arial" panose="020B0604020202020204" pitchFamily="34" charset="0"/>
               </a:rPr>
               <a:t>可爱动物明星视频集锦</a:t>
             </a:r>
             <a:r>
               <a:rPr lang="en-US" altLang="zh-CN" sz="1400" dirty="0" smtClean="0">
-                <a:latin typeface="+mn-ea"/>
+                <a:latin typeface="微软雅黑" panose="020B0503020204020204" pitchFamily="34" charset="-122"/>
+                <a:ea typeface="微软雅黑" panose="020B0503020204020204" pitchFamily="34" charset="-122"/>
                 <a:cs typeface="Arial" panose="020B0604020202020204" pitchFamily="34" charset="0"/>
               </a:rPr>
               <a:t>", </a:t>
             </a:r>
             <a:r>
               <a:rPr lang="en-US" altLang="zh-CN" sz="1400" dirty="0">
-                <a:latin typeface="+mn-ea"/>
+                <a:latin typeface="微软雅黑" panose="020B0503020204020204" pitchFamily="34" charset="-122"/>
+                <a:ea typeface="微软雅黑" panose="020B0503020204020204" pitchFamily="34" charset="-122"/>
                 <a:cs typeface="Arial" panose="020B0604020202020204" pitchFamily="34" charset="0"/>
               </a:rPr>
               <a:t>"</a:t>
             </a:r>
             <a:r>
               <a:rPr lang="en-US" altLang="zh-CN" sz="1400" dirty="0" smtClean="0">
-                <a:latin typeface="+mn-ea"/>
+                <a:latin typeface="微软雅黑" panose="020B0503020204020204" pitchFamily="34" charset="-122"/>
+                <a:ea typeface="微软雅黑" panose="020B0503020204020204" pitchFamily="34" charset="-122"/>
                 <a:cs typeface="Arial" panose="020B0604020202020204" pitchFamily="34" charset="0"/>
               </a:rPr>
               <a:t>Good");</a:t>
             </a:r>
             <a:endParaRPr lang="zh-CN" altLang="zh-CN" sz="1400" dirty="0">
-              <a:latin typeface="+mn-ea"/>
+              <a:latin typeface="微软雅黑" panose="020B0503020204020204" pitchFamily="34" charset="-122"/>
+              <a:ea typeface="微软雅黑" panose="020B0503020204020204" pitchFamily="34" charset="-122"/>
               <a:cs typeface="Arial" panose="020B0604020202020204" pitchFamily="34" charset="0"/>
             </a:endParaRPr>
           </a:p>
@@ -8100,48 +8180,55 @@
             </a:pPr>
             <a:r>
               <a:rPr lang="en-US" altLang="zh-CN" sz="1400" dirty="0" smtClean="0">
-                <a:latin typeface="+mn-ea"/>
+                <a:latin typeface="微软雅黑" panose="020B0503020204020204" pitchFamily="34" charset="-122"/>
+                <a:ea typeface="微软雅黑" panose="020B0503020204020204" pitchFamily="34" charset="-122"/>
                 <a:cs typeface="Arial" panose="020B0604020202020204" pitchFamily="34" charset="0"/>
               </a:rPr>
               <a:t>c.train(</a:t>
             </a:r>
             <a:r>
               <a:rPr lang="en-US" altLang="zh-CN" sz="1400" dirty="0">
-                <a:latin typeface="+mn-ea"/>
+                <a:latin typeface="微软雅黑" panose="020B0503020204020204" pitchFamily="34" charset="-122"/>
+                <a:ea typeface="微软雅黑" panose="020B0503020204020204" pitchFamily="34" charset="-122"/>
                 <a:cs typeface="Arial" panose="020B0604020202020204" pitchFamily="34" charset="0"/>
               </a:rPr>
               <a:t>"</a:t>
             </a:r>
             <a:r>
               <a:rPr lang="zh-CN" altLang="en-US" sz="1400" dirty="0" smtClean="0">
-                <a:latin typeface="+mn-ea"/>
+                <a:latin typeface="微软雅黑" panose="020B0503020204020204" pitchFamily="34" charset="-122"/>
+                <a:ea typeface="微软雅黑" panose="020B0503020204020204" pitchFamily="34" charset="-122"/>
                 <a:cs typeface="Arial" panose="020B0604020202020204" pitchFamily="34" charset="0"/>
               </a:rPr>
               <a:t>保护我们的地球，珍惜淡水资源</a:t>
             </a:r>
             <a:r>
               <a:rPr lang="en-US" altLang="zh-CN" sz="1400" dirty="0" smtClean="0">
-                <a:latin typeface="+mn-ea"/>
+                <a:latin typeface="微软雅黑" panose="020B0503020204020204" pitchFamily="34" charset="-122"/>
+                <a:ea typeface="微软雅黑" panose="020B0503020204020204" pitchFamily="34" charset="-122"/>
                 <a:cs typeface="Arial" panose="020B0604020202020204" pitchFamily="34" charset="0"/>
               </a:rPr>
               <a:t>", </a:t>
             </a:r>
             <a:r>
               <a:rPr lang="en-US" altLang="zh-CN" sz="1400" dirty="0">
-                <a:latin typeface="+mn-ea"/>
+                <a:latin typeface="微软雅黑" panose="020B0503020204020204" pitchFamily="34" charset="-122"/>
+                <a:ea typeface="微软雅黑" panose="020B0503020204020204" pitchFamily="34" charset="-122"/>
                 <a:cs typeface="Arial" panose="020B0604020202020204" pitchFamily="34" charset="0"/>
               </a:rPr>
               <a:t>"</a:t>
             </a:r>
             <a:r>
               <a:rPr lang="en-US" altLang="zh-CN" sz="1400" dirty="0" smtClean="0">
-                <a:latin typeface="+mn-ea"/>
+                <a:latin typeface="微软雅黑" panose="020B0503020204020204" pitchFamily="34" charset="-122"/>
+                <a:ea typeface="微软雅黑" panose="020B0503020204020204" pitchFamily="34" charset="-122"/>
                 <a:cs typeface="Arial" panose="020B0604020202020204" pitchFamily="34" charset="0"/>
               </a:rPr>
               <a:t>Good");</a:t>
             </a:r>
             <a:endParaRPr lang="zh-CN" altLang="zh-CN" sz="1400" dirty="0">
-              <a:latin typeface="+mn-ea"/>
+              <a:latin typeface="微软雅黑" panose="020B0503020204020204" pitchFamily="34" charset="-122"/>
+              <a:ea typeface="微软雅黑" panose="020B0503020204020204" pitchFamily="34" charset="-122"/>
               <a:cs typeface="Arial" panose="020B0604020202020204" pitchFamily="34" charset="0"/>
             </a:endParaRPr>
           </a:p>
@@ -8151,62 +8238,71 @@
             </a:pPr>
             <a:r>
               <a:rPr lang="en-US" altLang="zh-CN" sz="1400" dirty="0" smtClean="0">
-                <a:latin typeface="+mn-ea"/>
+                <a:latin typeface="微软雅黑" panose="020B0503020204020204" pitchFamily="34" charset="-122"/>
+                <a:ea typeface="微软雅黑" panose="020B0503020204020204" pitchFamily="34" charset="-122"/>
                 <a:cs typeface="Arial" panose="020B0604020202020204" pitchFamily="34" charset="0"/>
               </a:rPr>
               <a:t>c.train(</a:t>
             </a:r>
             <a:r>
               <a:rPr lang="en-US" altLang="zh-CN" sz="1400" dirty="0">
-                <a:latin typeface="+mn-ea"/>
+                <a:latin typeface="微软雅黑" panose="020B0503020204020204" pitchFamily="34" charset="-122"/>
+                <a:ea typeface="微软雅黑" panose="020B0503020204020204" pitchFamily="34" charset="-122"/>
                 <a:cs typeface="Arial" panose="020B0604020202020204" pitchFamily="34" charset="0"/>
               </a:rPr>
               <a:t>"</a:t>
             </a:r>
             <a:r>
               <a:rPr lang="zh-CN" altLang="en-US" sz="1400" dirty="0" smtClean="0">
-                <a:latin typeface="+mn-ea"/>
+                <a:latin typeface="微软雅黑" panose="020B0503020204020204" pitchFamily="34" charset="-122"/>
+                <a:ea typeface="微软雅黑" panose="020B0503020204020204" pitchFamily="34" charset="-122"/>
                 <a:cs typeface="Arial" panose="020B0604020202020204" pitchFamily="34" charset="0"/>
               </a:rPr>
               <a:t>精致的小清新搭配，淘</a:t>
             </a:r>
             <a:r>
               <a:rPr lang="zh-CN" altLang="en-US" sz="1400" dirty="0">
-                <a:latin typeface="+mn-ea"/>
+                <a:latin typeface="微软雅黑" panose="020B0503020204020204" pitchFamily="34" charset="-122"/>
+                <a:ea typeface="微软雅黑" panose="020B0503020204020204" pitchFamily="34" charset="-122"/>
                 <a:cs typeface="Arial" panose="020B0604020202020204" pitchFamily="34" charset="0"/>
               </a:rPr>
               <a:t>宝女装</a:t>
             </a:r>
             <a:r>
               <a:rPr lang="zh-CN" altLang="en-US" sz="1400" dirty="0" smtClean="0">
-                <a:latin typeface="+mn-ea"/>
+                <a:latin typeface="微软雅黑" panose="020B0503020204020204" pitchFamily="34" charset="-122"/>
+                <a:ea typeface="微软雅黑" panose="020B0503020204020204" pitchFamily="34" charset="-122"/>
                 <a:cs typeface="Arial" panose="020B0604020202020204" pitchFamily="34" charset="0"/>
               </a:rPr>
               <a:t>限时八折</a:t>
             </a:r>
             <a:r>
               <a:rPr lang="en-US" altLang="zh-CN" sz="1400" dirty="0" smtClean="0">
-                <a:latin typeface="+mn-ea"/>
+                <a:latin typeface="微软雅黑" panose="020B0503020204020204" pitchFamily="34" charset="-122"/>
+                <a:ea typeface="微软雅黑" panose="020B0503020204020204" pitchFamily="34" charset="-122"/>
                 <a:cs typeface="Arial" panose="020B0604020202020204" pitchFamily="34" charset="0"/>
               </a:rPr>
               <a:t>", </a:t>
             </a:r>
             <a:r>
               <a:rPr lang="en-US" altLang="zh-CN" sz="1400" dirty="0">
-                <a:latin typeface="+mn-ea"/>
+                <a:latin typeface="微软雅黑" panose="020B0503020204020204" pitchFamily="34" charset="-122"/>
+                <a:ea typeface="微软雅黑" panose="020B0503020204020204" pitchFamily="34" charset="-122"/>
                 <a:cs typeface="Arial" panose="020B0604020202020204" pitchFamily="34" charset="0"/>
               </a:rPr>
               <a:t>"</a:t>
             </a:r>
             <a:r>
               <a:rPr lang="en-US" altLang="zh-CN" sz="1400" dirty="0" smtClean="0">
-                <a:latin typeface="+mn-ea"/>
+                <a:latin typeface="微软雅黑" panose="020B0503020204020204" pitchFamily="34" charset="-122"/>
+                <a:ea typeface="微软雅黑" panose="020B0503020204020204" pitchFamily="34" charset="-122"/>
                 <a:cs typeface="Arial" panose="020B0604020202020204" pitchFamily="34" charset="0"/>
               </a:rPr>
               <a:t>Spam");</a:t>
             </a:r>
             <a:endParaRPr lang="zh-CN" altLang="zh-CN" sz="1400" dirty="0">
-              <a:latin typeface="+mn-ea"/>
+              <a:latin typeface="微软雅黑" panose="020B0503020204020204" pitchFamily="34" charset="-122"/>
+              <a:ea typeface="微软雅黑" panose="020B0503020204020204" pitchFamily="34" charset="-122"/>
               <a:cs typeface="Arial" panose="020B0604020202020204" pitchFamily="34" charset="0"/>
             </a:endParaRPr>
           </a:p>
@@ -8216,62 +8312,71 @@
             </a:pPr>
             <a:r>
               <a:rPr lang="en-US" altLang="zh-CN" sz="1400" dirty="0" smtClean="0">
-                <a:latin typeface="+mn-ea"/>
+                <a:latin typeface="微软雅黑" panose="020B0503020204020204" pitchFamily="34" charset="-122"/>
+                <a:ea typeface="微软雅黑" panose="020B0503020204020204" pitchFamily="34" charset="-122"/>
                 <a:cs typeface="Arial" panose="020B0604020202020204" pitchFamily="34" charset="0"/>
               </a:rPr>
               <a:t>c.train(</a:t>
             </a:r>
             <a:r>
               <a:rPr lang="en-US" altLang="zh-CN" sz="1400" dirty="0">
-                <a:latin typeface="+mn-ea"/>
+                <a:latin typeface="微软雅黑" panose="020B0503020204020204" pitchFamily="34" charset="-122"/>
+                <a:ea typeface="微软雅黑" panose="020B0503020204020204" pitchFamily="34" charset="-122"/>
                 <a:cs typeface="Arial" panose="020B0604020202020204" pitchFamily="34" charset="0"/>
               </a:rPr>
               <a:t>"</a:t>
             </a:r>
             <a:r>
               <a:rPr lang="zh-CN" altLang="en-US" sz="1400" dirty="0" smtClean="0">
-                <a:latin typeface="+mn-ea"/>
+                <a:latin typeface="微软雅黑" panose="020B0503020204020204" pitchFamily="34" charset="-122"/>
+                <a:ea typeface="微软雅黑" panose="020B0503020204020204" pitchFamily="34" charset="-122"/>
                 <a:cs typeface="Arial" panose="020B0604020202020204" pitchFamily="34" charset="0"/>
               </a:rPr>
               <a:t>快速赚钱秘笈，请点击 </a:t>
             </a:r>
             <a:r>
               <a:rPr lang="en-US" altLang="zh-CN" sz="1400" dirty="0" smtClean="0">
-                <a:latin typeface="+mn-ea"/>
+                <a:latin typeface="微软雅黑" panose="020B0503020204020204" pitchFamily="34" charset="-122"/>
+                <a:ea typeface="微软雅黑" panose="020B0503020204020204" pitchFamily="34" charset="-122"/>
                 <a:cs typeface="Arial" panose="020B0604020202020204" pitchFamily="34" charset="0"/>
               </a:rPr>
               <a:t>http://t.aRsic", </a:t>
             </a:r>
             <a:r>
               <a:rPr lang="en-US" altLang="zh-CN" sz="1400" dirty="0">
-                <a:latin typeface="+mn-ea"/>
+                <a:latin typeface="微软雅黑" panose="020B0503020204020204" pitchFamily="34" charset="-122"/>
+                <a:ea typeface="微软雅黑" panose="020B0503020204020204" pitchFamily="34" charset="-122"/>
                 <a:cs typeface="Arial" panose="020B0604020202020204" pitchFamily="34" charset="0"/>
               </a:rPr>
               <a:t>"</a:t>
             </a:r>
             <a:r>
               <a:rPr lang="en-US" altLang="zh-CN" sz="1400" dirty="0" smtClean="0">
-                <a:latin typeface="+mn-ea"/>
+                <a:latin typeface="微软雅黑" panose="020B0503020204020204" pitchFamily="34" charset="-122"/>
+                <a:ea typeface="微软雅黑" panose="020B0503020204020204" pitchFamily="34" charset="-122"/>
                 <a:cs typeface="Arial" panose="020B0604020202020204" pitchFamily="34" charset="0"/>
               </a:rPr>
               <a:t>Spam</a:t>
             </a:r>
             <a:r>
               <a:rPr lang="en-US" altLang="zh-CN" sz="1400" dirty="0">
-                <a:latin typeface="+mn-ea"/>
+                <a:latin typeface="微软雅黑" panose="020B0503020204020204" pitchFamily="34" charset="-122"/>
+                <a:ea typeface="微软雅黑" panose="020B0503020204020204" pitchFamily="34" charset="-122"/>
                 <a:cs typeface="Arial" panose="020B0604020202020204" pitchFamily="34" charset="0"/>
               </a:rPr>
               <a:t>"</a:t>
             </a:r>
             <a:r>
               <a:rPr lang="en-US" altLang="zh-CN" sz="1400" dirty="0" smtClean="0">
-                <a:latin typeface="+mn-ea"/>
+                <a:latin typeface="微软雅黑" panose="020B0503020204020204" pitchFamily="34" charset="-122"/>
+                <a:ea typeface="微软雅黑" panose="020B0503020204020204" pitchFamily="34" charset="-122"/>
                 <a:cs typeface="Arial" panose="020B0604020202020204" pitchFamily="34" charset="0"/>
               </a:rPr>
               <a:t>);</a:t>
             </a:r>
             <a:endParaRPr lang="en-US" altLang="zh-CN" sz="1400" dirty="0">
-              <a:latin typeface="+mn-ea"/>
+              <a:latin typeface="微软雅黑" panose="020B0503020204020204" pitchFamily="34" charset="-122"/>
+              <a:ea typeface="微软雅黑" panose="020B0503020204020204" pitchFamily="34" charset="-122"/>
               <a:cs typeface="Arial" panose="020B0604020202020204" pitchFamily="34" charset="0"/>
             </a:endParaRPr>
           </a:p>
@@ -8299,44 +8404,63 @@
           <a:lstStyle/>
           <a:p>
             <a:r>
-              <a:rPr lang="zh-CN" altLang="en-US" dirty="0" smtClean="0"/>
+              <a:rPr lang="zh-CN" altLang="en-US" dirty="0" smtClean="0">
+                <a:latin typeface="微软雅黑" panose="020B0503020204020204" pitchFamily="34" charset="-122"/>
+                <a:ea typeface="微软雅黑" panose="020B0503020204020204" pitchFamily="34" charset="-122"/>
+              </a:rPr>
               <a:t>“棕色的”</a:t>
             </a:r>
-            <a:endParaRPr lang="en-US" altLang="zh-CN" dirty="0" smtClean="0"/>
-          </a:p>
-          <a:p>
-            <a:r>
-              <a:rPr lang="en-US" altLang="zh-CN" dirty="0" smtClean="0"/>
+            <a:endParaRPr lang="en-US" altLang="zh-CN" dirty="0" smtClean="0">
+              <a:latin typeface="微软雅黑" panose="020B0503020204020204" pitchFamily="34" charset="-122"/>
+              <a:ea typeface="微软雅黑" panose="020B0503020204020204" pitchFamily="34" charset="-122"/>
+            </a:endParaRPr>
+          </a:p>
+          <a:p>
+            <a:r>
+              <a:rPr lang="en-US" altLang="zh-CN" dirty="0" smtClean="0">
+                <a:latin typeface="微软雅黑" panose="020B0503020204020204" pitchFamily="34" charset="-122"/>
+                <a:ea typeface="微软雅黑" panose="020B0503020204020204" pitchFamily="34" charset="-122"/>
+              </a:rPr>
               <a:t>Probability(Good</a:t>
             </a:r>
             <a:r>
-              <a:rPr lang="en-US" altLang="zh-CN" dirty="0"/>
-              <a:t>) = </a:t>
-            </a:r>
-            <a:r>
-              <a:rPr lang="en-US" altLang="zh-CN" dirty="0"/>
-              <a:t>0.156250  (0.6 x 0.4166… x 0.625)</a:t>
-            </a:r>
-            <a:endParaRPr lang="zh-CN" altLang="zh-CN" dirty="0"/>
-          </a:p>
-          <a:p>
-            <a:r>
-              <a:rPr lang="en-US" altLang="zh-CN" dirty="0" smtClean="0"/>
+              <a:rPr lang="en-US" altLang="zh-CN" dirty="0">
+                <a:latin typeface="微软雅黑" panose="020B0503020204020204" pitchFamily="34" charset="-122"/>
+                <a:ea typeface="微软雅黑" panose="020B0503020204020204" pitchFamily="34" charset="-122"/>
+              </a:rPr>
+              <a:t>) = 0.156250  (0.6 x 0.4166… x 0.625)</a:t>
+            </a:r>
+            <a:endParaRPr lang="zh-CN" altLang="zh-CN" dirty="0">
+              <a:latin typeface="微软雅黑" panose="020B0503020204020204" pitchFamily="34" charset="-122"/>
+              <a:ea typeface="微软雅黑" panose="020B0503020204020204" pitchFamily="34" charset="-122"/>
+            </a:endParaRPr>
+          </a:p>
+          <a:p>
+            <a:r>
+              <a:rPr lang="en-US" altLang="zh-CN" dirty="0" smtClean="0">
+                <a:latin typeface="微软雅黑" panose="020B0503020204020204" pitchFamily="34" charset="-122"/>
+                <a:ea typeface="微软雅黑" panose="020B0503020204020204" pitchFamily="34" charset="-122"/>
+              </a:rPr>
               <a:t>Probability(Spam</a:t>
             </a:r>
             <a:r>
-              <a:rPr lang="en-US" altLang="zh-CN" dirty="0"/>
-              <a:t>) = </a:t>
-            </a:r>
-            <a:r>
-              <a:rPr lang="en-US" altLang="zh-CN" dirty="0"/>
-              <a:t>0.050000  (0.4 x 0.25 x 0.5</a:t>
-            </a:r>
-            <a:r>
-              <a:rPr lang="en-US" altLang="zh-CN" dirty="0" smtClean="0"/>
+              <a:rPr lang="en-US" altLang="zh-CN" dirty="0">
+                <a:latin typeface="微软雅黑" panose="020B0503020204020204" pitchFamily="34" charset="-122"/>
+                <a:ea typeface="微软雅黑" panose="020B0503020204020204" pitchFamily="34" charset="-122"/>
+              </a:rPr>
+              <a:t>) = 0.050000  (0.4 x 0.25 x 0.5</a:t>
+            </a:r>
+            <a:r>
+              <a:rPr lang="en-US" altLang="zh-CN" dirty="0" smtClean="0">
+                <a:latin typeface="微软雅黑" panose="020B0503020204020204" pitchFamily="34" charset="-122"/>
+                <a:ea typeface="微软雅黑" panose="020B0503020204020204" pitchFamily="34" charset="-122"/>
+              </a:rPr>
               <a:t>)</a:t>
             </a:r>
-            <a:endParaRPr lang="zh-CN" altLang="zh-CN" dirty="0"/>
+            <a:endParaRPr lang="zh-CN" altLang="zh-CN" dirty="0">
+              <a:latin typeface="微软雅黑" panose="020B0503020204020204" pitchFamily="34" charset="-122"/>
+              <a:ea typeface="微软雅黑" panose="020B0503020204020204" pitchFamily="34" charset="-122"/>
+            </a:endParaRPr>
           </a:p>
         </p:txBody>
       </p:sp>
@@ -10052,7 +10176,7 @@
           <p:nvPr>
             <p:extLst>
               <p:ext uri="{D42A27DB-BD31-4B8C-83A1-F6EECF244321}">
-                <p14:modId xmlns:p14="http://schemas.microsoft.com/office/powerpoint/2010/main" val="2417844611"/>
+                <p14:modId xmlns:p14="http://schemas.microsoft.com/office/powerpoint/2010/main" val="3422691581"/>
               </p:ext>
             </p:extLst>
           </p:nvPr>
@@ -10089,12 +10213,12 @@
                         </a:spcAft>
                       </a:pPr>
                       <a:r>
-                        <a:rPr lang="en-US" sz="1050" kern="100">
+                        <a:rPr lang="en-US" sz="1050" kern="100" dirty="0">
                           <a:effectLst/>
                         </a:rPr>
                         <a:t>Man   \   Com</a:t>
                       </a:r>
-                      <a:endParaRPr lang="zh-CN" sz="1200" kern="100">
+                      <a:endParaRPr lang="zh-CN" sz="1200" kern="100" dirty="0">
                         <a:effectLst/>
                         <a:latin typeface="Times New Roman"/>
                         <a:ea typeface="宋体"/>
@@ -10343,12 +10467,12 @@
                         </a:spcAft>
                       </a:pPr>
                       <a:r>
-                        <a:rPr lang="en-US" sz="1050" kern="100">
+                        <a:rPr lang="en-US" sz="1050" b="1" kern="100" dirty="0">
                           <a:effectLst/>
                         </a:rPr>
                         <a:t>17.59%</a:t>
                       </a:r>
-                      <a:endParaRPr lang="zh-CN" sz="1200" kern="100">
+                      <a:endParaRPr lang="zh-CN" sz="1200" b="1" kern="100" dirty="0">
                         <a:effectLst/>
                         <a:latin typeface="Times New Roman"/>
                         <a:ea typeface="宋体"/>
@@ -10485,12 +10609,12 @@
                         </a:spcAft>
                       </a:pPr>
                       <a:r>
-                        <a:rPr lang="en-US" sz="1050" kern="100">
+                        <a:rPr lang="en-US" sz="1050" b="1" kern="100" dirty="0">
                           <a:effectLst/>
                         </a:rPr>
                         <a:t>98.25%</a:t>
                       </a:r>
-                      <a:endParaRPr lang="zh-CN" sz="1200" kern="100">
+                      <a:endParaRPr lang="zh-CN" sz="1200" b="1" kern="100" dirty="0">
                         <a:effectLst/>
                         <a:latin typeface="Times New Roman"/>
                         <a:ea typeface="宋体"/>
@@ -10685,12 +10809,12 @@
                         </a:spcAft>
                       </a:pPr>
                       <a:r>
-                        <a:rPr lang="en-US" sz="1050" kern="100">
+                        <a:rPr lang="en-US" sz="1050" b="1" kern="100" dirty="0">
                           <a:effectLst/>
                         </a:rPr>
                         <a:t>61.90%</a:t>
                       </a:r>
-                      <a:endParaRPr lang="zh-CN" sz="1200" kern="100">
+                      <a:endParaRPr lang="zh-CN" sz="1200" b="1" kern="100" dirty="0">
                         <a:effectLst/>
                         <a:latin typeface="Times New Roman"/>
                         <a:ea typeface="宋体"/>
@@ -11244,17 +11368,26 @@
               <a:buNone/>
             </a:pPr>
             <a:r>
-              <a:rPr lang="zh-CN" altLang="en-US" sz="1800" b="1" dirty="0" smtClean="0"/>
+              <a:rPr lang="zh-CN" altLang="en-US" sz="1800" b="1" dirty="0" smtClean="0">
+                <a:latin typeface="微软雅黑" panose="020B0503020204020204" pitchFamily="34" charset="-122"/>
+                <a:ea typeface="微软雅黑" panose="020B0503020204020204" pitchFamily="34" charset="-122"/>
+              </a:rPr>
               <a:t>个人完成整个论文的所有工作：</a:t>
             </a:r>
-            <a:endParaRPr lang="en-US" altLang="zh-CN" sz="1800" b="1" dirty="0" smtClean="0"/>
+            <a:endParaRPr lang="en-US" altLang="zh-CN" sz="1800" b="1" dirty="0" smtClean="0">
+              <a:latin typeface="微软雅黑" panose="020B0503020204020204" pitchFamily="34" charset="-122"/>
+              <a:ea typeface="微软雅黑" panose="020B0503020204020204" pitchFamily="34" charset="-122"/>
+            </a:endParaRPr>
           </a:p>
           <a:p>
             <a:pPr marL="0" indent="0">
               <a:buNone/>
             </a:pPr>
             <a:r>
-              <a:rPr lang="zh-CN" altLang="zh-CN" sz="1800" dirty="0" smtClean="0"/>
+              <a:rPr lang="zh-CN" altLang="zh-CN" sz="1800" dirty="0" smtClean="0">
+                <a:latin typeface="微软雅黑" panose="020B0503020204020204" pitchFamily="34" charset="-122"/>
+                <a:ea typeface="微软雅黑" panose="020B0503020204020204" pitchFamily="34" charset="-122"/>
+              </a:rPr>
               <a:t>基础研究数据收集工作</a:t>
             </a:r>
           </a:p>
@@ -11263,7 +11396,10 @@
               <a:buNone/>
             </a:pPr>
             <a:r>
-              <a:rPr lang="zh-CN" altLang="zh-CN" sz="1800" dirty="0" smtClean="0"/>
+              <a:rPr lang="zh-CN" altLang="zh-CN" sz="1800" dirty="0" smtClean="0">
+                <a:latin typeface="微软雅黑" panose="020B0503020204020204" pitchFamily="34" charset="-122"/>
+                <a:ea typeface="微软雅黑" panose="020B0503020204020204" pitchFamily="34" charset="-122"/>
+              </a:rPr>
               <a:t>数据人工标记分类工作</a:t>
             </a:r>
           </a:p>
@@ -11272,19 +11408,31 @@
               <a:buNone/>
             </a:pPr>
             <a:r>
-              <a:rPr lang="zh-CN" altLang="en-US" sz="1800" dirty="0" smtClean="0"/>
+              <a:rPr lang="zh-CN" altLang="en-US" sz="1800" dirty="0" smtClean="0">
+                <a:latin typeface="微软雅黑" panose="020B0503020204020204" pitchFamily="34" charset="-122"/>
+                <a:ea typeface="微软雅黑" panose="020B0503020204020204" pitchFamily="34" charset="-122"/>
+              </a:rPr>
               <a:t>系统架构</a:t>
             </a:r>
             <a:r>
-              <a:rPr lang="zh-CN" altLang="zh-CN" sz="1800" dirty="0" smtClean="0"/>
+              <a:rPr lang="zh-CN" altLang="zh-CN" sz="1800" dirty="0" smtClean="0">
+                <a:latin typeface="微软雅黑" panose="020B0503020204020204" pitchFamily="34" charset="-122"/>
+                <a:ea typeface="微软雅黑" panose="020B0503020204020204" pitchFamily="34" charset="-122"/>
+              </a:rPr>
               <a:t>代码</a:t>
             </a:r>
             <a:r>
-              <a:rPr lang="zh-CN" altLang="en-US" sz="1800" dirty="0" smtClean="0"/>
+              <a:rPr lang="zh-CN" altLang="en-US" sz="1800" dirty="0" smtClean="0">
+                <a:latin typeface="微软雅黑" panose="020B0503020204020204" pitchFamily="34" charset="-122"/>
+                <a:ea typeface="微软雅黑" panose="020B0503020204020204" pitchFamily="34" charset="-122"/>
+              </a:rPr>
               <a:t>设计</a:t>
             </a:r>
             <a:r>
-              <a:rPr lang="zh-CN" altLang="zh-CN" sz="1800" dirty="0" smtClean="0"/>
+              <a:rPr lang="zh-CN" altLang="zh-CN" sz="1800" dirty="0" smtClean="0">
+                <a:latin typeface="微软雅黑" panose="020B0503020204020204" pitchFamily="34" charset="-122"/>
+                <a:ea typeface="微软雅黑" panose="020B0503020204020204" pitchFamily="34" charset="-122"/>
+              </a:rPr>
               <a:t>编写工作</a:t>
             </a:r>
           </a:p>
@@ -11293,7 +11441,10 @@
               <a:buNone/>
             </a:pPr>
             <a:r>
-              <a:rPr lang="zh-CN" altLang="zh-CN" sz="1800" dirty="0" smtClean="0"/>
+              <a:rPr lang="zh-CN" altLang="zh-CN" sz="1800" dirty="0" smtClean="0">
+                <a:latin typeface="微软雅黑" panose="020B0503020204020204" pitchFamily="34" charset="-122"/>
+                <a:ea typeface="微软雅黑" panose="020B0503020204020204" pitchFamily="34" charset="-122"/>
+              </a:rPr>
               <a:t>第三方工具研究应用工作</a:t>
             </a:r>
           </a:p>
@@ -11302,15 +11453,24 @@
               <a:buNone/>
             </a:pPr>
             <a:r>
-              <a:rPr lang="zh-CN" altLang="zh-CN" sz="1800" dirty="0" smtClean="0"/>
+              <a:rPr lang="zh-CN" altLang="zh-CN" sz="1800" dirty="0" smtClean="0">
+                <a:latin typeface="微软雅黑" panose="020B0503020204020204" pitchFamily="34" charset="-122"/>
+                <a:ea typeface="微软雅黑" panose="020B0503020204020204" pitchFamily="34" charset="-122"/>
+              </a:rPr>
               <a:t>测试收集</a:t>
             </a:r>
             <a:r>
-              <a:rPr lang="zh-CN" altLang="en-US" sz="1800" dirty="0" smtClean="0"/>
+              <a:rPr lang="zh-CN" altLang="en-US" sz="1800" dirty="0" smtClean="0">
+                <a:latin typeface="微软雅黑" panose="020B0503020204020204" pitchFamily="34" charset="-122"/>
+                <a:ea typeface="微软雅黑" panose="020B0503020204020204" pitchFamily="34" charset="-122"/>
+              </a:rPr>
               <a:t>运行结果</a:t>
             </a:r>
             <a:r>
-              <a:rPr lang="zh-CN" altLang="zh-CN" sz="1800" dirty="0" smtClean="0"/>
+              <a:rPr lang="zh-CN" altLang="zh-CN" sz="1800" dirty="0" smtClean="0">
+                <a:latin typeface="微软雅黑" panose="020B0503020204020204" pitchFamily="34" charset="-122"/>
+                <a:ea typeface="微软雅黑" panose="020B0503020204020204" pitchFamily="34" charset="-122"/>
+              </a:rPr>
               <a:t>工作</a:t>
             </a:r>
           </a:p>
@@ -11319,50 +11479,87 @@
               <a:buNone/>
             </a:pPr>
             <a:r>
-              <a:rPr lang="zh-CN" altLang="zh-CN" sz="1800" dirty="0" smtClean="0"/>
+              <a:rPr lang="zh-CN" altLang="zh-CN" sz="1800" dirty="0" smtClean="0">
+                <a:latin typeface="微软雅黑" panose="020B0503020204020204" pitchFamily="34" charset="-122"/>
+                <a:ea typeface="微软雅黑" panose="020B0503020204020204" pitchFamily="34" charset="-122"/>
+              </a:rPr>
               <a:t>各种针对性优化的工作</a:t>
             </a:r>
-            <a:endParaRPr lang="en-US" altLang="zh-CN" sz="1800" dirty="0" smtClean="0"/>
+            <a:endParaRPr lang="en-US" altLang="zh-CN" sz="1800" dirty="0" smtClean="0">
+              <a:latin typeface="微软雅黑" panose="020B0503020204020204" pitchFamily="34" charset="-122"/>
+              <a:ea typeface="微软雅黑" panose="020B0503020204020204" pitchFamily="34" charset="-122"/>
+            </a:endParaRPr>
           </a:p>
           <a:p>
             <a:pPr marL="0" indent="0">
               <a:buNone/>
             </a:pPr>
-            <a:endParaRPr lang="en-US" altLang="zh-CN" sz="1800" dirty="0" smtClean="0"/>
+            <a:endParaRPr lang="en-US" altLang="zh-CN" sz="1800" dirty="0" smtClean="0">
+              <a:latin typeface="微软雅黑" panose="020B0503020204020204" pitchFamily="34" charset="-122"/>
+              <a:ea typeface="微软雅黑" panose="020B0503020204020204" pitchFamily="34" charset="-122"/>
+            </a:endParaRPr>
           </a:p>
           <a:p>
             <a:pPr marL="0" indent="0">
               <a:buNone/>
             </a:pPr>
             <a:r>
-              <a:rPr lang="zh-CN" altLang="en-US" sz="1800" b="1" dirty="0"/>
+              <a:rPr lang="zh-CN" altLang="en-US" sz="1800" b="1" dirty="0">
+                <a:latin typeface="微软雅黑" panose="020B0503020204020204" pitchFamily="34" charset="-122"/>
+                <a:ea typeface="微软雅黑" panose="020B0503020204020204" pitchFamily="34" charset="-122"/>
+              </a:rPr>
               <a:t>研究成</a:t>
             </a:r>
             <a:r>
-              <a:rPr lang="zh-CN" altLang="en-US" sz="1800" b="1" dirty="0" smtClean="0"/>
+              <a:rPr lang="zh-CN" altLang="en-US" sz="1800" b="1" dirty="0" smtClean="0">
+                <a:latin typeface="微软雅黑" panose="020B0503020204020204" pitchFamily="34" charset="-122"/>
+                <a:ea typeface="微软雅黑" panose="020B0503020204020204" pitchFamily="34" charset="-122"/>
+              </a:rPr>
               <a:t>果：</a:t>
             </a:r>
-            <a:endParaRPr lang="en-US" altLang="zh-CN" sz="1800" b="1" dirty="0" smtClean="0"/>
+            <a:endParaRPr lang="en-US" altLang="zh-CN" sz="1800" b="1" dirty="0" smtClean="0">
+              <a:latin typeface="微软雅黑" panose="020B0503020204020204" pitchFamily="34" charset="-122"/>
+              <a:ea typeface="微软雅黑" panose="020B0503020204020204" pitchFamily="34" charset="-122"/>
+            </a:endParaRPr>
           </a:p>
           <a:p>
             <a:pPr marL="0" indent="0">
               <a:buNone/>
             </a:pPr>
             <a:r>
-              <a:rPr lang="zh-CN" altLang="en-US" sz="1800" dirty="0" smtClean="0"/>
+              <a:rPr lang="zh-CN" altLang="en-US" sz="1800" dirty="0" smtClean="0">
+                <a:latin typeface="微软雅黑" panose="020B0503020204020204" pitchFamily="34" charset="-122"/>
+                <a:ea typeface="微软雅黑" panose="020B0503020204020204" pitchFamily="34" charset="-122"/>
+              </a:rPr>
               <a:t>一套可以快速实验的架构工具</a:t>
             </a:r>
-            <a:endParaRPr lang="en-US" altLang="zh-CN" sz="1800" dirty="0" smtClean="0"/>
+            <a:endParaRPr lang="en-US" altLang="zh-CN" sz="1800" dirty="0" smtClean="0">
+              <a:latin typeface="微软雅黑" panose="020B0503020204020204" pitchFamily="34" charset="-122"/>
+              <a:ea typeface="微软雅黑" panose="020B0503020204020204" pitchFamily="34" charset="-122"/>
+            </a:endParaRPr>
           </a:p>
           <a:p>
             <a:pPr marL="0" indent="0">
               <a:buNone/>
             </a:pPr>
             <a:r>
-              <a:rPr lang="zh-CN" altLang="en-US" sz="1800" dirty="0" smtClean="0"/>
-              <a:t>创新优化一种贝叶斯算法专利</a:t>
-            </a:r>
-            <a:endParaRPr lang="en-US" altLang="zh-CN" sz="1800" dirty="0"/>
+              <a:rPr lang="zh-CN" altLang="en-US" sz="1800" dirty="0">
+                <a:latin typeface="微软雅黑" panose="020B0503020204020204" pitchFamily="34" charset="-122"/>
+                <a:ea typeface="微软雅黑" panose="020B0503020204020204" pitchFamily="34" charset="-122"/>
+              </a:rPr>
+              <a:t>申请</a:t>
+            </a:r>
+            <a:r>
+              <a:rPr lang="zh-CN" altLang="en-US" sz="1800" dirty="0" smtClean="0">
+                <a:latin typeface="微软雅黑" panose="020B0503020204020204" pitchFamily="34" charset="-122"/>
+                <a:ea typeface="微软雅黑" panose="020B0503020204020204" pitchFamily="34" charset="-122"/>
+              </a:rPr>
+              <a:t>创新优化贝叶斯算法专利</a:t>
+            </a:r>
+            <a:endParaRPr lang="en-US" altLang="zh-CN" sz="1800" dirty="0">
+              <a:latin typeface="微软雅黑" panose="020B0503020204020204" pitchFamily="34" charset="-122"/>
+              <a:ea typeface="微软雅黑" panose="020B0503020204020204" pitchFamily="34" charset="-122"/>
+            </a:endParaRPr>
           </a:p>
           <a:p>
             <a:pPr marL="0" indent="0">
@@ -11524,6 +11721,101 @@
           </a:extLst>
         </p:spPr>
       </p:pic>
+      <p:pic>
+        <p:nvPicPr>
+          <p:cNvPr id="10243" name="Picture 3"/>
+          <p:cNvPicPr>
+            <a:picLocks noChangeAspect="1" noChangeArrowheads="1"/>
+          </p:cNvPicPr>
+          <p:nvPr/>
+        </p:nvPicPr>
+        <p:blipFill>
+          <a:blip r:embed="rId3" cstate="print">
+            <a:extLst>
+              <a:ext uri="{28A0092B-C50C-407E-A947-70E740481C1C}">
+                <a14:useLocalDpi xmlns:a14="http://schemas.microsoft.com/office/drawing/2010/main" val="0"/>
+              </a:ext>
+            </a:extLst>
+          </a:blip>
+          <a:srcRect/>
+          <a:stretch>
+            <a:fillRect/>
+          </a:stretch>
+        </p:blipFill>
+        <p:spPr bwMode="auto">
+          <a:xfrm>
+            <a:off x="4600574" y="0"/>
+            <a:ext cx="4543426" cy="1050642"/>
+          </a:xfrm>
+          <a:prstGeom prst="rect">
+            <a:avLst/>
+          </a:prstGeom>
+          <a:noFill/>
+          <a:ln>
+            <a:noFill/>
+          </a:ln>
+          <a:effectLst/>
+          <a:extLst>
+            <a:ext uri="{909E8E84-426E-40DD-AFC4-6F175D3DCCD1}">
+              <a14:hiddenFill xmlns:a14="http://schemas.microsoft.com/office/drawing/2010/main">
+                <a:solidFill>
+                  <a:schemeClr val="accent1"/>
+                </a:solidFill>
+              </a14:hiddenFill>
+            </a:ext>
+            <a:ext uri="{91240B29-F687-4F45-9708-019B960494DF}">
+              <a14:hiddenLine xmlns:a14="http://schemas.microsoft.com/office/drawing/2010/main" w="9525">
+                <a:solidFill>
+                  <a:schemeClr val="tx1"/>
+                </a:solidFill>
+                <a:miter lim="800000"/>
+                <a:headEnd/>
+                <a:tailEnd/>
+              </a14:hiddenLine>
+            </a:ext>
+            <a:ext uri="{AF507438-7753-43E0-B8FC-AC1667EBCBE1}">
+              <a14:hiddenEffects xmlns:a14="http://schemas.microsoft.com/office/drawing/2010/main">
+                <a:effectLst>
+                  <a:outerShdw dist="35921" dir="2700000" algn="ctr" rotWithShape="0">
+                    <a:schemeClr val="bg2"/>
+                  </a:outerShdw>
+                </a:effectLst>
+              </a14:hiddenEffects>
+            </a:ext>
+          </a:extLst>
+        </p:spPr>
+      </p:pic>
+      <p:sp>
+        <p:nvSpPr>
+          <p:cNvPr id="3" name="Rectangle 2"/>
+          <p:cNvSpPr/>
+          <p:nvPr/>
+        </p:nvSpPr>
+        <p:spPr>
+          <a:xfrm>
+            <a:off x="2428768" y="6172200"/>
+            <a:ext cx="4381712" cy="369332"/>
+          </a:xfrm>
+          <a:prstGeom prst="rect">
+            <a:avLst/>
+          </a:prstGeom>
+        </p:spPr>
+        <p:txBody>
+          <a:bodyPr wrap="none">
+            <a:spAutoFit/>
+          </a:bodyPr>
+          <a:lstStyle/>
+          <a:p>
+            <a:r>
+              <a:rPr lang="en-US" altLang="zh-CN" dirty="0">
+                <a:hlinkClick r:id="rId4"/>
+              </a:rPr>
+              <a:t>https://github.com/silver6wings/WeiboFilter</a:t>
+            </a:r>
+            <a:endParaRPr lang="zh-CN" altLang="en-US" dirty="0"/>
+          </a:p>
+        </p:txBody>
+      </p:sp>
     </p:spTree>
     <p:extLst>
       <p:ext uri="{BB962C8B-B14F-4D97-AF65-F5344CB8AC3E}">
@@ -11534,6 +11826,13 @@
   <p:clrMapOvr>
     <a:masterClrMapping/>
   </p:clrMapOvr>
+  <p:timing>
+    <p:tnLst>
+      <p:par>
+        <p:cTn id="1" dur="indefinite" restart="never" nodeType="tmRoot"/>
+      </p:par>
+    </p:tnLst>
+  </p:timing>
 </p:sld>
 </file>
 
@@ -12011,7 +12310,7 @@
                 <a:latin typeface="黑体" panose="02010609060101010101" pitchFamily="49" charset="-122"/>
                 <a:ea typeface="黑体" panose="02010609060101010101" pitchFamily="49" charset="-122"/>
               </a:rPr>
-              <a:t>研究目标</a:t>
+              <a:t>研究内容</a:t>
             </a:r>
             <a:endParaRPr lang="zh-CN" altLang="en-US" sz="3200" dirty="0">
               <a:latin typeface="黑体" panose="02010609060101010101" pitchFamily="49" charset="-122"/>
@@ -12042,124 +12341,539 @@
           </a:bodyPr>
           <a:lstStyle/>
           <a:p>
+            <a:r>
+              <a:rPr lang="zh-CN" altLang="en-US" sz="2800" dirty="0" smtClean="0">
+                <a:latin typeface="微软雅黑" panose="020B0503020204020204" pitchFamily="34" charset="-122"/>
+                <a:ea typeface="微软雅黑" panose="020B0503020204020204" pitchFamily="34" charset="-122"/>
+              </a:rPr>
+              <a:t>机</a:t>
+            </a:r>
+            <a:r>
+              <a:rPr lang="zh-CN" altLang="en-US" sz="2800" dirty="0">
+                <a:latin typeface="微软雅黑" panose="020B0503020204020204" pitchFamily="34" charset="-122"/>
+                <a:ea typeface="微软雅黑" panose="020B0503020204020204" pitchFamily="34" charset="-122"/>
+              </a:rPr>
+              <a:t>器学</a:t>
+            </a:r>
+            <a:r>
+              <a:rPr lang="zh-CN" altLang="en-US" sz="2800" dirty="0" smtClean="0">
+                <a:latin typeface="微软雅黑" panose="020B0503020204020204" pitchFamily="34" charset="-122"/>
+                <a:ea typeface="微软雅黑" panose="020B0503020204020204" pitchFamily="34" charset="-122"/>
+              </a:rPr>
+              <a:t>习方</a:t>
+            </a:r>
+            <a:r>
+              <a:rPr lang="zh-CN" altLang="en-US" sz="2800" dirty="0">
+                <a:latin typeface="微软雅黑" panose="020B0503020204020204" pitchFamily="34" charset="-122"/>
+                <a:ea typeface="微软雅黑" panose="020B0503020204020204" pitchFamily="34" charset="-122"/>
+              </a:rPr>
+              <a:t>法对于文本分</a:t>
+            </a:r>
+            <a:r>
+              <a:rPr lang="zh-CN" altLang="en-US" sz="2800" dirty="0" smtClean="0">
+                <a:latin typeface="微软雅黑" panose="020B0503020204020204" pitchFamily="34" charset="-122"/>
+                <a:ea typeface="微软雅黑" panose="020B0503020204020204" pitchFamily="34" charset="-122"/>
+              </a:rPr>
+              <a:t>类有效程度。</a:t>
+            </a:r>
+            <a:endParaRPr lang="en-US" altLang="zh-CN" sz="2800" dirty="0">
+              <a:latin typeface="微软雅黑" panose="020B0503020204020204" pitchFamily="34" charset="-122"/>
+              <a:ea typeface="微软雅黑" panose="020B0503020204020204" pitchFamily="34" charset="-122"/>
+            </a:endParaRPr>
+          </a:p>
+          <a:p>
+            <a:r>
+              <a:rPr lang="zh-CN" altLang="en-US" sz="2800" dirty="0" smtClean="0">
+                <a:latin typeface="微软雅黑" panose="020B0503020204020204" pitchFamily="34" charset="-122"/>
+                <a:ea typeface="微软雅黑" panose="020B0503020204020204" pitchFamily="34" charset="-122"/>
+              </a:rPr>
+              <a:t>验证有效之后，如</a:t>
+            </a:r>
+            <a:r>
+              <a:rPr lang="zh-CN" altLang="en-US" sz="2800" dirty="0">
+                <a:latin typeface="微软雅黑" panose="020B0503020204020204" pitchFamily="34" charset="-122"/>
+                <a:ea typeface="微软雅黑" panose="020B0503020204020204" pitchFamily="34" charset="-122"/>
+              </a:rPr>
+              <a:t>何优化现有</a:t>
+            </a:r>
+            <a:r>
+              <a:rPr lang="zh-CN" altLang="en-US" sz="2800" dirty="0" smtClean="0">
+                <a:latin typeface="微软雅黑" panose="020B0503020204020204" pitchFamily="34" charset="-122"/>
+                <a:ea typeface="微软雅黑" panose="020B0503020204020204" pitchFamily="34" charset="-122"/>
+              </a:rPr>
+              <a:t>的机</a:t>
+            </a:r>
+            <a:r>
+              <a:rPr lang="zh-CN" altLang="en-US" sz="2800" dirty="0">
+                <a:latin typeface="微软雅黑" panose="020B0503020204020204" pitchFamily="34" charset="-122"/>
+                <a:ea typeface="微软雅黑" panose="020B0503020204020204" pitchFamily="34" charset="-122"/>
+              </a:rPr>
+              <a:t>器学习的算法达到更</a:t>
+            </a:r>
+            <a:r>
+              <a:rPr lang="zh-CN" altLang="en-US" sz="2800" dirty="0" smtClean="0">
+                <a:latin typeface="微软雅黑" panose="020B0503020204020204" pitchFamily="34" charset="-122"/>
+                <a:ea typeface="微软雅黑" panose="020B0503020204020204" pitchFamily="34" charset="-122"/>
+              </a:rPr>
+              <a:t>高准</a:t>
+            </a:r>
+            <a:r>
+              <a:rPr lang="zh-CN" altLang="en-US" sz="2800" dirty="0">
+                <a:latin typeface="微软雅黑" panose="020B0503020204020204" pitchFamily="34" charset="-122"/>
+                <a:ea typeface="微软雅黑" panose="020B0503020204020204" pitchFamily="34" charset="-122"/>
+              </a:rPr>
+              <a:t>确性的目标</a:t>
+            </a:r>
+            <a:r>
+              <a:rPr lang="zh-CN" altLang="en-US" sz="2800" dirty="0" smtClean="0">
+                <a:latin typeface="微软雅黑" panose="020B0503020204020204" pitchFamily="34" charset="-122"/>
+                <a:ea typeface="微软雅黑" panose="020B0503020204020204" pitchFamily="34" charset="-122"/>
+              </a:rPr>
+              <a:t>。</a:t>
+            </a:r>
+            <a:endParaRPr lang="en-US" altLang="zh-CN" sz="2800" dirty="0" smtClean="0">
+              <a:latin typeface="微软雅黑" panose="020B0503020204020204" pitchFamily="34" charset="-122"/>
+              <a:ea typeface="微软雅黑" panose="020B0503020204020204" pitchFamily="34" charset="-122"/>
+            </a:endParaRPr>
+          </a:p>
+          <a:p>
+            <a:endParaRPr lang="en-US" altLang="zh-CN" sz="2800" dirty="0"/>
+          </a:p>
+          <a:p>
+            <a:r>
+              <a:rPr lang="zh-CN" altLang="en-US" sz="2800" dirty="0">
+                <a:latin typeface="微软雅黑" panose="020B0503020204020204" pitchFamily="34" charset="-122"/>
+                <a:ea typeface="微软雅黑" panose="020B0503020204020204" pitchFamily="34" charset="-122"/>
+              </a:rPr>
+              <a:t>现有</a:t>
+            </a:r>
+            <a:r>
+              <a:rPr lang="zh-CN" altLang="en-US" sz="2800" dirty="0" smtClean="0">
+                <a:latin typeface="微软雅黑" panose="020B0503020204020204" pitchFamily="34" charset="-122"/>
+                <a:ea typeface="微软雅黑" panose="020B0503020204020204" pitchFamily="34" charset="-122"/>
+              </a:rPr>
+              <a:t>的文本分类对</a:t>
+            </a:r>
+            <a:r>
+              <a:rPr lang="zh-CN" altLang="en-US" sz="2800" dirty="0">
+                <a:latin typeface="微软雅黑" panose="020B0503020204020204" pitchFamily="34" charset="-122"/>
+                <a:ea typeface="微软雅黑" panose="020B0503020204020204" pitchFamily="34" charset="-122"/>
+              </a:rPr>
+              <a:t>于微博信息分类的效果。</a:t>
+            </a:r>
+            <a:endParaRPr lang="en-US" altLang="zh-CN" sz="2800" dirty="0">
+              <a:latin typeface="微软雅黑" panose="020B0503020204020204" pitchFamily="34" charset="-122"/>
+              <a:ea typeface="微软雅黑" panose="020B0503020204020204" pitchFamily="34" charset="-122"/>
+            </a:endParaRPr>
+          </a:p>
+          <a:p>
+            <a:r>
+              <a:rPr lang="zh-CN" altLang="en-US" sz="2800" dirty="0">
+                <a:latin typeface="微软雅黑" panose="020B0503020204020204" pitchFamily="34" charset="-122"/>
+                <a:ea typeface="微软雅黑" panose="020B0503020204020204" pitchFamily="34" charset="-122"/>
+              </a:rPr>
+              <a:t>如何实现一套可以灵活处理变化无常的文本信息比如微博信息这样的系统架构。</a:t>
+            </a:r>
+          </a:p>
+          <a:p>
             <a:pPr lvl="0"/>
-            <a:r>
-              <a:rPr lang="zh-CN" altLang="en-US" dirty="0" smtClean="0"/>
+            <a:endParaRPr lang="en-US" altLang="zh-CN" dirty="0" smtClean="0"/>
+          </a:p>
+          <a:p>
+            <a:pPr lvl="0"/>
+            <a:endParaRPr lang="zh-CN" altLang="zh-CN" dirty="0"/>
+          </a:p>
+        </p:txBody>
+      </p:sp>
+      <p:sp>
+        <p:nvSpPr>
+          <p:cNvPr id="4" name="Rectangle 19"/>
+          <p:cNvSpPr>
+            <a:spLocks noChangeArrowheads="1"/>
+          </p:cNvSpPr>
+          <p:nvPr/>
+        </p:nvSpPr>
+        <p:spPr bwMode="auto">
+          <a:xfrm>
+            <a:off x="0" y="6629400"/>
+            <a:ext cx="9144000" cy="228600"/>
+          </a:xfrm>
+          <a:prstGeom prst="rect">
+            <a:avLst/>
+          </a:prstGeom>
+          <a:solidFill>
+            <a:srgbClr val="0E03E7"/>
+          </a:solidFill>
+          <a:ln w="9525">
+            <a:solidFill>
+              <a:schemeClr val="tx1"/>
+            </a:solidFill>
+            <a:miter lim="800000"/>
+            <a:headEnd/>
+            <a:tailEnd/>
+          </a:ln>
+          <a:effectLst/>
+        </p:spPr>
+        <p:txBody>
+          <a:bodyPr wrap="none" anchor="ctr"/>
+          <a:lstStyle/>
+          <a:p>
+            <a:endParaRPr lang="zh-CN" altLang="en-US"/>
+          </a:p>
+        </p:txBody>
+      </p:sp>
+      <p:pic>
+        <p:nvPicPr>
+          <p:cNvPr id="5" name="Picture 18" descr="C:\Documents and Settings\Administrator\桌面\logo_small.jpg"/>
+          <p:cNvPicPr>
+            <a:picLocks noChangeAspect="1" noChangeArrowheads="1"/>
+          </p:cNvPicPr>
+          <p:nvPr/>
+        </p:nvPicPr>
+        <p:blipFill>
+          <a:blip r:embed="rId2">
+            <a:extLst>
+              <a:ext uri="{28A0092B-C50C-407E-A947-70E740481C1C}">
+                <a14:useLocalDpi xmlns:a14="http://schemas.microsoft.com/office/drawing/2010/main" val="0"/>
+              </a:ext>
+            </a:extLst>
+          </a:blip>
+          <a:srcRect/>
+          <a:stretch>
+            <a:fillRect/>
+          </a:stretch>
+        </p:blipFill>
+        <p:spPr bwMode="auto">
+          <a:xfrm>
+            <a:off x="152400" y="93663"/>
+            <a:ext cx="3124200" cy="820737"/>
+          </a:xfrm>
+          <a:prstGeom prst="rect">
+            <a:avLst/>
+          </a:prstGeom>
+          <a:noFill/>
+          <a:extLst>
+            <a:ext uri="{909E8E84-426E-40DD-AFC4-6F175D3DCCD1}">
+              <a14:hiddenFill xmlns:a14="http://schemas.microsoft.com/office/drawing/2010/main">
+                <a:solidFill>
+                  <a:srgbClr val="FFFFFF"/>
+                </a:solidFill>
+              </a14:hiddenFill>
+            </a:ext>
+          </a:extLst>
+        </p:spPr>
+      </p:pic>
+    </p:spTree>
+    <p:extLst>
+      <p:ext uri="{BB962C8B-B14F-4D97-AF65-F5344CB8AC3E}">
+        <p14:creationId xmlns:p14="http://schemas.microsoft.com/office/powerpoint/2010/main" val="1230998975"/>
+      </p:ext>
+    </p:extLst>
+  </p:cSld>
+  <p:clrMapOvr>
+    <a:masterClrMapping/>
+  </p:clrMapOvr>
+  <p:timing>
+    <p:tnLst>
+      <p:par>
+        <p:cTn id="1" dur="indefinite" restart="never" nodeType="tmRoot"/>
+      </p:par>
+    </p:tnLst>
+  </p:timing>
+</p:sld>
+</file>
+
+<file path=ppt/slides/slide4.xml><?xml version="1.0" encoding="utf-8"?>
+<p:sld xmlns:a="http://schemas.openxmlformats.org/drawingml/2006/main" xmlns:r="http://schemas.openxmlformats.org/officeDocument/2006/relationships" xmlns:p="http://schemas.openxmlformats.org/presentationml/2006/main">
+  <p:cSld>
+    <p:spTree>
+      <p:nvGrpSpPr>
+        <p:cNvPr id="1" name=""/>
+        <p:cNvGrpSpPr/>
+        <p:nvPr/>
+      </p:nvGrpSpPr>
+      <p:grpSpPr>
+        <a:xfrm>
+          <a:off x="0" y="0"/>
+          <a:ext cx="0" cy="0"/>
+          <a:chOff x="0" y="0"/>
+          <a:chExt cx="0" cy="0"/>
+        </a:xfrm>
+      </p:grpSpPr>
+      <p:sp>
+        <p:nvSpPr>
+          <p:cNvPr id="2" name="Title 1"/>
+          <p:cNvSpPr>
+            <a:spLocks noGrp="1"/>
+          </p:cNvSpPr>
+          <p:nvPr>
+            <p:ph type="title"/>
+          </p:nvPr>
+        </p:nvSpPr>
+        <p:spPr>
+          <a:xfrm>
+            <a:off x="457200" y="1066800"/>
+            <a:ext cx="8229600" cy="914400"/>
+          </a:xfrm>
+        </p:spPr>
+        <p:txBody>
+          <a:bodyPr>
+            <a:normAutofit/>
+          </a:bodyPr>
+          <a:lstStyle/>
+          <a:p>
+            <a:pPr algn="l"/>
+            <a:r>
+              <a:rPr lang="zh-CN" altLang="zh-CN" sz="3200" dirty="0" smtClean="0">
+                <a:latin typeface="黑体" panose="02010609060101010101" pitchFamily="49" charset="-122"/>
+                <a:ea typeface="黑体" panose="02010609060101010101" pitchFamily="49" charset="-122"/>
+              </a:rPr>
+              <a:t>研究目标</a:t>
+            </a:r>
+            <a:endParaRPr lang="zh-CN" altLang="en-US" sz="3200" dirty="0">
+              <a:latin typeface="黑体" panose="02010609060101010101" pitchFamily="49" charset="-122"/>
+              <a:ea typeface="黑体" panose="02010609060101010101" pitchFamily="49" charset="-122"/>
+            </a:endParaRPr>
+          </a:p>
+        </p:txBody>
+      </p:sp>
+      <p:sp>
+        <p:nvSpPr>
+          <p:cNvPr id="3" name="Content Placeholder 2"/>
+          <p:cNvSpPr>
+            <a:spLocks noGrp="1"/>
+          </p:cNvSpPr>
+          <p:nvPr>
+            <p:ph idx="1"/>
+          </p:nvPr>
+        </p:nvSpPr>
+        <p:spPr>
+          <a:xfrm>
+            <a:off x="457200" y="2209800"/>
+            <a:ext cx="8229600" cy="3916363"/>
+          </a:xfrm>
+        </p:spPr>
+        <p:txBody>
+          <a:bodyPr>
+            <a:normAutofit/>
+          </a:bodyPr>
+          <a:lstStyle/>
+          <a:p>
+            <a:pPr lvl="0"/>
+            <a:r>
+              <a:rPr lang="zh-CN" altLang="en-US" dirty="0" smtClean="0">
+                <a:latin typeface="微软雅黑" panose="020B0503020204020204" pitchFamily="34" charset="-122"/>
+                <a:ea typeface="微软雅黑" panose="020B0503020204020204" pitchFamily="34" charset="-122"/>
+              </a:rPr>
               <a:t>实</a:t>
             </a:r>
             <a:r>
-              <a:rPr lang="zh-CN" altLang="en-US" dirty="0"/>
+              <a:rPr lang="zh-CN" altLang="en-US" dirty="0">
+                <a:latin typeface="微软雅黑" panose="020B0503020204020204" pitchFamily="34" charset="-122"/>
+                <a:ea typeface="微软雅黑" panose="020B0503020204020204" pitchFamily="34" charset="-122"/>
+              </a:rPr>
               <a:t>现一</a:t>
             </a:r>
             <a:r>
-              <a:rPr lang="zh-CN" altLang="en-US" dirty="0" smtClean="0"/>
-              <a:t>个满足需求的文</a:t>
-            </a:r>
-            <a:r>
-              <a:rPr lang="zh-CN" altLang="en-US" dirty="0"/>
+              <a:rPr lang="zh-CN" altLang="en-US" dirty="0" smtClean="0">
+                <a:latin typeface="微软雅黑" panose="020B0503020204020204" pitchFamily="34" charset="-122"/>
+                <a:ea typeface="微软雅黑" panose="020B0503020204020204" pitchFamily="34" charset="-122"/>
+              </a:rPr>
+              <a:t>个文</a:t>
+            </a:r>
+            <a:r>
+              <a:rPr lang="zh-CN" altLang="en-US" dirty="0">
+                <a:latin typeface="微软雅黑" panose="020B0503020204020204" pitchFamily="34" charset="-122"/>
+                <a:ea typeface="微软雅黑" panose="020B0503020204020204" pitchFamily="34" charset="-122"/>
+              </a:rPr>
               <a:t>本过</a:t>
             </a:r>
             <a:r>
-              <a:rPr lang="zh-CN" altLang="en-US" dirty="0" smtClean="0"/>
-              <a:t>滤系统：</a:t>
-            </a:r>
-            <a:endParaRPr lang="en-US" altLang="zh-CN" dirty="0" smtClean="0"/>
+              <a:rPr lang="zh-CN" altLang="en-US" dirty="0" smtClean="0">
+                <a:latin typeface="微软雅黑" panose="020B0503020204020204" pitchFamily="34" charset="-122"/>
+                <a:ea typeface="微软雅黑" panose="020B0503020204020204" pitchFamily="34" charset="-122"/>
+              </a:rPr>
+              <a:t>滤系统具备以下功能点：</a:t>
+            </a:r>
+            <a:endParaRPr lang="en-US" altLang="zh-CN" dirty="0" smtClean="0">
+              <a:latin typeface="微软雅黑" panose="020B0503020204020204" pitchFamily="34" charset="-122"/>
+              <a:ea typeface="微软雅黑" panose="020B0503020204020204" pitchFamily="34" charset="-122"/>
+            </a:endParaRPr>
           </a:p>
           <a:p>
             <a:pPr lvl="1"/>
             <a:r>
-              <a:rPr lang="zh-CN" altLang="en-US" dirty="0" smtClean="0"/>
-              <a:t>中文分词模块</a:t>
-            </a:r>
-            <a:endParaRPr lang="en-US" altLang="zh-CN" dirty="0" smtClean="0"/>
+              <a:rPr lang="zh-CN" altLang="en-US" dirty="0" smtClean="0">
+                <a:latin typeface="微软雅黑" panose="020B0503020204020204" pitchFamily="34" charset="-122"/>
+                <a:ea typeface="微软雅黑" panose="020B0503020204020204" pitchFamily="34" charset="-122"/>
+              </a:rPr>
+              <a:t>初步</a:t>
+            </a:r>
+            <a:r>
+              <a:rPr lang="zh-CN" altLang="zh-CN" dirty="0" smtClean="0">
+                <a:latin typeface="微软雅黑" panose="020B0503020204020204" pitchFamily="34" charset="-122"/>
+                <a:ea typeface="微软雅黑" panose="020B0503020204020204" pitchFamily="34" charset="-122"/>
+              </a:rPr>
+              <a:t>数</a:t>
+            </a:r>
+            <a:r>
+              <a:rPr lang="zh-CN" altLang="zh-CN" dirty="0">
+                <a:latin typeface="微软雅黑" panose="020B0503020204020204" pitchFamily="34" charset="-122"/>
+                <a:ea typeface="微软雅黑" panose="020B0503020204020204" pitchFamily="34" charset="-122"/>
+              </a:rPr>
+              <a:t>据</a:t>
+            </a:r>
+            <a:r>
+              <a:rPr lang="zh-CN" altLang="en-US" dirty="0">
+                <a:latin typeface="微软雅黑" panose="020B0503020204020204" pitchFamily="34" charset="-122"/>
+                <a:ea typeface="微软雅黑" panose="020B0503020204020204" pitchFamily="34" charset="-122"/>
+              </a:rPr>
+              <a:t>过滤</a:t>
+            </a:r>
+            <a:endParaRPr lang="en-US" altLang="zh-CN" dirty="0">
+              <a:latin typeface="微软雅黑" panose="020B0503020204020204" pitchFamily="34" charset="-122"/>
+              <a:ea typeface="微软雅黑" panose="020B0503020204020204" pitchFamily="34" charset="-122"/>
+            </a:endParaRPr>
           </a:p>
           <a:p>
             <a:pPr lvl="1"/>
             <a:r>
-              <a:rPr lang="zh-CN" altLang="en-US" dirty="0" smtClean="0"/>
-              <a:t>初步</a:t>
-            </a:r>
-            <a:r>
-              <a:rPr lang="zh-CN" altLang="zh-CN" dirty="0" smtClean="0"/>
-              <a:t>数</a:t>
-            </a:r>
-            <a:r>
-              <a:rPr lang="zh-CN" altLang="zh-CN" dirty="0"/>
-              <a:t>据</a:t>
-            </a:r>
-            <a:r>
-              <a:rPr lang="zh-CN" altLang="en-US" dirty="0"/>
-              <a:t>过滤</a:t>
-            </a:r>
-            <a:endParaRPr lang="en-US" altLang="zh-CN" dirty="0"/>
+              <a:rPr lang="zh-CN" altLang="en-US" dirty="0">
+                <a:latin typeface="微软雅黑" panose="020B0503020204020204" pitchFamily="34" charset="-122"/>
+                <a:ea typeface="微软雅黑" panose="020B0503020204020204" pitchFamily="34" charset="-122"/>
+              </a:rPr>
+              <a:t>机器学习能</a:t>
+            </a:r>
+            <a:r>
+              <a:rPr lang="zh-CN" altLang="en-US" dirty="0" smtClean="0">
+                <a:latin typeface="微软雅黑" panose="020B0503020204020204" pitchFamily="34" charset="-122"/>
+                <a:ea typeface="微软雅黑" panose="020B0503020204020204" pitchFamily="34" charset="-122"/>
+              </a:rPr>
+              <a:t>力</a:t>
+            </a:r>
+            <a:endParaRPr lang="en-US" altLang="zh-CN" dirty="0" smtClean="0">
+              <a:latin typeface="微软雅黑" panose="020B0503020204020204" pitchFamily="34" charset="-122"/>
+              <a:ea typeface="微软雅黑" panose="020B0503020204020204" pitchFamily="34" charset="-122"/>
+            </a:endParaRPr>
           </a:p>
           <a:p>
             <a:pPr lvl="1"/>
             <a:r>
-              <a:rPr lang="zh-CN" altLang="en-US" dirty="0"/>
-              <a:t>机器学习能</a:t>
-            </a:r>
-            <a:r>
-              <a:rPr lang="zh-CN" altLang="en-US" dirty="0" smtClean="0"/>
-              <a:t>力</a:t>
-            </a:r>
-            <a:endParaRPr lang="en-US" altLang="zh-CN" dirty="0" smtClean="0"/>
+              <a:rPr lang="zh-CN" altLang="en-US" dirty="0" smtClean="0">
+                <a:latin typeface="微软雅黑" panose="020B0503020204020204" pitchFamily="34" charset="-122"/>
+                <a:ea typeface="微软雅黑" panose="020B0503020204020204" pitchFamily="34" charset="-122"/>
+              </a:rPr>
+              <a:t>复杂</a:t>
+            </a:r>
+            <a:r>
+              <a:rPr lang="zh-CN" altLang="zh-CN" dirty="0" smtClean="0">
+                <a:latin typeface="微软雅黑" panose="020B0503020204020204" pitchFamily="34" charset="-122"/>
+                <a:ea typeface="微软雅黑" panose="020B0503020204020204" pitchFamily="34" charset="-122"/>
+              </a:rPr>
+              <a:t>特</a:t>
+            </a:r>
+            <a:r>
+              <a:rPr lang="zh-CN" altLang="zh-CN" dirty="0">
+                <a:latin typeface="微软雅黑" panose="020B0503020204020204" pitchFamily="34" charset="-122"/>
+                <a:ea typeface="微软雅黑" panose="020B0503020204020204" pitchFamily="34" charset="-122"/>
+              </a:rPr>
+              <a:t>征提</a:t>
+            </a:r>
+            <a:r>
+              <a:rPr lang="zh-CN" altLang="zh-CN" dirty="0" smtClean="0">
+                <a:latin typeface="微软雅黑" panose="020B0503020204020204" pitchFamily="34" charset="-122"/>
+                <a:ea typeface="微软雅黑" panose="020B0503020204020204" pitchFamily="34" charset="-122"/>
+              </a:rPr>
+              <a:t>取</a:t>
+            </a:r>
+            <a:endParaRPr lang="en-US" altLang="zh-CN" dirty="0" smtClean="0">
+              <a:latin typeface="微软雅黑" panose="020B0503020204020204" pitchFamily="34" charset="-122"/>
+              <a:ea typeface="微软雅黑" panose="020B0503020204020204" pitchFamily="34" charset="-122"/>
+            </a:endParaRPr>
           </a:p>
           <a:p>
             <a:pPr lvl="1"/>
             <a:r>
-              <a:rPr lang="zh-CN" altLang="en-US" dirty="0" smtClean="0"/>
-              <a:t>复杂</a:t>
-            </a:r>
-            <a:r>
-              <a:rPr lang="zh-CN" altLang="zh-CN" dirty="0" smtClean="0"/>
-              <a:t>特</a:t>
-            </a:r>
-            <a:r>
-              <a:rPr lang="zh-CN" altLang="zh-CN" dirty="0"/>
-              <a:t>征提</a:t>
-            </a:r>
-            <a:r>
-              <a:rPr lang="zh-CN" altLang="zh-CN" dirty="0" smtClean="0"/>
-              <a:t>取</a:t>
-            </a:r>
-            <a:endParaRPr lang="en-US" altLang="zh-CN" dirty="0" smtClean="0"/>
+              <a:rPr lang="zh-CN" altLang="en-US" dirty="0">
+                <a:latin typeface="微软雅黑" panose="020B0503020204020204" pitchFamily="34" charset="-122"/>
+                <a:ea typeface="微软雅黑" panose="020B0503020204020204" pitchFamily="34" charset="-122"/>
+              </a:rPr>
+              <a:t>中文分词模</a:t>
+            </a:r>
+            <a:r>
+              <a:rPr lang="zh-CN" altLang="en-US" dirty="0" smtClean="0">
+                <a:latin typeface="微软雅黑" panose="020B0503020204020204" pitchFamily="34" charset="-122"/>
+                <a:ea typeface="微软雅黑" panose="020B0503020204020204" pitchFamily="34" charset="-122"/>
+              </a:rPr>
+              <a:t>块</a:t>
+            </a:r>
+            <a:endParaRPr lang="en-US" altLang="zh-CN" dirty="0" smtClean="0">
+              <a:latin typeface="微软雅黑" panose="020B0503020204020204" pitchFamily="34" charset="-122"/>
+              <a:ea typeface="微软雅黑" panose="020B0503020204020204" pitchFamily="34" charset="-122"/>
+            </a:endParaRPr>
           </a:p>
           <a:p>
             <a:pPr lvl="1"/>
             <a:r>
-              <a:rPr lang="zh-CN" altLang="zh-CN" dirty="0" smtClean="0"/>
+              <a:rPr lang="zh-CN" altLang="zh-CN" dirty="0" smtClean="0">
+                <a:latin typeface="微软雅黑" panose="020B0503020204020204" pitchFamily="34" charset="-122"/>
+                <a:ea typeface="微软雅黑" panose="020B0503020204020204" pitchFamily="34" charset="-122"/>
+              </a:rPr>
               <a:t>多</a:t>
             </a:r>
             <a:r>
-              <a:rPr lang="zh-CN" altLang="zh-CN" dirty="0"/>
+              <a:rPr lang="zh-CN" altLang="zh-CN" dirty="0">
+                <a:latin typeface="微软雅黑" panose="020B0503020204020204" pitchFamily="34" charset="-122"/>
+                <a:ea typeface="微软雅黑" panose="020B0503020204020204" pitchFamily="34" charset="-122"/>
+              </a:rPr>
               <a:t>分类</a:t>
             </a:r>
             <a:r>
-              <a:rPr lang="zh-CN" altLang="zh-CN" dirty="0" smtClean="0"/>
+              <a:rPr lang="zh-CN" altLang="zh-CN" dirty="0" smtClean="0">
+                <a:latin typeface="微软雅黑" panose="020B0503020204020204" pitchFamily="34" charset="-122"/>
+                <a:ea typeface="微软雅黑" panose="020B0503020204020204" pitchFamily="34" charset="-122"/>
+              </a:rPr>
               <a:t>器</a:t>
             </a:r>
             <a:r>
-              <a:rPr lang="zh-CN" altLang="en-US" dirty="0" smtClean="0"/>
+              <a:rPr lang="zh-CN" altLang="en-US" dirty="0" smtClean="0">
+                <a:latin typeface="微软雅黑" panose="020B0503020204020204" pitchFamily="34" charset="-122"/>
+                <a:ea typeface="微软雅黑" panose="020B0503020204020204" pitchFamily="34" charset="-122"/>
+              </a:rPr>
               <a:t>协作</a:t>
             </a:r>
-            <a:endParaRPr lang="en-US" altLang="zh-CN" dirty="0"/>
+            <a:endParaRPr lang="en-US" altLang="zh-CN" dirty="0">
+              <a:latin typeface="微软雅黑" panose="020B0503020204020204" pitchFamily="34" charset="-122"/>
+              <a:ea typeface="微软雅黑" panose="020B0503020204020204" pitchFamily="34" charset="-122"/>
+            </a:endParaRPr>
           </a:p>
           <a:p>
             <a:pPr lvl="1"/>
             <a:r>
-              <a:rPr lang="zh-CN" altLang="zh-CN" dirty="0"/>
+              <a:rPr lang="zh-CN" altLang="zh-CN" dirty="0">
+                <a:latin typeface="微软雅黑" panose="020B0503020204020204" pitchFamily="34" charset="-122"/>
+                <a:ea typeface="微软雅黑" panose="020B0503020204020204" pitchFamily="34" charset="-122"/>
+              </a:rPr>
               <a:t>结果统</a:t>
             </a:r>
             <a:r>
-              <a:rPr lang="zh-CN" altLang="zh-CN" dirty="0" smtClean="0"/>
+              <a:rPr lang="zh-CN" altLang="zh-CN" dirty="0" smtClean="0">
+                <a:latin typeface="微软雅黑" panose="020B0503020204020204" pitchFamily="34" charset="-122"/>
+                <a:ea typeface="微软雅黑" panose="020B0503020204020204" pitchFamily="34" charset="-122"/>
+              </a:rPr>
               <a:t>计</a:t>
             </a:r>
             <a:r>
-              <a:rPr lang="zh-CN" altLang="en-US" dirty="0" smtClean="0"/>
+              <a:rPr lang="zh-CN" altLang="en-US" dirty="0" smtClean="0">
+                <a:latin typeface="微软雅黑" panose="020B0503020204020204" pitchFamily="34" charset="-122"/>
+                <a:ea typeface="微软雅黑" panose="020B0503020204020204" pitchFamily="34" charset="-122"/>
+              </a:rPr>
               <a:t>报告</a:t>
             </a:r>
-            <a:endParaRPr lang="en-US" altLang="zh-CN" dirty="0"/>
+            <a:endParaRPr lang="en-US" altLang="zh-CN" dirty="0">
+              <a:latin typeface="微软雅黑" panose="020B0503020204020204" pitchFamily="34" charset="-122"/>
+              <a:ea typeface="微软雅黑" panose="020B0503020204020204" pitchFamily="34" charset="-122"/>
+            </a:endParaRPr>
           </a:p>
           <a:p>
             <a:endParaRPr lang="zh-CN" altLang="en-US" dirty="0"/>
@@ -12264,220 +12978,6 @@
 </p:sld>
 </file>
 
-<file path=ppt/slides/slide4.xml><?xml version="1.0" encoding="utf-8"?>
-<p:sld xmlns:a="http://schemas.openxmlformats.org/drawingml/2006/main" xmlns:r="http://schemas.openxmlformats.org/officeDocument/2006/relationships" xmlns:p="http://schemas.openxmlformats.org/presentationml/2006/main">
-  <p:cSld>
-    <p:spTree>
-      <p:nvGrpSpPr>
-        <p:cNvPr id="1" name=""/>
-        <p:cNvGrpSpPr/>
-        <p:nvPr/>
-      </p:nvGrpSpPr>
-      <p:grpSpPr>
-        <a:xfrm>
-          <a:off x="0" y="0"/>
-          <a:ext cx="0" cy="0"/>
-          <a:chOff x="0" y="0"/>
-          <a:chExt cx="0" cy="0"/>
-        </a:xfrm>
-      </p:grpSpPr>
-      <p:sp>
-        <p:nvSpPr>
-          <p:cNvPr id="2" name="Title 1"/>
-          <p:cNvSpPr>
-            <a:spLocks noGrp="1"/>
-          </p:cNvSpPr>
-          <p:nvPr>
-            <p:ph type="title"/>
-          </p:nvPr>
-        </p:nvSpPr>
-        <p:spPr>
-          <a:xfrm>
-            <a:off x="457200" y="1066800"/>
-            <a:ext cx="8229600" cy="914400"/>
-          </a:xfrm>
-        </p:spPr>
-        <p:txBody>
-          <a:bodyPr>
-            <a:normAutofit/>
-          </a:bodyPr>
-          <a:lstStyle/>
-          <a:p>
-            <a:pPr algn="l"/>
-            <a:r>
-              <a:rPr lang="zh-CN" altLang="zh-CN" sz="3200" dirty="0" smtClean="0">
-                <a:latin typeface="黑体" panose="02010609060101010101" pitchFamily="49" charset="-122"/>
-                <a:ea typeface="黑体" panose="02010609060101010101" pitchFamily="49" charset="-122"/>
-              </a:rPr>
-              <a:t>研究内容</a:t>
-            </a:r>
-            <a:endParaRPr lang="zh-CN" altLang="en-US" sz="3200" dirty="0">
-              <a:latin typeface="黑体" panose="02010609060101010101" pitchFamily="49" charset="-122"/>
-              <a:ea typeface="黑体" panose="02010609060101010101" pitchFamily="49" charset="-122"/>
-            </a:endParaRPr>
-          </a:p>
-        </p:txBody>
-      </p:sp>
-      <p:sp>
-        <p:nvSpPr>
-          <p:cNvPr id="3" name="Content Placeholder 2"/>
-          <p:cNvSpPr>
-            <a:spLocks noGrp="1"/>
-          </p:cNvSpPr>
-          <p:nvPr>
-            <p:ph idx="1"/>
-          </p:nvPr>
-        </p:nvSpPr>
-        <p:spPr>
-          <a:xfrm>
-            <a:off x="457200" y="2209800"/>
-            <a:ext cx="8229600" cy="3916363"/>
-          </a:xfrm>
-        </p:spPr>
-        <p:txBody>
-          <a:bodyPr>
-            <a:normAutofit/>
-          </a:bodyPr>
-          <a:lstStyle/>
-          <a:p>
-            <a:r>
-              <a:rPr lang="zh-CN" altLang="en-US" dirty="0" smtClean="0"/>
-              <a:t>机</a:t>
-            </a:r>
-            <a:r>
-              <a:rPr lang="zh-CN" altLang="en-US" dirty="0"/>
-              <a:t>器学习的方法对于文本分类过滤的效果。</a:t>
-            </a:r>
-            <a:endParaRPr lang="en-US" altLang="zh-CN" dirty="0"/>
-          </a:p>
-          <a:p>
-            <a:r>
-              <a:rPr lang="zh-CN" altLang="en-US" dirty="0"/>
-              <a:t>如何优化现有的成熟的机器学习的算法达到更高的准确性的目标。</a:t>
-            </a:r>
-            <a:endParaRPr lang="en-US" altLang="zh-CN" dirty="0"/>
-          </a:p>
-          <a:p>
-            <a:r>
-              <a:rPr lang="zh-CN" altLang="en-US" dirty="0"/>
-              <a:t>现有的算法对于微博信息分类的效果。</a:t>
-            </a:r>
-            <a:endParaRPr lang="en-US" altLang="zh-CN" dirty="0"/>
-          </a:p>
-          <a:p>
-            <a:r>
-              <a:rPr lang="zh-CN" altLang="en-US" dirty="0"/>
-              <a:t>如何实现一套可以灵活处理变化无常的文本信息比如微博信息这样的系统架构。</a:t>
-            </a:r>
-          </a:p>
-          <a:p>
-            <a:pPr lvl="0"/>
-            <a:endParaRPr lang="en-US" altLang="zh-CN" dirty="0" smtClean="0"/>
-          </a:p>
-          <a:p>
-            <a:pPr lvl="0"/>
-            <a:endParaRPr lang="zh-CN" altLang="zh-CN" dirty="0"/>
-          </a:p>
-        </p:txBody>
-      </p:sp>
-      <p:sp>
-        <p:nvSpPr>
-          <p:cNvPr id="4" name="Rectangle 19"/>
-          <p:cNvSpPr>
-            <a:spLocks noChangeArrowheads="1"/>
-          </p:cNvSpPr>
-          <p:nvPr/>
-        </p:nvSpPr>
-        <p:spPr bwMode="auto">
-          <a:xfrm>
-            <a:off x="0" y="6629400"/>
-            <a:ext cx="9144000" cy="228600"/>
-          </a:xfrm>
-          <a:prstGeom prst="rect">
-            <a:avLst/>
-          </a:prstGeom>
-          <a:solidFill>
-            <a:srgbClr val="0E03E7"/>
-          </a:solidFill>
-          <a:ln w="9525">
-            <a:solidFill>
-              <a:schemeClr val="tx1"/>
-            </a:solidFill>
-            <a:miter lim="800000"/>
-            <a:headEnd/>
-            <a:tailEnd/>
-          </a:ln>
-          <a:effectLst/>
-        </p:spPr>
-        <p:txBody>
-          <a:bodyPr wrap="none" anchor="ctr"/>
-          <a:lstStyle/>
-          <a:p>
-            <a:endParaRPr lang="zh-CN" altLang="en-US"/>
-          </a:p>
-        </p:txBody>
-      </p:sp>
-      <p:pic>
-        <p:nvPicPr>
-          <p:cNvPr id="5" name="Picture 18" descr="C:\Documents and Settings\Administrator\桌面\logo_small.jpg"/>
-          <p:cNvPicPr>
-            <a:picLocks noChangeAspect="1" noChangeArrowheads="1"/>
-          </p:cNvPicPr>
-          <p:nvPr/>
-        </p:nvPicPr>
-        <p:blipFill>
-          <a:blip r:embed="rId2">
-            <a:extLst>
-              <a:ext uri="{28A0092B-C50C-407E-A947-70E740481C1C}">
-                <a14:useLocalDpi xmlns:a14="http://schemas.microsoft.com/office/drawing/2010/main" val="0"/>
-              </a:ext>
-            </a:extLst>
-          </a:blip>
-          <a:srcRect/>
-          <a:stretch>
-            <a:fillRect/>
-          </a:stretch>
-        </p:blipFill>
-        <p:spPr bwMode="auto">
-          <a:xfrm>
-            <a:off x="152400" y="93663"/>
-            <a:ext cx="3124200" cy="820737"/>
-          </a:xfrm>
-          <a:prstGeom prst="rect">
-            <a:avLst/>
-          </a:prstGeom>
-          <a:noFill/>
-          <a:extLst>
-            <a:ext uri="{909E8E84-426E-40DD-AFC4-6F175D3DCCD1}">
-              <a14:hiddenFill xmlns:a14="http://schemas.microsoft.com/office/drawing/2010/main">
-                <a:solidFill>
-                  <a:srgbClr val="FFFFFF"/>
-                </a:solidFill>
-              </a14:hiddenFill>
-            </a:ext>
-          </a:extLst>
-        </p:spPr>
-      </p:pic>
-    </p:spTree>
-    <p:extLst>
-      <p:ext uri="{BB962C8B-B14F-4D97-AF65-F5344CB8AC3E}">
-        <p14:creationId xmlns:p14="http://schemas.microsoft.com/office/powerpoint/2010/main" val="1230998975"/>
-      </p:ext>
-    </p:extLst>
-  </p:cSld>
-  <p:clrMapOvr>
-    <a:masterClrMapping/>
-  </p:clrMapOvr>
-  <p:timing>
-    <p:tnLst>
-      <p:par>
-        <p:cTn id="1" dur="indefinite" restart="never" nodeType="tmRoot"/>
-      </p:par>
-    </p:tnLst>
-  </p:timing>
-</p:sld>
-</file>
-
 <file path=ppt/slides/slide5.xml><?xml version="1.0" encoding="utf-8"?>
 <p:sld xmlns:a="http://schemas.openxmlformats.org/drawingml/2006/main" xmlns:r="http://schemas.openxmlformats.org/officeDocument/2006/relationships" xmlns:p="http://schemas.openxmlformats.org/presentationml/2006/main">
   <p:cSld>
@@ -12553,63 +13053,111 @@
           <a:lstStyle/>
           <a:p>
             <a:r>
-              <a:rPr lang="zh-CN" altLang="zh-CN" dirty="0"/>
+              <a:rPr lang="zh-CN" altLang="zh-CN" b="1" dirty="0">
+                <a:latin typeface="微软雅黑" panose="020B0503020204020204" pitchFamily="34" charset="-122"/>
+                <a:ea typeface="微软雅黑" panose="020B0503020204020204" pitchFamily="34" charset="-122"/>
+              </a:rPr>
               <a:t>健壮</a:t>
             </a:r>
             <a:r>
-              <a:rPr lang="zh-CN" altLang="zh-CN" dirty="0" smtClean="0"/>
-              <a:t>性需求</a:t>
-            </a:r>
-            <a:r>
-              <a:rPr lang="zh-CN" altLang="en-US" dirty="0" smtClean="0"/>
+              <a:rPr lang="zh-CN" altLang="zh-CN" b="1" dirty="0" smtClean="0">
+                <a:latin typeface="微软雅黑" panose="020B0503020204020204" pitchFamily="34" charset="-122"/>
+                <a:ea typeface="微软雅黑" panose="020B0503020204020204" pitchFamily="34" charset="-122"/>
+              </a:rPr>
+              <a:t>性</a:t>
+            </a:r>
+            <a:r>
+              <a:rPr lang="zh-CN" altLang="en-US" dirty="0" smtClean="0">
+                <a:latin typeface="微软雅黑" panose="020B0503020204020204" pitchFamily="34" charset="-122"/>
+                <a:ea typeface="微软雅黑" panose="020B0503020204020204" pitchFamily="34" charset="-122"/>
+              </a:rPr>
               <a:t>：足够在各种文本环境下工作</a:t>
             </a:r>
-            <a:endParaRPr lang="en-US" altLang="zh-CN" dirty="0" smtClean="0"/>
-          </a:p>
-          <a:p>
-            <a:r>
-              <a:rPr lang="zh-CN" altLang="zh-CN" dirty="0"/>
-              <a:t>扩展性需</a:t>
-            </a:r>
-            <a:r>
-              <a:rPr lang="zh-CN" altLang="zh-CN" dirty="0" smtClean="0"/>
-              <a:t>求</a:t>
-            </a:r>
-            <a:r>
-              <a:rPr lang="zh-CN" altLang="en-US" dirty="0" smtClean="0"/>
+            <a:endParaRPr lang="en-US" altLang="zh-CN" dirty="0" smtClean="0">
+              <a:latin typeface="微软雅黑" panose="020B0503020204020204" pitchFamily="34" charset="-122"/>
+              <a:ea typeface="微软雅黑" panose="020B0503020204020204" pitchFamily="34" charset="-122"/>
+            </a:endParaRPr>
+          </a:p>
+          <a:p>
+            <a:r>
+              <a:rPr lang="zh-CN" altLang="zh-CN" b="1" dirty="0">
+                <a:latin typeface="微软雅黑" panose="020B0503020204020204" pitchFamily="34" charset="-122"/>
+                <a:ea typeface="微软雅黑" panose="020B0503020204020204" pitchFamily="34" charset="-122"/>
+              </a:rPr>
+              <a:t>扩展</a:t>
+            </a:r>
+            <a:r>
+              <a:rPr lang="zh-CN" altLang="zh-CN" b="1" dirty="0" smtClean="0">
+                <a:latin typeface="微软雅黑" panose="020B0503020204020204" pitchFamily="34" charset="-122"/>
+                <a:ea typeface="微软雅黑" panose="020B0503020204020204" pitchFamily="34" charset="-122"/>
+              </a:rPr>
+              <a:t>性</a:t>
+            </a:r>
+            <a:r>
+              <a:rPr lang="zh-CN" altLang="en-US" dirty="0" smtClean="0">
+                <a:latin typeface="微软雅黑" panose="020B0503020204020204" pitchFamily="34" charset="-122"/>
+                <a:ea typeface="微软雅黑" panose="020B0503020204020204" pitchFamily="34" charset="-122"/>
+              </a:rPr>
               <a:t>：能够随着需求变化灵活调整</a:t>
             </a:r>
-            <a:endParaRPr lang="en-US" altLang="zh-CN" dirty="0" smtClean="0"/>
-          </a:p>
-          <a:p>
-            <a:r>
-              <a:rPr lang="zh-CN" altLang="zh-CN" dirty="0"/>
-              <a:t>正确性需</a:t>
-            </a:r>
-            <a:r>
-              <a:rPr lang="zh-CN" altLang="zh-CN" dirty="0" smtClean="0"/>
-              <a:t>求</a:t>
-            </a:r>
-            <a:r>
-              <a:rPr lang="zh-CN" altLang="en-US" dirty="0" smtClean="0"/>
+            <a:endParaRPr lang="en-US" altLang="zh-CN" dirty="0" smtClean="0">
+              <a:latin typeface="微软雅黑" panose="020B0503020204020204" pitchFamily="34" charset="-122"/>
+              <a:ea typeface="微软雅黑" panose="020B0503020204020204" pitchFamily="34" charset="-122"/>
+            </a:endParaRPr>
+          </a:p>
+          <a:p>
+            <a:r>
+              <a:rPr lang="zh-CN" altLang="zh-CN" b="1" dirty="0">
+                <a:latin typeface="微软雅黑" panose="020B0503020204020204" pitchFamily="34" charset="-122"/>
+                <a:ea typeface="微软雅黑" panose="020B0503020204020204" pitchFamily="34" charset="-122"/>
+              </a:rPr>
+              <a:t>正确</a:t>
+            </a:r>
+            <a:r>
+              <a:rPr lang="zh-CN" altLang="zh-CN" b="1" dirty="0" smtClean="0">
+                <a:latin typeface="微软雅黑" panose="020B0503020204020204" pitchFamily="34" charset="-122"/>
+                <a:ea typeface="微软雅黑" panose="020B0503020204020204" pitchFamily="34" charset="-122"/>
+              </a:rPr>
+              <a:t>性</a:t>
+            </a:r>
+            <a:r>
+              <a:rPr lang="zh-CN" altLang="en-US" dirty="0" smtClean="0">
+                <a:latin typeface="微软雅黑" panose="020B0503020204020204" pitchFamily="34" charset="-122"/>
+                <a:ea typeface="微软雅黑" panose="020B0503020204020204" pitchFamily="34" charset="-122"/>
+              </a:rPr>
               <a:t>：保证最少的误报以保证安全</a:t>
             </a:r>
-            <a:endParaRPr lang="en-US" altLang="zh-CN" dirty="0" smtClean="0"/>
-          </a:p>
-          <a:p>
-            <a:r>
-              <a:rPr lang="zh-CN" altLang="zh-CN" dirty="0"/>
-              <a:t>性能需</a:t>
-            </a:r>
-            <a:r>
-              <a:rPr lang="zh-CN" altLang="zh-CN" dirty="0" smtClean="0"/>
-              <a:t>求</a:t>
-            </a:r>
-            <a:r>
-              <a:rPr lang="zh-CN" altLang="en-US" dirty="0" smtClean="0"/>
+            <a:endParaRPr lang="en-US" altLang="zh-CN" dirty="0" smtClean="0">
+              <a:latin typeface="微软雅黑" panose="020B0503020204020204" pitchFamily="34" charset="-122"/>
+              <a:ea typeface="微软雅黑" panose="020B0503020204020204" pitchFamily="34" charset="-122"/>
+            </a:endParaRPr>
+          </a:p>
+          <a:p>
+            <a:r>
+              <a:rPr lang="zh-CN" altLang="zh-CN" b="1" dirty="0">
+                <a:latin typeface="微软雅黑" panose="020B0503020204020204" pitchFamily="34" charset="-122"/>
+                <a:ea typeface="微软雅黑" panose="020B0503020204020204" pitchFamily="34" charset="-122"/>
+              </a:rPr>
+              <a:t>性</a:t>
+            </a:r>
+            <a:r>
+              <a:rPr lang="zh-CN" altLang="zh-CN" b="1" dirty="0" smtClean="0">
+                <a:latin typeface="微软雅黑" panose="020B0503020204020204" pitchFamily="34" charset="-122"/>
+                <a:ea typeface="微软雅黑" panose="020B0503020204020204" pitchFamily="34" charset="-122"/>
+              </a:rPr>
+              <a:t>能</a:t>
+            </a:r>
+            <a:r>
+              <a:rPr lang="zh-CN" altLang="en-US" dirty="0" smtClean="0">
+                <a:latin typeface="微软雅黑" panose="020B0503020204020204" pitchFamily="34" charset="-122"/>
+                <a:ea typeface="微软雅黑" panose="020B0503020204020204" pitchFamily="34" charset="-122"/>
+              </a:rPr>
               <a:t>：需要可以实时的完成算法效率</a:t>
             </a:r>
-            <a:endParaRPr lang="zh-CN" altLang="en-US" dirty="0"/>
+            <a:endParaRPr lang="zh-CN" altLang="en-US" dirty="0">
+              <a:latin typeface="微软雅黑" panose="020B0503020204020204" pitchFamily="34" charset="-122"/>
+              <a:ea typeface="微软雅黑" panose="020B0503020204020204" pitchFamily="34" charset="-122"/>
+            </a:endParaRPr>
           </a:p>
         </p:txBody>
       </p:sp>
@@ -12756,321 +13304,6 @@
                 <a:latin typeface="黑体" panose="02010609060101010101" pitchFamily="49" charset="-122"/>
                 <a:ea typeface="黑体" panose="02010609060101010101" pitchFamily="49" charset="-122"/>
               </a:rPr>
-              <a:t>机器学习算法的调研</a:t>
-            </a:r>
-            <a:endParaRPr lang="zh-CN" altLang="en-US" sz="3200" dirty="0">
-              <a:latin typeface="黑体" panose="02010609060101010101" pitchFamily="49" charset="-122"/>
-              <a:ea typeface="黑体" panose="02010609060101010101" pitchFamily="49" charset="-122"/>
-            </a:endParaRPr>
-          </a:p>
-        </p:txBody>
-      </p:sp>
-      <p:sp>
-        <p:nvSpPr>
-          <p:cNvPr id="4" name="Rectangle 19"/>
-          <p:cNvSpPr>
-            <a:spLocks noChangeArrowheads="1"/>
-          </p:cNvSpPr>
-          <p:nvPr/>
-        </p:nvSpPr>
-        <p:spPr bwMode="auto">
-          <a:xfrm>
-            <a:off x="0" y="6629400"/>
-            <a:ext cx="9144000" cy="228600"/>
-          </a:xfrm>
-          <a:prstGeom prst="rect">
-            <a:avLst/>
-          </a:prstGeom>
-          <a:solidFill>
-            <a:srgbClr val="0E03E7"/>
-          </a:solidFill>
-          <a:ln w="9525">
-            <a:solidFill>
-              <a:schemeClr val="tx1"/>
-            </a:solidFill>
-            <a:miter lim="800000"/>
-            <a:headEnd/>
-            <a:tailEnd/>
-          </a:ln>
-          <a:effectLst/>
-        </p:spPr>
-        <p:txBody>
-          <a:bodyPr wrap="none" anchor="ctr"/>
-          <a:lstStyle/>
-          <a:p>
-            <a:endParaRPr lang="zh-CN" altLang="en-US"/>
-          </a:p>
-        </p:txBody>
-      </p:sp>
-      <p:pic>
-        <p:nvPicPr>
-          <p:cNvPr id="5" name="Picture 18" descr="C:\Documents and Settings\Administrator\桌面\logo_small.jpg"/>
-          <p:cNvPicPr>
-            <a:picLocks noChangeAspect="1" noChangeArrowheads="1"/>
-          </p:cNvPicPr>
-          <p:nvPr/>
-        </p:nvPicPr>
-        <p:blipFill>
-          <a:blip r:embed="rId2">
-            <a:extLst>
-              <a:ext uri="{28A0092B-C50C-407E-A947-70E740481C1C}">
-                <a14:useLocalDpi xmlns:a14="http://schemas.microsoft.com/office/drawing/2010/main" val="0"/>
-              </a:ext>
-            </a:extLst>
-          </a:blip>
-          <a:srcRect/>
-          <a:stretch>
-            <a:fillRect/>
-          </a:stretch>
-        </p:blipFill>
-        <p:spPr bwMode="auto">
-          <a:xfrm>
-            <a:off x="152400" y="93663"/>
-            <a:ext cx="3124200" cy="820737"/>
-          </a:xfrm>
-          <a:prstGeom prst="rect">
-            <a:avLst/>
-          </a:prstGeom>
-          <a:noFill/>
-          <a:extLst>
-            <a:ext uri="{909E8E84-426E-40DD-AFC4-6F175D3DCCD1}">
-              <a14:hiddenFill xmlns:a14="http://schemas.microsoft.com/office/drawing/2010/main">
-                <a:solidFill>
-                  <a:srgbClr val="FFFFFF"/>
-                </a:solidFill>
-              </a14:hiddenFill>
-            </a:ext>
-          </a:extLst>
-        </p:spPr>
-      </p:pic>
-      <p:pic>
-        <p:nvPicPr>
-          <p:cNvPr id="7" name="Picture 2" descr="图示-KNN"/>
-          <p:cNvPicPr>
-            <a:picLocks noChangeAspect="1" noChangeArrowheads="1"/>
-          </p:cNvPicPr>
-          <p:nvPr/>
-        </p:nvPicPr>
-        <p:blipFill>
-          <a:blip r:embed="rId3">
-            <a:extLst>
-              <a:ext uri="{28A0092B-C50C-407E-A947-70E740481C1C}">
-                <a14:useLocalDpi xmlns:a14="http://schemas.microsoft.com/office/drawing/2010/main" val="0"/>
-              </a:ext>
-            </a:extLst>
-          </a:blip>
-          <a:srcRect/>
-          <a:stretch>
-            <a:fillRect/>
-          </a:stretch>
-        </p:blipFill>
-        <p:spPr bwMode="auto">
-          <a:xfrm>
-            <a:off x="3640668" y="2590800"/>
-            <a:ext cx="1693332" cy="1524000"/>
-          </a:xfrm>
-          <a:prstGeom prst="rect">
-            <a:avLst/>
-          </a:prstGeom>
-          <a:noFill/>
-          <a:extLst>
-            <a:ext uri="{909E8E84-426E-40DD-AFC4-6F175D3DCCD1}">
-              <a14:hiddenFill xmlns:a14="http://schemas.microsoft.com/office/drawing/2010/main">
-                <a:solidFill>
-                  <a:srgbClr val="FFFFFF"/>
-                </a:solidFill>
-              </a14:hiddenFill>
-            </a:ext>
-          </a:extLst>
-        </p:spPr>
-      </p:pic>
-      <p:pic>
-        <p:nvPicPr>
-          <p:cNvPr id="8" name="Picture 7"/>
-          <p:cNvPicPr/>
-          <p:nvPr/>
-        </p:nvPicPr>
-        <p:blipFill>
-          <a:blip r:embed="rId4">
-            <a:extLst>
-              <a:ext uri="{28A0092B-C50C-407E-A947-70E740481C1C}">
-                <a14:useLocalDpi xmlns:a14="http://schemas.microsoft.com/office/drawing/2010/main" val="0"/>
-              </a:ext>
-            </a:extLst>
-          </a:blip>
-          <a:srcRect/>
-          <a:stretch>
-            <a:fillRect/>
-          </a:stretch>
-        </p:blipFill>
-        <p:spPr bwMode="auto">
-          <a:xfrm>
-            <a:off x="5686425" y="1447800"/>
-            <a:ext cx="3076575" cy="2677054"/>
-          </a:xfrm>
-          <a:prstGeom prst="rect">
-            <a:avLst/>
-          </a:prstGeom>
-          <a:noFill/>
-          <a:ln>
-            <a:noFill/>
-          </a:ln>
-        </p:spPr>
-      </p:pic>
-      <p:pic>
-        <p:nvPicPr>
-          <p:cNvPr id="9" name="Picture 8"/>
-          <p:cNvPicPr/>
-          <p:nvPr/>
-        </p:nvPicPr>
-        <p:blipFill>
-          <a:blip r:embed="rId5"/>
-          <a:stretch>
-            <a:fillRect/>
-          </a:stretch>
-        </p:blipFill>
-        <p:spPr>
-          <a:xfrm>
-            <a:off x="3429000" y="4419600"/>
-            <a:ext cx="5372100" cy="1733550"/>
-          </a:xfrm>
-          <a:prstGeom prst="rect">
-            <a:avLst/>
-          </a:prstGeom>
-        </p:spPr>
-      </p:pic>
-      <p:sp>
-        <p:nvSpPr>
-          <p:cNvPr id="11" name="Content Placeholder 2"/>
-          <p:cNvSpPr>
-            <a:spLocks noGrp="1"/>
-          </p:cNvSpPr>
-          <p:nvPr>
-            <p:ph idx="1"/>
-          </p:nvPr>
-        </p:nvSpPr>
-        <p:spPr>
-          <a:xfrm>
-            <a:off x="419100" y="2362200"/>
-            <a:ext cx="2590800" cy="2438400"/>
-          </a:xfrm>
-        </p:spPr>
-        <p:txBody>
-          <a:bodyPr>
-            <a:normAutofit/>
-          </a:bodyPr>
-          <a:lstStyle/>
-          <a:p>
-            <a:r>
-              <a:rPr lang="en-US" altLang="zh-CN" dirty="0"/>
-              <a:t>K</a:t>
-            </a:r>
-            <a:r>
-              <a:rPr lang="zh-CN" altLang="zh-CN" dirty="0"/>
-              <a:t>近邻算</a:t>
-            </a:r>
-            <a:r>
-              <a:rPr lang="zh-CN" altLang="zh-CN" dirty="0" smtClean="0"/>
-              <a:t>法</a:t>
-            </a:r>
-            <a:endParaRPr lang="en-US" altLang="zh-CN" dirty="0" smtClean="0"/>
-          </a:p>
-          <a:p>
-            <a:r>
-              <a:rPr lang="zh-CN" altLang="en-US" dirty="0"/>
-              <a:t>决策</a:t>
-            </a:r>
-            <a:r>
-              <a:rPr lang="zh-CN" altLang="en-US" dirty="0" smtClean="0"/>
-              <a:t>树算法</a:t>
-            </a:r>
-            <a:endParaRPr lang="en-US" altLang="zh-CN" dirty="0" smtClean="0"/>
-          </a:p>
-          <a:p>
-            <a:r>
-              <a:rPr lang="en-US" altLang="zh-CN" dirty="0" smtClean="0"/>
-              <a:t>SVM</a:t>
-            </a:r>
-            <a:r>
-              <a:rPr lang="zh-CN" altLang="en-US" dirty="0" smtClean="0"/>
-              <a:t>算法</a:t>
-            </a:r>
-            <a:endParaRPr lang="en-US" altLang="zh-CN" dirty="0" smtClean="0"/>
-          </a:p>
-          <a:p>
-            <a:r>
-              <a:rPr lang="zh-CN" altLang="en-US" dirty="0"/>
-              <a:t>贝叶斯算法</a:t>
-            </a:r>
-            <a:endParaRPr lang="en-US" altLang="zh-CN" dirty="0" smtClean="0"/>
-          </a:p>
-        </p:txBody>
-      </p:sp>
-    </p:spTree>
-    <p:extLst>
-      <p:ext uri="{BB962C8B-B14F-4D97-AF65-F5344CB8AC3E}">
-        <p14:creationId xmlns:p14="http://schemas.microsoft.com/office/powerpoint/2010/main" val="3948911053"/>
-      </p:ext>
-    </p:extLst>
-  </p:cSld>
-  <p:clrMapOvr>
-    <a:masterClrMapping/>
-  </p:clrMapOvr>
-  <p:timing>
-    <p:tnLst>
-      <p:par>
-        <p:cTn id="1" dur="indefinite" restart="never" nodeType="tmRoot"/>
-      </p:par>
-    </p:tnLst>
-  </p:timing>
-</p:sld>
-</file>
-
-<file path=ppt/slides/slide7.xml><?xml version="1.0" encoding="utf-8"?>
-<p:sld xmlns:a="http://schemas.openxmlformats.org/drawingml/2006/main" xmlns:r="http://schemas.openxmlformats.org/officeDocument/2006/relationships" xmlns:p="http://schemas.openxmlformats.org/presentationml/2006/main">
-  <p:cSld>
-    <p:spTree>
-      <p:nvGrpSpPr>
-        <p:cNvPr id="1" name=""/>
-        <p:cNvGrpSpPr/>
-        <p:nvPr/>
-      </p:nvGrpSpPr>
-      <p:grpSpPr>
-        <a:xfrm>
-          <a:off x="0" y="0"/>
-          <a:ext cx="0" cy="0"/>
-          <a:chOff x="0" y="0"/>
-          <a:chExt cx="0" cy="0"/>
-        </a:xfrm>
-      </p:grpSpPr>
-      <p:sp>
-        <p:nvSpPr>
-          <p:cNvPr id="2" name="Title 1"/>
-          <p:cNvSpPr>
-            <a:spLocks noGrp="1"/>
-          </p:cNvSpPr>
-          <p:nvPr>
-            <p:ph type="title"/>
-          </p:nvPr>
-        </p:nvSpPr>
-        <p:spPr>
-          <a:xfrm>
-            <a:off x="457200" y="1066800"/>
-            <a:ext cx="8229600" cy="914400"/>
-          </a:xfrm>
-        </p:spPr>
-        <p:txBody>
-          <a:bodyPr>
-            <a:normAutofit/>
-          </a:bodyPr>
-          <a:lstStyle/>
-          <a:p>
-            <a:pPr algn="l"/>
-            <a:r>
-              <a:rPr lang="zh-CN" altLang="en-US" sz="3200" dirty="0" smtClean="0">
-                <a:latin typeface="黑体" panose="02010609060101010101" pitchFamily="49" charset="-122"/>
-                <a:ea typeface="黑体" panose="02010609060101010101" pitchFamily="49" charset="-122"/>
-              </a:rPr>
               <a:t>总体设计</a:t>
             </a:r>
             <a:endParaRPr lang="zh-CN" altLang="en-US" sz="3200" dirty="0">
@@ -13243,7 +13476,7 @@
           <a:graphicData uri="http://schemas.openxmlformats.org/presentationml/2006/ole">
             <mc:AlternateContent xmlns:mc="http://schemas.openxmlformats.org/markup-compatibility/2006">
               <mc:Choice xmlns:v="urn:schemas-microsoft-com:vml" Requires="v">
-                <p:oleObj spid="_x0000_s3396" name="Visio" r:id="rId4" imgW="6208668" imgH="2482743" progId="Visio.Drawing.11">
+                <p:oleObj spid="_x0000_s3488" name="Visio" r:id="rId4" imgW="6208668" imgH="2482743" progId="Visio.Drawing.11">
                   <p:embed/>
                 </p:oleObj>
               </mc:Choice>
@@ -13395,7 +13628,7 @@
           <a:graphicData uri="http://schemas.openxmlformats.org/presentationml/2006/ole">
             <mc:AlternateContent xmlns:mc="http://schemas.openxmlformats.org/markup-compatibility/2006">
               <mc:Choice xmlns:v="urn:schemas-microsoft-com:vml" Requires="v">
-                <p:oleObj spid="_x0000_s3397" name="Visio" r:id="rId6" imgW="6065109" imgH="2213250" progId="Visio.Drawing.11">
+                <p:oleObj spid="_x0000_s3489" name="Visio" r:id="rId6" imgW="6065109" imgH="2213250" progId="Visio.Drawing.11">
                   <p:embed/>
                 </p:oleObj>
               </mc:Choice>
@@ -13472,24 +13705,42 @@
           <a:lstStyle/>
           <a:p>
             <a:r>
-              <a:rPr lang="zh-CN" altLang="en-US" dirty="0" smtClean="0"/>
+              <a:rPr lang="zh-CN" altLang="en-US" dirty="0" smtClean="0">
+                <a:latin typeface="微软雅黑" panose="020B0503020204020204" pitchFamily="34" charset="-122"/>
+                <a:ea typeface="微软雅黑" panose="020B0503020204020204" pitchFamily="34" charset="-122"/>
+              </a:rPr>
               <a:t>收集数据</a:t>
             </a:r>
-            <a:endParaRPr lang="en-US" altLang="zh-CN" dirty="0" smtClean="0"/>
-          </a:p>
-          <a:p>
-            <a:r>
-              <a:rPr lang="zh-CN" altLang="en-US" dirty="0" smtClean="0"/>
+            <a:endParaRPr lang="en-US" altLang="zh-CN" dirty="0" smtClean="0">
+              <a:latin typeface="微软雅黑" panose="020B0503020204020204" pitchFamily="34" charset="-122"/>
+              <a:ea typeface="微软雅黑" panose="020B0503020204020204" pitchFamily="34" charset="-122"/>
+            </a:endParaRPr>
+          </a:p>
+          <a:p>
+            <a:r>
+              <a:rPr lang="zh-CN" altLang="en-US" dirty="0" smtClean="0">
+                <a:latin typeface="微软雅黑" panose="020B0503020204020204" pitchFamily="34" charset="-122"/>
+                <a:ea typeface="微软雅黑" panose="020B0503020204020204" pitchFamily="34" charset="-122"/>
+              </a:rPr>
               <a:t>标记数据</a:t>
             </a:r>
-            <a:endParaRPr lang="en-US" altLang="zh-CN" dirty="0" smtClean="0"/>
-          </a:p>
-          <a:p>
-            <a:r>
-              <a:rPr lang="zh-CN" altLang="en-US" dirty="0" smtClean="0"/>
+            <a:endParaRPr lang="en-US" altLang="zh-CN" dirty="0" smtClean="0">
+              <a:latin typeface="微软雅黑" panose="020B0503020204020204" pitchFamily="34" charset="-122"/>
+              <a:ea typeface="微软雅黑" panose="020B0503020204020204" pitchFamily="34" charset="-122"/>
+            </a:endParaRPr>
+          </a:p>
+          <a:p>
+            <a:r>
+              <a:rPr lang="zh-CN" altLang="en-US" dirty="0" smtClean="0">
+                <a:latin typeface="微软雅黑" panose="020B0503020204020204" pitchFamily="34" charset="-122"/>
+                <a:ea typeface="微软雅黑" panose="020B0503020204020204" pitchFamily="34" charset="-122"/>
+              </a:rPr>
               <a:t>使用数据进行实验</a:t>
             </a:r>
-            <a:endParaRPr lang="zh-CN" altLang="en-US" dirty="0"/>
+            <a:endParaRPr lang="zh-CN" altLang="en-US" dirty="0">
+              <a:latin typeface="微软雅黑" panose="020B0503020204020204" pitchFamily="34" charset="-122"/>
+              <a:ea typeface="微软雅黑" panose="020B0503020204020204" pitchFamily="34" charset="-122"/>
+            </a:endParaRPr>
           </a:p>
         </p:txBody>
       </p:sp>
@@ -13513,7 +13764,7 @@
 </p:sld>
 </file>
 
-<file path=ppt/slides/slide8.xml><?xml version="1.0" encoding="utf-8"?>
+<file path=ppt/slides/slide7.xml><?xml version="1.0" encoding="utf-8"?>
 <p:sld xmlns:a="http://schemas.openxmlformats.org/drawingml/2006/main" xmlns:r="http://schemas.openxmlformats.org/officeDocument/2006/relationships" xmlns:p="http://schemas.openxmlformats.org/presentationml/2006/main">
   <p:cSld>
     <p:spTree>
@@ -13795,19 +14046,31 @@
           <a:lstStyle/>
           <a:p>
             <a:r>
-              <a:rPr lang="zh-CN" altLang="en-US" dirty="0" smtClean="0"/>
+              <a:rPr lang="zh-CN" altLang="en-US" dirty="0" smtClean="0">
+                <a:latin typeface="微软雅黑" panose="020B0503020204020204" pitchFamily="34" charset="-122"/>
+                <a:ea typeface="微软雅黑" panose="020B0503020204020204" pitchFamily="34" charset="-122"/>
+              </a:rPr>
               <a:t>曾设</a:t>
             </a:r>
             <a:r>
-              <a:rPr lang="zh-CN" altLang="en-US" dirty="0"/>
+              <a:rPr lang="zh-CN" altLang="en-US" dirty="0">
+                <a:latin typeface="微软雅黑" panose="020B0503020204020204" pitchFamily="34" charset="-122"/>
+                <a:ea typeface="微软雅黑" panose="020B0503020204020204" pitchFamily="34" charset="-122"/>
+              </a:rPr>
               <a:t>计使用</a:t>
             </a:r>
             <a:r>
-              <a:rPr lang="zh-CN" altLang="en-US" dirty="0" smtClean="0"/>
+              <a:rPr lang="zh-CN" altLang="en-US" dirty="0" smtClean="0">
+                <a:latin typeface="微软雅黑" panose="020B0503020204020204" pitchFamily="34" charset="-122"/>
+                <a:ea typeface="微软雅黑" panose="020B0503020204020204" pitchFamily="34" charset="-122"/>
+              </a:rPr>
               <a:t>的大型数据收集</a:t>
             </a:r>
             <a:r>
-              <a:rPr lang="en-US" altLang="zh-CN" dirty="0" smtClean="0"/>
+              <a:rPr lang="en-US" altLang="zh-CN" dirty="0" smtClean="0">
+                <a:latin typeface="微软雅黑" panose="020B0503020204020204" pitchFamily="34" charset="-122"/>
+                <a:ea typeface="微软雅黑" panose="020B0503020204020204" pitchFamily="34" charset="-122"/>
+              </a:rPr>
               <a:t>Pipeline System</a:t>
             </a:r>
           </a:p>
@@ -13833,7 +14096,7 @@
 </p:sld>
 </file>
 
-<file path=ppt/slides/slide9.xml><?xml version="1.0" encoding="utf-8"?>
+<file path=ppt/slides/slide8.xml><?xml version="1.0" encoding="utf-8"?>
 <p:sld xmlns:a="http://schemas.openxmlformats.org/drawingml/2006/main" xmlns:r="http://schemas.openxmlformats.org/officeDocument/2006/relationships" xmlns:p="http://schemas.openxmlformats.org/presentationml/2006/main">
   <p:cSld>
     <p:spTree>
@@ -14041,46 +14304,66 @@
         <p:spPr>
           <a:xfrm>
             <a:off x="457200" y="2362200"/>
-            <a:ext cx="2819400" cy="3581400"/>
+            <a:ext cx="3124200" cy="3581400"/>
           </a:xfrm>
         </p:spPr>
         <p:txBody>
           <a:bodyPr>
-            <a:normAutofit lnSpcReduction="10000"/>
+            <a:normAutofit/>
           </a:bodyPr>
           <a:lstStyle/>
           <a:p>
             <a:r>
-              <a:rPr lang="zh-CN" altLang="en-US" dirty="0"/>
+              <a:rPr lang="zh-CN" altLang="en-US" sz="2400" b="1" dirty="0">
+                <a:latin typeface="微软雅黑" panose="020B0503020204020204" pitchFamily="34" charset="-122"/>
+                <a:ea typeface="微软雅黑" panose="020B0503020204020204" pitchFamily="34" charset="-122"/>
+              </a:rPr>
               <a:t>抓</a:t>
             </a:r>
             <a:r>
-              <a:rPr lang="zh-CN" altLang="en-US" dirty="0" smtClean="0"/>
+              <a:rPr lang="zh-CN" altLang="en-US" sz="2400" b="1" dirty="0" smtClean="0">
+                <a:latin typeface="微软雅黑" panose="020B0503020204020204" pitchFamily="34" charset="-122"/>
+                <a:ea typeface="微软雅黑" panose="020B0503020204020204" pitchFamily="34" charset="-122"/>
+              </a:rPr>
               <a:t>取</a:t>
             </a:r>
             <a:r>
-              <a:rPr lang="zh-CN" altLang="en-US" dirty="0"/>
+              <a:rPr lang="zh-CN" altLang="en-US" sz="2400" b="1" dirty="0">
+                <a:latin typeface="微软雅黑" panose="020B0503020204020204" pitchFamily="34" charset="-122"/>
+                <a:ea typeface="微软雅黑" panose="020B0503020204020204" pitchFamily="34" charset="-122"/>
+              </a:rPr>
               <a:t>工具</a:t>
             </a:r>
             <a:r>
-              <a:rPr lang="zh-CN" altLang="en-US" dirty="0" smtClean="0"/>
-              <a:t>的控制台界面截图</a:t>
-            </a:r>
-            <a:endParaRPr lang="en-US" altLang="zh-CN" dirty="0" smtClean="0"/>
-          </a:p>
-          <a:p>
-            <a:endParaRPr lang="en-US" altLang="zh-CN" dirty="0" smtClean="0"/>
-          </a:p>
-          <a:p>
-            <a:r>
-              <a:rPr lang="zh-CN" altLang="en-US" dirty="0" smtClean="0"/>
+              <a:rPr lang="zh-CN" altLang="en-US" sz="2400" b="1" dirty="0" smtClean="0">
+                <a:latin typeface="微软雅黑" panose="020B0503020204020204" pitchFamily="34" charset="-122"/>
+                <a:ea typeface="微软雅黑" panose="020B0503020204020204" pitchFamily="34" charset="-122"/>
+              </a:rPr>
+              <a:t>的控制台界面</a:t>
+            </a:r>
+            <a:endParaRPr lang="en-US" altLang="zh-CN" sz="2400" b="1" dirty="0" smtClean="0">
+              <a:latin typeface="微软雅黑" panose="020B0503020204020204" pitchFamily="34" charset="-122"/>
+              <a:ea typeface="微软雅黑" panose="020B0503020204020204" pitchFamily="34" charset="-122"/>
+            </a:endParaRPr>
+          </a:p>
+          <a:p>
+            <a:endParaRPr lang="en-US" altLang="zh-CN" dirty="0" smtClean="0">
+              <a:latin typeface="微软雅黑" panose="020B0503020204020204" pitchFamily="34" charset="-122"/>
+              <a:ea typeface="微软雅黑" panose="020B0503020204020204" pitchFamily="34" charset="-122"/>
+            </a:endParaRPr>
+          </a:p>
+          <a:p>
+            <a:r>
+              <a:rPr lang="zh-CN" altLang="en-US" sz="2400" b="1" dirty="0" smtClean="0">
+                <a:latin typeface="微软雅黑" panose="020B0503020204020204" pitchFamily="34" charset="-122"/>
+                <a:ea typeface="微软雅黑" panose="020B0503020204020204" pitchFamily="34" charset="-122"/>
+              </a:rPr>
               <a:t>标记工具的工作时界面</a:t>
             </a:r>
-            <a:r>
-              <a:rPr lang="zh-CN" altLang="en-US" dirty="0"/>
-              <a:t>截图</a:t>
-            </a:r>
-            <a:endParaRPr lang="en-US" altLang="zh-CN" dirty="0" smtClean="0"/>
+            <a:endParaRPr lang="en-US" altLang="zh-CN" sz="2400" b="1" dirty="0" smtClean="0">
+              <a:latin typeface="微软雅黑" panose="020B0503020204020204" pitchFamily="34" charset="-122"/>
+              <a:ea typeface="微软雅黑" panose="020B0503020204020204" pitchFamily="34" charset="-122"/>
+            </a:endParaRPr>
           </a:p>
         </p:txBody>
       </p:sp>
@@ -14154,6 +14437,395 @@
     <p:extLst>
       <p:ext uri="{BB962C8B-B14F-4D97-AF65-F5344CB8AC3E}">
         <p14:creationId xmlns:p14="http://schemas.microsoft.com/office/powerpoint/2010/main" val="3626574325"/>
+      </p:ext>
+    </p:extLst>
+  </p:cSld>
+  <p:clrMapOvr>
+    <a:masterClrMapping/>
+  </p:clrMapOvr>
+  <p:timing>
+    <p:tnLst>
+      <p:par>
+        <p:cTn id="1" dur="indefinite" restart="never" nodeType="tmRoot"/>
+      </p:par>
+    </p:tnLst>
+  </p:timing>
+</p:sld>
+</file>
+
+<file path=ppt/slides/slide9.xml><?xml version="1.0" encoding="utf-8"?>
+<p:sld xmlns:a="http://schemas.openxmlformats.org/drawingml/2006/main" xmlns:r="http://schemas.openxmlformats.org/officeDocument/2006/relationships" xmlns:p="http://schemas.openxmlformats.org/presentationml/2006/main">
+  <p:cSld>
+    <p:spTree>
+      <p:nvGrpSpPr>
+        <p:cNvPr id="1" name=""/>
+        <p:cNvGrpSpPr/>
+        <p:nvPr/>
+      </p:nvGrpSpPr>
+      <p:grpSpPr>
+        <a:xfrm>
+          <a:off x="0" y="0"/>
+          <a:ext cx="0" cy="0"/>
+          <a:chOff x="0" y="0"/>
+          <a:chExt cx="0" cy="0"/>
+        </a:xfrm>
+      </p:grpSpPr>
+      <p:sp>
+        <p:nvSpPr>
+          <p:cNvPr id="2" name="Title 1"/>
+          <p:cNvSpPr>
+            <a:spLocks noGrp="1"/>
+          </p:cNvSpPr>
+          <p:nvPr>
+            <p:ph type="title"/>
+          </p:nvPr>
+        </p:nvSpPr>
+        <p:spPr>
+          <a:xfrm>
+            <a:off x="457200" y="1066800"/>
+            <a:ext cx="4419600" cy="914400"/>
+          </a:xfrm>
+        </p:spPr>
+        <p:txBody>
+          <a:bodyPr>
+            <a:normAutofit/>
+          </a:bodyPr>
+          <a:lstStyle/>
+          <a:p>
+            <a:pPr algn="l"/>
+            <a:r>
+              <a:rPr lang="zh-CN" altLang="en-US" sz="3200" dirty="0" smtClean="0">
+                <a:latin typeface="黑体" panose="02010609060101010101" pitchFamily="49" charset="-122"/>
+                <a:ea typeface="黑体" panose="02010609060101010101" pitchFamily="49" charset="-122"/>
+              </a:rPr>
+              <a:t>关键问题及解决方案</a:t>
+            </a:r>
+            <a:endParaRPr lang="zh-CN" altLang="en-US" sz="3200" dirty="0">
+              <a:latin typeface="黑体" panose="02010609060101010101" pitchFamily="49" charset="-122"/>
+              <a:ea typeface="黑体" panose="02010609060101010101" pitchFamily="49" charset="-122"/>
+            </a:endParaRPr>
+          </a:p>
+        </p:txBody>
+      </p:sp>
+      <p:sp>
+        <p:nvSpPr>
+          <p:cNvPr id="4" name="Rectangle 19"/>
+          <p:cNvSpPr>
+            <a:spLocks noChangeArrowheads="1"/>
+          </p:cNvSpPr>
+          <p:nvPr/>
+        </p:nvSpPr>
+        <p:spPr bwMode="auto">
+          <a:xfrm>
+            <a:off x="0" y="6629400"/>
+            <a:ext cx="9144000" cy="228600"/>
+          </a:xfrm>
+          <a:prstGeom prst="rect">
+            <a:avLst/>
+          </a:prstGeom>
+          <a:solidFill>
+            <a:srgbClr val="0E03E7"/>
+          </a:solidFill>
+          <a:ln w="9525">
+            <a:solidFill>
+              <a:schemeClr val="tx1"/>
+            </a:solidFill>
+            <a:miter lim="800000"/>
+            <a:headEnd/>
+            <a:tailEnd/>
+          </a:ln>
+          <a:effectLst/>
+        </p:spPr>
+        <p:txBody>
+          <a:bodyPr wrap="none" anchor="ctr"/>
+          <a:lstStyle/>
+          <a:p>
+            <a:endParaRPr lang="zh-CN" altLang="en-US"/>
+          </a:p>
+        </p:txBody>
+      </p:sp>
+      <p:pic>
+        <p:nvPicPr>
+          <p:cNvPr id="5" name="Picture 18" descr="C:\Documents and Settings\Administrator\桌面\logo_small.jpg"/>
+          <p:cNvPicPr>
+            <a:picLocks noChangeAspect="1" noChangeArrowheads="1"/>
+          </p:cNvPicPr>
+          <p:nvPr/>
+        </p:nvPicPr>
+        <p:blipFill>
+          <a:blip r:embed="rId3">
+            <a:extLst>
+              <a:ext uri="{28A0092B-C50C-407E-A947-70E740481C1C}">
+                <a14:useLocalDpi xmlns:a14="http://schemas.microsoft.com/office/drawing/2010/main" val="0"/>
+              </a:ext>
+            </a:extLst>
+          </a:blip>
+          <a:srcRect/>
+          <a:stretch>
+            <a:fillRect/>
+          </a:stretch>
+        </p:blipFill>
+        <p:spPr bwMode="auto">
+          <a:xfrm>
+            <a:off x="152400" y="93663"/>
+            <a:ext cx="3124200" cy="820737"/>
+          </a:xfrm>
+          <a:prstGeom prst="rect">
+            <a:avLst/>
+          </a:prstGeom>
+          <a:noFill/>
+          <a:extLst>
+            <a:ext uri="{909E8E84-426E-40DD-AFC4-6F175D3DCCD1}">
+              <a14:hiddenFill xmlns:a14="http://schemas.microsoft.com/office/drawing/2010/main">
+                <a:solidFill>
+                  <a:srgbClr val="FFFFFF"/>
+                </a:solidFill>
+              </a14:hiddenFill>
+            </a:ext>
+          </a:extLst>
+        </p:spPr>
+      </p:pic>
+      <p:sp>
+        <p:nvSpPr>
+          <p:cNvPr id="6" name="Rectangle 2"/>
+          <p:cNvSpPr>
+            <a:spLocks noChangeArrowheads="1"/>
+          </p:cNvSpPr>
+          <p:nvPr/>
+        </p:nvSpPr>
+        <p:spPr bwMode="auto">
+          <a:xfrm>
+            <a:off x="0" y="0"/>
+            <a:ext cx="9144000" cy="0"/>
+          </a:xfrm>
+          <a:prstGeom prst="rect">
+            <a:avLst/>
+          </a:prstGeom>
+          <a:noFill/>
+          <a:ln>
+            <a:noFill/>
+          </a:ln>
+          <a:effectLst/>
+          <a:extLst>
+            <a:ext uri="{909E8E84-426E-40DD-AFC4-6F175D3DCCD1}">
+              <a14:hiddenFill xmlns:a14="http://schemas.microsoft.com/office/drawing/2010/main">
+                <a:solidFill>
+                  <a:schemeClr val="accent1"/>
+                </a:solidFill>
+              </a14:hiddenFill>
+            </a:ext>
+            <a:ext uri="{91240B29-F687-4F45-9708-019B960494DF}">
+              <a14:hiddenLine xmlns:a14="http://schemas.microsoft.com/office/drawing/2010/main" w="9525">
+                <a:solidFill>
+                  <a:schemeClr val="tx1"/>
+                </a:solidFill>
+                <a:miter lim="800000"/>
+                <a:headEnd/>
+                <a:tailEnd/>
+              </a14:hiddenLine>
+            </a:ext>
+            <a:ext uri="{AF507438-7753-43E0-B8FC-AC1667EBCBE1}">
+              <a14:hiddenEffects xmlns:a14="http://schemas.microsoft.com/office/drawing/2010/main">
+                <a:effectLst>
+                  <a:outerShdw dist="35921" dir="2700000" algn="ctr" rotWithShape="0">
+                    <a:schemeClr val="bg2"/>
+                  </a:outerShdw>
+                </a:effectLst>
+              </a14:hiddenEffects>
+            </a:ext>
+          </a:extLst>
+        </p:spPr>
+        <p:txBody>
+          <a:bodyPr vert="horz" wrap="none" lIns="91440" tIns="45720" rIns="91440" bIns="45720" numCol="1" anchor="ctr" anchorCtr="0" compatLnSpc="1">
+            <a:prstTxWarp prst="textNoShape">
+              <a:avLst/>
+            </a:prstTxWarp>
+            <a:spAutoFit/>
+          </a:bodyPr>
+          <a:lstStyle/>
+          <a:p>
+            <a:endParaRPr lang="zh-CN" altLang="en-US"/>
+          </a:p>
+        </p:txBody>
+      </p:sp>
+      <p:graphicFrame>
+        <p:nvGraphicFramePr>
+          <p:cNvPr id="7" name="Object 6"/>
+          <p:cNvGraphicFramePr>
+            <a:graphicFrameLocks noChangeAspect="1"/>
+          </p:cNvGraphicFramePr>
+          <p:nvPr>
+            <p:extLst>
+              <p:ext uri="{D42A27DB-BD31-4B8C-83A1-F6EECF244321}">
+                <p14:modId xmlns:p14="http://schemas.microsoft.com/office/powerpoint/2010/main" val="800001420"/>
+              </p:ext>
+            </p:extLst>
+          </p:nvPr>
+        </p:nvGraphicFramePr>
+        <p:xfrm>
+          <a:off x="4529004" y="228600"/>
+          <a:ext cx="4462596" cy="5917071"/>
+        </p:xfrm>
+        <a:graphic>
+          <a:graphicData uri="http://schemas.openxmlformats.org/presentationml/2006/ole">
+            <mc:AlternateContent xmlns:mc="http://schemas.openxmlformats.org/markup-compatibility/2006">
+              <mc:Choice xmlns:v="urn:schemas-microsoft-com:vml" Requires="v">
+                <p:oleObj spid="_x0000_s6342" name="Visio" r:id="rId4" imgW="5282819" imgH="7012768" progId="Visio.Drawing.11">
+                  <p:embed/>
+                </p:oleObj>
+              </mc:Choice>
+              <mc:Fallback>
+                <p:oleObj name="Visio" r:id="rId4" imgW="5282819" imgH="7012768" progId="Visio.Drawing.11">
+                  <p:embed/>
+                  <p:pic>
+                    <p:nvPicPr>
+                      <p:cNvPr id="0" name="Object 1"/>
+                      <p:cNvPicPr>
+                        <a:picLocks noChangeAspect="1" noChangeArrowheads="1"/>
+                      </p:cNvPicPr>
+                      <p:nvPr/>
+                    </p:nvPicPr>
+                    <p:blipFill>
+                      <a:blip r:embed="rId5">
+                        <a:extLst>
+                          <a:ext uri="{28A0092B-C50C-407E-A947-70E740481C1C}">
+                            <a14:useLocalDpi xmlns:a14="http://schemas.microsoft.com/office/drawing/2010/main" val="0"/>
+                          </a:ext>
+                        </a:extLst>
+                      </a:blip>
+                      <a:srcRect/>
+                      <a:stretch>
+                        <a:fillRect/>
+                      </a:stretch>
+                    </p:blipFill>
+                    <p:spPr bwMode="auto">
+                      <a:xfrm>
+                        <a:off x="4529004" y="228600"/>
+                        <a:ext cx="4462596" cy="5917071"/>
+                      </a:xfrm>
+                      <a:prstGeom prst="rect">
+                        <a:avLst/>
+                      </a:prstGeom>
+                      <a:noFill/>
+                    </p:spPr>
+                  </p:pic>
+                </p:oleObj>
+              </mc:Fallback>
+            </mc:AlternateContent>
+          </a:graphicData>
+        </a:graphic>
+      </p:graphicFrame>
+      <p:pic>
+        <p:nvPicPr>
+          <p:cNvPr id="6147" name="Picture 3"/>
+          <p:cNvPicPr>
+            <a:picLocks noChangeAspect="1" noChangeArrowheads="1"/>
+          </p:cNvPicPr>
+          <p:nvPr/>
+        </p:nvPicPr>
+        <p:blipFill>
+          <a:blip r:embed="rId6">
+            <a:extLst>
+              <a:ext uri="{28A0092B-C50C-407E-A947-70E740481C1C}">
+                <a14:useLocalDpi xmlns:a14="http://schemas.microsoft.com/office/drawing/2010/main" val="0"/>
+              </a:ext>
+            </a:extLst>
+          </a:blip>
+          <a:srcRect/>
+          <a:stretch>
+            <a:fillRect/>
+          </a:stretch>
+        </p:blipFill>
+        <p:spPr bwMode="auto">
+          <a:xfrm>
+            <a:off x="567267" y="3276600"/>
+            <a:ext cx="3571960" cy="2905125"/>
+          </a:xfrm>
+          <a:prstGeom prst="rect">
+            <a:avLst/>
+          </a:prstGeom>
+          <a:noFill/>
+          <a:ln>
+            <a:noFill/>
+          </a:ln>
+          <a:effectLst/>
+          <a:extLst>
+            <a:ext uri="{909E8E84-426E-40DD-AFC4-6F175D3DCCD1}">
+              <a14:hiddenFill xmlns:a14="http://schemas.microsoft.com/office/drawing/2010/main">
+                <a:solidFill>
+                  <a:schemeClr val="accent1"/>
+                </a:solidFill>
+              </a14:hiddenFill>
+            </a:ext>
+            <a:ext uri="{91240B29-F687-4F45-9708-019B960494DF}">
+              <a14:hiddenLine xmlns:a14="http://schemas.microsoft.com/office/drawing/2010/main" w="9525">
+                <a:solidFill>
+                  <a:schemeClr val="tx1"/>
+                </a:solidFill>
+                <a:miter lim="800000"/>
+                <a:headEnd/>
+                <a:tailEnd/>
+              </a14:hiddenLine>
+            </a:ext>
+            <a:ext uri="{AF507438-7753-43E0-B8FC-AC1667EBCBE1}">
+              <a14:hiddenEffects xmlns:a14="http://schemas.microsoft.com/office/drawing/2010/main">
+                <a:effectLst>
+                  <a:outerShdw dist="35921" dir="2700000" algn="ctr" rotWithShape="0">
+                    <a:schemeClr val="bg2"/>
+                  </a:outerShdw>
+                </a:effectLst>
+              </a14:hiddenEffects>
+            </a:ext>
+          </a:extLst>
+        </p:spPr>
+      </p:pic>
+      <p:sp>
+        <p:nvSpPr>
+          <p:cNvPr id="10" name="Content Placeholder 2"/>
+          <p:cNvSpPr>
+            <a:spLocks noGrp="1"/>
+          </p:cNvSpPr>
+          <p:nvPr>
+            <p:ph idx="1"/>
+          </p:nvPr>
+        </p:nvSpPr>
+        <p:spPr>
+          <a:xfrm>
+            <a:off x="457200" y="2209800"/>
+            <a:ext cx="4648200" cy="762000"/>
+          </a:xfrm>
+        </p:spPr>
+        <p:txBody>
+          <a:bodyPr>
+            <a:normAutofit fontScale="92500"/>
+          </a:bodyPr>
+          <a:lstStyle/>
+          <a:p>
+            <a:r>
+              <a:rPr lang="en-US" altLang="zh-CN" dirty="0" smtClean="0">
+                <a:latin typeface="微软雅黑" panose="020B0503020204020204" pitchFamily="34" charset="-122"/>
+                <a:ea typeface="微软雅黑" panose="020B0503020204020204" pitchFamily="34" charset="-122"/>
+              </a:rPr>
+              <a:t>UML</a:t>
+            </a:r>
+            <a:r>
+              <a:rPr lang="zh-CN" altLang="en-US" dirty="0" smtClean="0">
+                <a:latin typeface="微软雅黑" panose="020B0503020204020204" pitchFamily="34" charset="-122"/>
+                <a:ea typeface="微软雅黑" panose="020B0503020204020204" pitchFamily="34" charset="-122"/>
+              </a:rPr>
+              <a:t>图及实际应用示例</a:t>
+            </a:r>
+            <a:endParaRPr lang="zh-CN" altLang="en-US" dirty="0">
+              <a:latin typeface="微软雅黑" panose="020B0503020204020204" pitchFamily="34" charset="-122"/>
+              <a:ea typeface="微软雅黑" panose="020B0503020204020204" pitchFamily="34" charset="-122"/>
+            </a:endParaRPr>
+          </a:p>
+        </p:txBody>
+      </p:sp>
+    </p:spTree>
+    <p:extLst>
+      <p:ext uri="{BB962C8B-B14F-4D97-AF65-F5344CB8AC3E}">
+        <p14:creationId xmlns:p14="http://schemas.microsoft.com/office/powerpoint/2010/main" val="1635025333"/>
       </p:ext>
     </p:extLst>
   </p:cSld>
